--- a/ppt/Python02-Variables.pptx
+++ b/ppt/Python02-Variables.pptx
@@ -5,10 +5,10 @@
     <p:sldMasterId id="2147483653" r:id="rId1"/>
   </p:sldMasterIdLst>
   <p:notesMasterIdLst>
-    <p:notesMasterId r:id="rId24"/>
+    <p:notesMasterId r:id="rId23"/>
   </p:notesMasterIdLst>
   <p:handoutMasterIdLst>
-    <p:handoutMasterId r:id="rId25"/>
+    <p:handoutMasterId r:id="rId24"/>
   </p:handoutMasterIdLst>
   <p:sldIdLst>
     <p:sldId id="264" r:id="rId2"/>
@@ -28,11 +28,10 @@
     <p:sldId id="276" r:id="rId16"/>
     <p:sldId id="277" r:id="rId17"/>
     <p:sldId id="278" r:id="rId18"/>
-    <p:sldId id="279" r:id="rId19"/>
-    <p:sldId id="283" r:id="rId20"/>
-    <p:sldId id="280" r:id="rId21"/>
-    <p:sldId id="284" r:id="rId22"/>
-    <p:sldId id="285" r:id="rId23"/>
+    <p:sldId id="283" r:id="rId19"/>
+    <p:sldId id="280" r:id="rId20"/>
+    <p:sldId id="284" r:id="rId21"/>
+    <p:sldId id="285" r:id="rId22"/>
   </p:sldIdLst>
   <p:sldSz cx="9144000" cy="6858000" type="screen4x3"/>
   <p:notesSz cx="6648450" cy="9782175"/>
@@ -625,35 +624,35 @@
           <a:p>
             <a:pPr lvl="0"/>
             <a:r>
-              <a:rPr lang="fr-FR" noProof="0" smtClean="0"/>
+              <a:rPr lang="fr-FR" noProof="0"/>
               <a:t>Cliquez pour modifier les styles du texte du masque</a:t>
             </a:r>
           </a:p>
           <a:p>
             <a:pPr lvl="1"/>
             <a:r>
-              <a:rPr lang="fr-FR" noProof="0" smtClean="0"/>
+              <a:rPr lang="fr-FR" noProof="0"/>
               <a:t>Deuxième niveau</a:t>
             </a:r>
           </a:p>
           <a:p>
             <a:pPr lvl="2"/>
             <a:r>
-              <a:rPr lang="fr-FR" noProof="0" smtClean="0"/>
+              <a:rPr lang="fr-FR" noProof="0"/>
               <a:t>Troisième niveau</a:t>
             </a:r>
           </a:p>
           <a:p>
             <a:pPr lvl="3"/>
             <a:r>
-              <a:rPr lang="fr-FR" noProof="0" smtClean="0"/>
+              <a:rPr lang="fr-FR" noProof="0"/>
               <a:t>Quatrième niveau</a:t>
             </a:r>
           </a:p>
           <a:p>
             <a:pPr lvl="4"/>
             <a:r>
-              <a:rPr lang="fr-FR" noProof="0" smtClean="0"/>
+              <a:rPr lang="fr-FR" noProof="0"/>
               <a:t>Cinquième niveau</a:t>
             </a:r>
           </a:p>
@@ -941,10 +940,9 @@
           <a:lstStyle/>
           <a:p>
             <a:r>
-              <a:rPr lang="fr-FR" smtClean="0"/>
+              <a:rPr lang="fr-FR"/>
               <a:t>Cliquez pour modifier le style du titre</a:t>
             </a:r>
-            <a:endParaRPr lang="fr-FR"/>
           </a:p>
         </p:txBody>
       </p:sp>
@@ -1006,10 +1004,9 @@
           </a:lstStyle>
           <a:p>
             <a:r>
-              <a:rPr lang="fr-FR" smtClean="0"/>
+              <a:rPr lang="fr-FR"/>
               <a:t>Cliquez pour modifier le style des sous-titres du masque</a:t>
             </a:r>
-            <a:endParaRPr lang="fr-FR"/>
           </a:p>
         </p:txBody>
       </p:sp>
@@ -1064,10 +1061,9 @@
           <a:lstStyle/>
           <a:p>
             <a:r>
-              <a:rPr lang="fr-FR" smtClean="0"/>
+              <a:rPr lang="fr-FR"/>
               <a:t>Cliquez pour modifier le style du titre</a:t>
             </a:r>
-            <a:endParaRPr lang="fr-FR"/>
           </a:p>
         </p:txBody>
       </p:sp>
@@ -1093,38 +1089,37 @@
           <a:p>
             <a:pPr lvl="0"/>
             <a:r>
-              <a:rPr lang="fr-FR" smtClean="0"/>
+              <a:rPr lang="fr-FR"/>
               <a:t>Cliquez pour modifier les styles du texte du masque</a:t>
             </a:r>
           </a:p>
           <a:p>
             <a:pPr lvl="1"/>
             <a:r>
-              <a:rPr lang="fr-FR" smtClean="0"/>
+              <a:rPr lang="fr-FR"/>
               <a:t>Deuxième niveau</a:t>
             </a:r>
           </a:p>
           <a:p>
             <a:pPr lvl="2"/>
             <a:r>
-              <a:rPr lang="fr-FR" smtClean="0"/>
+              <a:rPr lang="fr-FR"/>
               <a:t>Troisième niveau</a:t>
             </a:r>
           </a:p>
           <a:p>
             <a:pPr lvl="3"/>
             <a:r>
-              <a:rPr lang="fr-FR" smtClean="0"/>
+              <a:rPr lang="fr-FR"/>
               <a:t>Quatrième niveau</a:t>
             </a:r>
           </a:p>
           <a:p>
             <a:pPr lvl="4"/>
             <a:r>
-              <a:rPr lang="fr-FR" smtClean="0"/>
+              <a:rPr lang="fr-FR"/>
               <a:t>Cinquième niveau</a:t>
             </a:r>
-            <a:endParaRPr lang="fr-FR"/>
           </a:p>
         </p:txBody>
       </p:sp>
@@ -1183,10 +1178,9 @@
           </a:lstStyle>
           <a:p>
             <a:r>
-              <a:rPr lang="fr-FR" dirty="0" smtClean="0"/>
+              <a:rPr lang="fr-FR" dirty="0"/>
               <a:t>Cliquez pour modifier le style du titre</a:t>
             </a:r>
-            <a:endParaRPr lang="fr-FR" dirty="0"/>
           </a:p>
         </p:txBody>
       </p:sp>
@@ -1212,38 +1206,37 @@
           <a:p>
             <a:pPr lvl="0"/>
             <a:r>
-              <a:rPr lang="fr-FR" dirty="0" smtClean="0"/>
+              <a:rPr lang="fr-FR" dirty="0"/>
               <a:t>Cliquez pour modifier les styles du texte du masque</a:t>
             </a:r>
           </a:p>
           <a:p>
             <a:pPr lvl="1"/>
             <a:r>
-              <a:rPr lang="fr-FR" dirty="0" smtClean="0"/>
+              <a:rPr lang="fr-FR" dirty="0"/>
               <a:t>Deuxième niveau</a:t>
             </a:r>
           </a:p>
           <a:p>
             <a:pPr lvl="2"/>
             <a:r>
-              <a:rPr lang="fr-FR" dirty="0" smtClean="0"/>
+              <a:rPr lang="fr-FR" dirty="0"/>
               <a:t>Troisième niveau</a:t>
             </a:r>
           </a:p>
           <a:p>
             <a:pPr lvl="3"/>
             <a:r>
-              <a:rPr lang="fr-FR" dirty="0" smtClean="0"/>
+              <a:rPr lang="fr-FR" dirty="0"/>
               <a:t>Quatrième niveau</a:t>
             </a:r>
           </a:p>
           <a:p>
             <a:pPr lvl="4"/>
             <a:r>
-              <a:rPr lang="fr-FR" dirty="0" smtClean="0"/>
+              <a:rPr lang="fr-FR" dirty="0"/>
               <a:t>Cinquième niveau</a:t>
             </a:r>
-            <a:endParaRPr lang="fr-FR" dirty="0"/>
           </a:p>
         </p:txBody>
       </p:sp>
@@ -1293,10 +1286,9 @@
           <a:lstStyle/>
           <a:p>
             <a:r>
-              <a:rPr lang="fr-FR" smtClean="0"/>
+              <a:rPr lang="fr-FR"/>
               <a:t>Cliquez pour modifier le style du titre</a:t>
             </a:r>
-            <a:endParaRPr lang="fr-FR"/>
           </a:p>
         </p:txBody>
       </p:sp>
@@ -1350,38 +1342,37 @@
           <a:p>
             <a:pPr lvl="0"/>
             <a:r>
-              <a:rPr lang="fr-FR" smtClean="0"/>
+              <a:rPr lang="fr-FR"/>
               <a:t>Cliquez pour modifier les styles du texte du masque</a:t>
             </a:r>
           </a:p>
           <a:p>
             <a:pPr lvl="1"/>
             <a:r>
-              <a:rPr lang="fr-FR" smtClean="0"/>
+              <a:rPr lang="fr-FR"/>
               <a:t>Deuxième niveau</a:t>
             </a:r>
           </a:p>
           <a:p>
             <a:pPr lvl="2"/>
             <a:r>
-              <a:rPr lang="fr-FR" smtClean="0"/>
+              <a:rPr lang="fr-FR"/>
               <a:t>Troisième niveau</a:t>
             </a:r>
           </a:p>
           <a:p>
             <a:pPr lvl="3"/>
             <a:r>
-              <a:rPr lang="fr-FR" smtClean="0"/>
+              <a:rPr lang="fr-FR"/>
               <a:t>Quatrième niveau</a:t>
             </a:r>
           </a:p>
           <a:p>
             <a:pPr lvl="4"/>
             <a:r>
-              <a:rPr lang="fr-FR" smtClean="0"/>
+              <a:rPr lang="fr-FR"/>
               <a:t>Cinquième niveau</a:t>
             </a:r>
-            <a:endParaRPr lang="fr-FR"/>
           </a:p>
         </p:txBody>
       </p:sp>
@@ -1435,38 +1426,37 @@
           <a:p>
             <a:pPr lvl="0"/>
             <a:r>
-              <a:rPr lang="fr-FR" smtClean="0"/>
+              <a:rPr lang="fr-FR"/>
               <a:t>Cliquez pour modifier les styles du texte du masque</a:t>
             </a:r>
           </a:p>
           <a:p>
             <a:pPr lvl="1"/>
             <a:r>
-              <a:rPr lang="fr-FR" smtClean="0"/>
+              <a:rPr lang="fr-FR"/>
               <a:t>Deuxième niveau</a:t>
             </a:r>
           </a:p>
           <a:p>
             <a:pPr lvl="2"/>
             <a:r>
-              <a:rPr lang="fr-FR" smtClean="0"/>
+              <a:rPr lang="fr-FR"/>
               <a:t>Troisième niveau</a:t>
             </a:r>
           </a:p>
           <a:p>
             <a:pPr lvl="3"/>
             <a:r>
-              <a:rPr lang="fr-FR" smtClean="0"/>
+              <a:rPr lang="fr-FR"/>
               <a:t>Quatrième niveau</a:t>
             </a:r>
           </a:p>
           <a:p>
             <a:pPr lvl="4"/>
             <a:r>
-              <a:rPr lang="fr-FR" smtClean="0"/>
+              <a:rPr lang="fr-FR"/>
               <a:t>Cinquième niveau</a:t>
             </a:r>
-            <a:endParaRPr lang="fr-FR"/>
           </a:p>
         </p:txBody>
       </p:sp>
@@ -1525,10 +1515,9 @@
           </a:lstStyle>
           <a:p>
             <a:r>
-              <a:rPr lang="fr-FR" smtClean="0"/>
+              <a:rPr lang="fr-FR"/>
               <a:t>Cliquez pour modifier le style du titre</a:t>
             </a:r>
-            <a:endParaRPr lang="fr-FR"/>
           </a:p>
         </p:txBody>
       </p:sp>
@@ -1591,7 +1580,7 @@
           <a:p>
             <a:pPr lvl="0"/>
             <a:r>
-              <a:rPr lang="fr-FR" smtClean="0"/>
+              <a:rPr lang="fr-FR"/>
               <a:t>Cliquez pour modifier les styles du texte du masque</a:t>
             </a:r>
           </a:p>
@@ -1647,38 +1636,37 @@
           <a:p>
             <a:pPr lvl="0"/>
             <a:r>
-              <a:rPr lang="fr-FR" smtClean="0"/>
+              <a:rPr lang="fr-FR"/>
               <a:t>Cliquez pour modifier les styles du texte du masque</a:t>
             </a:r>
           </a:p>
           <a:p>
             <a:pPr lvl="1"/>
             <a:r>
-              <a:rPr lang="fr-FR" smtClean="0"/>
+              <a:rPr lang="fr-FR"/>
               <a:t>Deuxième niveau</a:t>
             </a:r>
           </a:p>
           <a:p>
             <a:pPr lvl="2"/>
             <a:r>
-              <a:rPr lang="fr-FR" smtClean="0"/>
+              <a:rPr lang="fr-FR"/>
               <a:t>Troisième niveau</a:t>
             </a:r>
           </a:p>
           <a:p>
             <a:pPr lvl="3"/>
             <a:r>
-              <a:rPr lang="fr-FR" smtClean="0"/>
+              <a:rPr lang="fr-FR"/>
               <a:t>Quatrième niveau</a:t>
             </a:r>
           </a:p>
           <a:p>
             <a:pPr lvl="4"/>
             <a:r>
-              <a:rPr lang="fr-FR" smtClean="0"/>
+              <a:rPr lang="fr-FR"/>
               <a:t>Cinquième niveau</a:t>
             </a:r>
-            <a:endParaRPr lang="fr-FR"/>
           </a:p>
         </p:txBody>
       </p:sp>
@@ -1741,7 +1729,7 @@
           <a:p>
             <a:pPr lvl="0"/>
             <a:r>
-              <a:rPr lang="fr-FR" smtClean="0"/>
+              <a:rPr lang="fr-FR"/>
               <a:t>Cliquez pour modifier les styles du texte du masque</a:t>
             </a:r>
           </a:p>
@@ -1797,38 +1785,37 @@
           <a:p>
             <a:pPr lvl="0"/>
             <a:r>
-              <a:rPr lang="fr-FR" smtClean="0"/>
+              <a:rPr lang="fr-FR"/>
               <a:t>Cliquez pour modifier les styles du texte du masque</a:t>
             </a:r>
           </a:p>
           <a:p>
             <a:pPr lvl="1"/>
             <a:r>
-              <a:rPr lang="fr-FR" smtClean="0"/>
+              <a:rPr lang="fr-FR"/>
               <a:t>Deuxième niveau</a:t>
             </a:r>
           </a:p>
           <a:p>
             <a:pPr lvl="2"/>
             <a:r>
-              <a:rPr lang="fr-FR" smtClean="0"/>
+              <a:rPr lang="fr-FR"/>
               <a:t>Troisième niveau</a:t>
             </a:r>
           </a:p>
           <a:p>
             <a:pPr lvl="3"/>
             <a:r>
-              <a:rPr lang="fr-FR" smtClean="0"/>
+              <a:rPr lang="fr-FR"/>
               <a:t>Quatrième niveau</a:t>
             </a:r>
           </a:p>
           <a:p>
             <a:pPr lvl="4"/>
             <a:r>
-              <a:rPr lang="fr-FR" smtClean="0"/>
+              <a:rPr lang="fr-FR"/>
               <a:t>Cinquième niveau</a:t>
             </a:r>
-            <a:endParaRPr lang="fr-FR"/>
           </a:p>
         </p:txBody>
       </p:sp>
@@ -1878,10 +1865,9 @@
           <a:lstStyle/>
           <a:p>
             <a:r>
-              <a:rPr lang="fr-FR" smtClean="0"/>
+              <a:rPr lang="fr-FR"/>
               <a:t>Cliquez pour modifier le style du titre</a:t>
             </a:r>
-            <a:endParaRPr lang="fr-FR"/>
           </a:p>
         </p:txBody>
       </p:sp>
@@ -1970,10 +1956,9 @@
           </a:lstStyle>
           <a:p>
             <a:r>
-              <a:rPr lang="fr-FR" smtClean="0"/>
+              <a:rPr lang="fr-FR"/>
               <a:t>Cliquez pour modifier le style du titre</a:t>
             </a:r>
-            <a:endParaRPr lang="fr-FR"/>
           </a:p>
         </p:txBody>
       </p:sp>
@@ -2027,38 +2012,37 @@
           <a:p>
             <a:pPr lvl="0"/>
             <a:r>
-              <a:rPr lang="fr-FR" smtClean="0"/>
+              <a:rPr lang="fr-FR"/>
               <a:t>Cliquez pour modifier les styles du texte du masque</a:t>
             </a:r>
           </a:p>
           <a:p>
             <a:pPr lvl="1"/>
             <a:r>
-              <a:rPr lang="fr-FR" smtClean="0"/>
+              <a:rPr lang="fr-FR"/>
               <a:t>Deuxième niveau</a:t>
             </a:r>
           </a:p>
           <a:p>
             <a:pPr lvl="2"/>
             <a:r>
-              <a:rPr lang="fr-FR" smtClean="0"/>
+              <a:rPr lang="fr-FR"/>
               <a:t>Troisième niveau</a:t>
             </a:r>
           </a:p>
           <a:p>
             <a:pPr lvl="3"/>
             <a:r>
-              <a:rPr lang="fr-FR" smtClean="0"/>
+              <a:rPr lang="fr-FR"/>
               <a:t>Quatrième niveau</a:t>
             </a:r>
           </a:p>
           <a:p>
             <a:pPr lvl="4"/>
             <a:r>
-              <a:rPr lang="fr-FR" smtClean="0"/>
+              <a:rPr lang="fr-FR"/>
               <a:t>Cinquième niveau</a:t>
             </a:r>
-            <a:endParaRPr lang="fr-FR"/>
           </a:p>
         </p:txBody>
       </p:sp>
@@ -2121,7 +2105,7 @@
           <a:p>
             <a:pPr lvl="0"/>
             <a:r>
-              <a:rPr lang="fr-FR" smtClean="0"/>
+              <a:rPr lang="fr-FR"/>
               <a:t>Cliquez pour modifier les styles du texte du masque</a:t>
             </a:r>
           </a:p>
@@ -2182,10 +2166,9 @@
           </a:lstStyle>
           <a:p>
             <a:r>
-              <a:rPr lang="fr-FR" smtClean="0"/>
+              <a:rPr lang="fr-FR"/>
               <a:t>Cliquez pour modifier le style du titre</a:t>
             </a:r>
-            <a:endParaRPr lang="fr-FR"/>
           </a:p>
         </p:txBody>
       </p:sp>
@@ -2247,7 +2230,7 @@
           </a:lstStyle>
           <a:p>
             <a:pPr lvl="0"/>
-            <a:endParaRPr lang="fr-FR" noProof="0" smtClean="0"/>
+            <a:endParaRPr lang="fr-FR" noProof="0"/>
           </a:p>
         </p:txBody>
       </p:sp>
@@ -2310,7 +2293,7 @@
           <a:p>
             <a:pPr lvl="0"/>
             <a:r>
-              <a:rPr lang="fr-FR" smtClean="0"/>
+              <a:rPr lang="fr-FR"/>
               <a:t>Cliquez pour modifier les styles du texte du masque</a:t>
             </a:r>
           </a:p>
@@ -2362,10 +2345,9 @@
           <a:lstStyle/>
           <a:p>
             <a:r>
-              <a:rPr lang="fr-FR" smtClean="0"/>
+              <a:rPr lang="fr-FR"/>
               <a:t>Cliquez pour modifier le style du titre</a:t>
             </a:r>
-            <a:endParaRPr lang="fr-FR"/>
           </a:p>
         </p:txBody>
       </p:sp>
@@ -2386,38 +2368,37 @@
           <a:p>
             <a:pPr lvl="0"/>
             <a:r>
-              <a:rPr lang="fr-FR" smtClean="0"/>
+              <a:rPr lang="fr-FR"/>
               <a:t>Cliquez pour modifier les styles du texte du masque</a:t>
             </a:r>
           </a:p>
           <a:p>
             <a:pPr lvl="1"/>
             <a:r>
-              <a:rPr lang="fr-FR" smtClean="0"/>
+              <a:rPr lang="fr-FR"/>
               <a:t>Deuxième niveau</a:t>
             </a:r>
           </a:p>
           <a:p>
             <a:pPr lvl="2"/>
             <a:r>
-              <a:rPr lang="fr-FR" smtClean="0"/>
+              <a:rPr lang="fr-FR"/>
               <a:t>Troisième niveau</a:t>
             </a:r>
           </a:p>
           <a:p>
             <a:pPr lvl="3"/>
             <a:r>
-              <a:rPr lang="fr-FR" smtClean="0"/>
+              <a:rPr lang="fr-FR"/>
               <a:t>Quatrième niveau</a:t>
             </a:r>
           </a:p>
           <a:p>
             <a:pPr lvl="4"/>
             <a:r>
-              <a:rPr lang="fr-FR" smtClean="0"/>
+              <a:rPr lang="fr-FR"/>
               <a:t>Cinquième niveau</a:t>
             </a:r>
-            <a:endParaRPr lang="fr-FR"/>
           </a:p>
         </p:txBody>
       </p:sp>
@@ -2598,7 +2579,7 @@
             <a:pPr eaLnBrk="1" hangingPunct="1">
               <a:defRPr/>
             </a:pPr>
-            <a:endParaRPr lang="fr-FR" altLang="fr-FR" smtClean="0"/>
+            <a:endParaRPr lang="fr-FR" altLang="fr-FR"/>
           </a:p>
         </p:txBody>
       </p:sp>
@@ -2752,7 +2733,7 @@
               <a:defRPr/>
             </a:pPr>
             <a:r>
-              <a:rPr lang="fr-FR" sz="1200" dirty="0" smtClean="0"/>
+              <a:rPr lang="fr-FR" sz="1200" dirty="0"/>
               <a:t>Page </a:t>
             </a:r>
             <a:fld id="{E218E9B1-FD08-4C80-902E-210BA2967D0D}" type="slidenum">
@@ -2765,7 +2746,7 @@
               </a:pPr>
               <a:t>‹N°›</a:t>
             </a:fld>
-            <a:endParaRPr lang="fr-FR" dirty="0" smtClean="0">
+            <a:endParaRPr lang="fr-FR" dirty="0">
               <a:latin typeface="Times New Roman" pitchFamily="18" charset="0"/>
             </a:endParaRPr>
           </a:p>
@@ -2921,10 +2902,10 @@
               <a:defRPr/>
             </a:pPr>
             <a:r>
-              <a:rPr lang="fr-FR" sz="1600" dirty="0" smtClean="0"/>
+              <a:rPr lang="fr-FR" sz="1600" dirty="0"/>
               <a:t>Python</a:t>
             </a:r>
-            <a:endParaRPr lang="fr-FR" dirty="0" smtClean="0">
+            <a:endParaRPr lang="fr-FR" dirty="0">
               <a:latin typeface="Times New Roman" pitchFamily="18" charset="0"/>
             </a:endParaRPr>
           </a:p>
@@ -2982,7 +2963,7 @@
           <a:p>
             <a:pPr lvl="0"/>
             <a:r>
-              <a:rPr lang="fr-FR" altLang="fr-FR" smtClean="0"/>
+              <a:rPr lang="fr-FR" altLang="fr-FR"/>
               <a:t>Cliquez pour modifier le style du titre du masque</a:t>
             </a:r>
           </a:p>
@@ -3040,35 +3021,35 @@
           <a:p>
             <a:pPr lvl="0"/>
             <a:r>
-              <a:rPr lang="fr-FR" altLang="fr-FR" smtClean="0"/>
+              <a:rPr lang="fr-FR" altLang="fr-FR"/>
               <a:t>Cliquez pour modifier les styles du texte du masque</a:t>
             </a:r>
           </a:p>
           <a:p>
             <a:pPr lvl="1"/>
             <a:r>
-              <a:rPr lang="fr-FR" altLang="fr-FR" smtClean="0"/>
+              <a:rPr lang="fr-FR" altLang="fr-FR"/>
               <a:t>Deuxième niveau</a:t>
             </a:r>
           </a:p>
           <a:p>
             <a:pPr lvl="2"/>
             <a:r>
-              <a:rPr lang="fr-FR" altLang="fr-FR" smtClean="0"/>
+              <a:rPr lang="fr-FR" altLang="fr-FR"/>
               <a:t>Troisième niveau</a:t>
             </a:r>
           </a:p>
           <a:p>
             <a:pPr lvl="3"/>
             <a:r>
-              <a:rPr lang="fr-FR" altLang="fr-FR" smtClean="0"/>
+              <a:rPr lang="fr-FR" altLang="fr-FR"/>
               <a:t>Quatrième niveau</a:t>
             </a:r>
           </a:p>
           <a:p>
             <a:pPr lvl="4"/>
             <a:r>
-              <a:rPr lang="fr-FR" altLang="fr-FR" smtClean="0"/>
+              <a:rPr lang="fr-FR" altLang="fr-FR"/>
               <a:t>Cinquième niveau</a:t>
             </a:r>
           </a:p>
@@ -3224,10 +3205,10 @@
               <a:defRPr/>
             </a:pPr>
             <a:r>
-              <a:rPr lang="fr-FR" sz="1200" smtClean="0"/>
+              <a:rPr lang="fr-FR" sz="1200"/>
               <a:t>© Cyril Vincent Conseil</a:t>
             </a:r>
-            <a:endParaRPr lang="fr-FR" smtClean="0">
+            <a:endParaRPr lang="fr-FR">
               <a:latin typeface="Times New Roman" pitchFamily="18" charset="0"/>
             </a:endParaRPr>
           </a:p>
@@ -3709,26 +3690,21 @@
           <a:p>
             <a:pPr eaLnBrk="1" hangingPunct="1"/>
             <a:r>
-              <a:rPr lang="fr-FR" altLang="fr-FR" dirty="0" smtClean="0"/>
-              <a:t>Chapitre </a:t>
-            </a:r>
-            <a:r>
               <a:rPr lang="fr-FR" altLang="fr-FR" dirty="0"/>
-              <a:t>2</a:t>
-            </a:r>
-            <a:endParaRPr lang="fr-FR" altLang="fr-FR" dirty="0" smtClean="0"/>
+              <a:t>Chapitre 2</a:t>
+            </a:r>
           </a:p>
           <a:p>
             <a:pPr eaLnBrk="1" hangingPunct="1"/>
             <a:r>
-              <a:rPr lang="fr-FR" altLang="fr-FR" dirty="0" smtClean="0"/>
+              <a:rPr lang="fr-FR" altLang="fr-FR" dirty="0"/>
               <a:t>Types </a:t>
             </a:r>
             <a:r>
-              <a:rPr lang="fr-FR" altLang="fr-FR" smtClean="0"/>
+              <a:rPr lang="fr-FR" altLang="fr-FR"/>
               <a:t>et variables</a:t>
             </a:r>
-            <a:endParaRPr lang="fr-FR" altLang="fr-FR" dirty="0" smtClean="0"/>
+            <a:endParaRPr lang="fr-FR" altLang="fr-FR" dirty="0"/>
           </a:p>
         </p:txBody>
       </p:sp>
@@ -3802,13 +3778,6 @@
   <p:clrMapOvr>
     <a:masterClrMapping/>
   </p:clrMapOvr>
-  <p:timing>
-    <p:tnLst>
-      <p:par>
-        <p:cTn id="1" dur="indefinite" restart="never" nodeType="tmRoot"/>
-      </p:par>
-    </p:tnLst>
-  </p:timing>
 </p:sld>
 </file>
 
@@ -3845,10 +3814,9 @@
           <a:lstStyle/>
           <a:p>
             <a:r>
-              <a:rPr lang="fr-FR" dirty="0" smtClean="0"/>
+              <a:rPr lang="fr-FR" dirty="0"/>
               <a:t>String</a:t>
             </a:r>
-            <a:endParaRPr lang="fr-FR" dirty="0"/>
           </a:p>
         </p:txBody>
       </p:sp>
@@ -3873,19 +3841,19 @@
               </a:lnSpc>
             </a:pPr>
             <a:r>
-              <a:rPr lang="en-GB" altLang="fr-FR" dirty="0" err="1" smtClean="0"/>
+              <a:rPr lang="en-GB" altLang="fr-FR" dirty="0" err="1"/>
               <a:t>Une</a:t>
             </a:r>
             <a:r>
-              <a:rPr lang="en-GB" altLang="fr-FR" dirty="0" smtClean="0"/>
+              <a:rPr lang="en-GB" altLang="fr-FR" dirty="0"/>
               <a:t> </a:t>
             </a:r>
             <a:r>
-              <a:rPr lang="en-GB" altLang="fr-FR" dirty="0" err="1" smtClean="0"/>
+              <a:rPr lang="en-GB" altLang="fr-FR" dirty="0" err="1"/>
               <a:t>chaîne</a:t>
             </a:r>
             <a:r>
-              <a:rPr lang="en-GB" altLang="fr-FR" dirty="0" smtClean="0"/>
+              <a:rPr lang="en-GB" altLang="fr-FR" dirty="0"/>
               <a:t> </a:t>
             </a:r>
             <a:r>
@@ -3918,11 +3886,7 @@
             </a:r>
             <a:r>
               <a:rPr lang="en-GB" altLang="fr-FR" dirty="0"/>
-              <a:t> un </a:t>
-            </a:r>
-            <a:r>
-              <a:rPr lang="en-GB" altLang="fr-FR" dirty="0" smtClean="0"/>
-              <a:t>double.</a:t>
+              <a:t> un double.</a:t>
             </a:r>
           </a:p>
           <a:p>
@@ -3932,16 +3896,8 @@
               </a:lnSpc>
             </a:pPr>
             <a:r>
-              <a:rPr lang="en-GB" altLang="fr-FR" dirty="0" smtClean="0"/>
-              <a:t>On </a:t>
-            </a:r>
-            <a:r>
               <a:rPr lang="en-GB" altLang="fr-FR" dirty="0"/>
-              <a:t>utilise le triple double quotes (“”” … </a:t>
-            </a:r>
-            <a:r>
-              <a:rPr lang="en-GB" altLang="fr-FR" dirty="0" smtClean="0"/>
-              <a:t>“””) pour </a:t>
+              <a:t>On utilise le triple double quotes (“”” … “””) pour </a:t>
             </a:r>
             <a:r>
               <a:rPr lang="en-GB" altLang="fr-FR" dirty="0" err="1"/>
@@ -3996,12 +3952,8 @@
               </a:lnSpc>
             </a:pPr>
             <a:r>
-              <a:rPr lang="en-GB" altLang="fr-FR" dirty="0" smtClean="0"/>
-              <a:t>On </a:t>
-            </a:r>
-            <a:r>
               <a:rPr lang="en-GB" altLang="fr-FR" dirty="0"/>
-              <a:t>ne </a:t>
+              <a:t>On ne </a:t>
             </a:r>
             <a:r>
               <a:rPr lang="en-GB" altLang="fr-FR" dirty="0" err="1"/>
@@ -4080,11 +4032,11 @@
               <a:t> </a:t>
             </a:r>
             <a:r>
-              <a:rPr lang="en-GB" altLang="fr-FR" b="1" dirty="0" smtClean="0"/>
+              <a:rPr lang="en-GB" altLang="fr-FR" b="1" dirty="0"/>
               <a:t>)</a:t>
             </a:r>
             <a:r>
-              <a:rPr lang="en-GB" altLang="fr-FR" dirty="0" smtClean="0"/>
+              <a:rPr lang="en-GB" altLang="fr-FR" dirty="0"/>
               <a:t>.</a:t>
             </a:r>
           </a:p>
@@ -4095,22 +4047,21 @@
               </a:lnSpc>
             </a:pPr>
             <a:r>
-              <a:rPr lang="en-GB" altLang="fr-FR" dirty="0" err="1" smtClean="0"/>
+              <a:rPr lang="en-GB" altLang="fr-FR" dirty="0" err="1"/>
               <a:t>Caractère</a:t>
             </a:r>
             <a:r>
-              <a:rPr lang="en-GB" altLang="fr-FR" dirty="0" smtClean="0"/>
+              <a:rPr lang="en-GB" altLang="fr-FR" dirty="0"/>
               <a:t> </a:t>
             </a:r>
             <a:r>
-              <a:rPr lang="en-GB" altLang="fr-FR" dirty="0" err="1" smtClean="0"/>
+              <a:rPr lang="en-GB" altLang="fr-FR" dirty="0" err="1"/>
               <a:t>d’échappement</a:t>
             </a:r>
             <a:r>
-              <a:rPr lang="en-GB" altLang="fr-FR" dirty="0" smtClean="0"/>
+              <a:rPr lang="en-GB" altLang="fr-FR" dirty="0"/>
               <a:t> : \</a:t>
             </a:r>
-            <a:endParaRPr lang="en-GB" altLang="fr-FR" dirty="0"/>
           </a:p>
           <a:p>
             <a:endParaRPr lang="fr-FR" dirty="0"/>
@@ -4127,13 +4078,6 @@
   <p:clrMapOvr>
     <a:masterClrMapping/>
   </p:clrMapOvr>
-  <p:timing>
-    <p:tnLst>
-      <p:par>
-        <p:cTn id="1" dur="indefinite" restart="never" nodeType="tmRoot"/>
-      </p:par>
-    </p:tnLst>
-  </p:timing>
 </p:sld>
 </file>
 
@@ -4170,10 +4114,9 @@
           <a:lstStyle/>
           <a:p>
             <a:r>
-              <a:rPr lang="fr-FR" dirty="0" smtClean="0"/>
+              <a:rPr lang="fr-FR" dirty="0"/>
               <a:t>Opération sur les chaînes</a:t>
             </a:r>
-            <a:endParaRPr lang="fr-FR" dirty="0"/>
           </a:p>
         </p:txBody>
       </p:sp>
@@ -4333,13 +4276,6 @@
   <p:clrMapOvr>
     <a:masterClrMapping/>
   </p:clrMapOvr>
-  <p:timing>
-    <p:tnLst>
-      <p:par>
-        <p:cTn id="1" dur="indefinite" restart="never" nodeType="tmRoot"/>
-      </p:par>
-    </p:tnLst>
-  </p:timing>
 </p:sld>
 </file>
 
@@ -4376,14 +4312,13 @@
           <a:lstStyle/>
           <a:p>
             <a:r>
-              <a:rPr lang="fr-FR" dirty="0" err="1" smtClean="0"/>
+              <a:rPr lang="fr-FR" dirty="0" err="1"/>
               <a:t>Indiçage</a:t>
             </a:r>
             <a:r>
-              <a:rPr lang="fr-FR" dirty="0" smtClean="0"/>
+              <a:rPr lang="fr-FR" dirty="0"/>
               <a:t> des chaînes</a:t>
             </a:r>
-            <a:endParaRPr lang="fr-FR" dirty="0"/>
           </a:p>
         </p:txBody>
       </p:sp>
@@ -4446,7 +4381,7 @@
           </a:p>
           <a:p>
             <a:r>
-              <a:rPr lang="en-GB" altLang="fr-FR" dirty="0" smtClean="0"/>
+              <a:rPr lang="en-GB" altLang="fr-FR" dirty="0"/>
               <a:t>Un </a:t>
             </a:r>
             <a:r>
@@ -4487,15 +4422,7 @@
             </a:r>
             <a:r>
               <a:rPr lang="en-GB" altLang="fr-FR" dirty="0"/>
-              <a:t> par </a:t>
-            </a:r>
-            <a:r>
-              <a:rPr lang="en-GB" altLang="fr-FR" dirty="0" smtClean="0"/>
-              <a:t>la gauche </a:t>
-            </a:r>
-            <a:r>
-              <a:rPr lang="en-GB" altLang="fr-FR" dirty="0"/>
-              <a:t>et un </a:t>
+              <a:t> par la gauche et un </a:t>
             </a:r>
             <a:r>
               <a:rPr lang="en-GB" altLang="fr-FR" dirty="0" err="1"/>
@@ -4538,7 +4465,7 @@
               <a:t> la </a:t>
             </a:r>
             <a:r>
-              <a:rPr lang="en-GB" altLang="fr-FR" dirty="0" err="1" smtClean="0"/>
+              <a:rPr lang="en-GB" altLang="fr-FR" dirty="0" err="1"/>
               <a:t>droite</a:t>
             </a:r>
             <a:endParaRPr lang="en-GB" altLang="fr-FR" u="sng" dirty="0"/>
@@ -4821,10 +4748,9 @@
           <a:lstStyle/>
           <a:p>
             <a:r>
-              <a:rPr lang="fr-FR" dirty="0" smtClean="0"/>
+              <a:rPr lang="fr-FR" dirty="0"/>
               <a:t>Remarques sur les chaînes</a:t>
             </a:r>
-            <a:endParaRPr lang="fr-FR" dirty="0"/>
           </a:p>
         </p:txBody>
       </p:sp>
@@ -4913,10 +4839,10 @@
               <a:t> à </a:t>
             </a:r>
             <a:r>
-              <a:rPr lang="en-GB" altLang="fr-FR" dirty="0" err="1" smtClean="0"/>
+              <a:rPr lang="en-GB" altLang="fr-FR" dirty="0" err="1"/>
               <a:t>droite</a:t>
             </a:r>
-            <a:endParaRPr lang="en-GB" altLang="fr-FR" dirty="0" smtClean="0"/>
+            <a:endParaRPr lang="en-GB" altLang="fr-FR" dirty="0"/>
           </a:p>
           <a:p>
             <a:pPr lvl="1">
@@ -4925,20 +4851,8 @@
               </a:lnSpc>
             </a:pPr>
             <a:r>
-              <a:rPr lang="en-GB" altLang="fr-FR" dirty="0" smtClean="0"/>
-              <a:t>s</a:t>
-            </a:r>
-            <a:r>
               <a:rPr lang="en-GB" altLang="fr-FR" dirty="0"/>
-              <a:t>[:5] =&gt; s[0:5] et s[3:] =&gt; s[3:len(s</a:t>
-            </a:r>
-            <a:r>
-              <a:rPr lang="en-GB" altLang="fr-FR" dirty="0" smtClean="0"/>
-              <a:t>)])</a:t>
-            </a:r>
-            <a:r>
-              <a:rPr lang="en-GB" altLang="fr-FR" dirty="0"/>
-              <a:t>			</a:t>
+              <a:t>s[:5] =&gt; s[0:5] et s[3:] =&gt; s[3:len(s)])			</a:t>
             </a:r>
           </a:p>
           <a:p>
@@ -5029,11 +4943,7 @@
             </a:r>
             <a:r>
               <a:rPr lang="en-GB" altLang="fr-FR" dirty="0"/>
-              <a:t> </a:t>
-            </a:r>
-            <a:r>
-              <a:rPr lang="en-GB" altLang="fr-FR" dirty="0" smtClean="0"/>
-              <a:t>vide</a:t>
+              <a:t> vide</a:t>
             </a:r>
           </a:p>
           <a:p>
@@ -5043,12 +4953,8 @@
               </a:lnSpc>
             </a:pPr>
             <a:r>
-              <a:rPr lang="en-GB" altLang="fr-FR" dirty="0" smtClean="0"/>
-              <a:t>s[1:100</a:t>
-            </a:r>
-            <a:r>
               <a:rPr lang="en-GB" altLang="fr-FR" dirty="0"/>
-              <a:t>] </a:t>
+              <a:t>s[1:100] </a:t>
             </a:r>
             <a:r>
               <a:rPr lang="en-GB" altLang="fr-FR" dirty="0" err="1"/>
@@ -5064,15 +4970,7 @@
             </a:r>
             <a:r>
               <a:rPr lang="en-GB" altLang="fr-FR" dirty="0"/>
-              <a:t> </a:t>
-            </a:r>
-            <a:r>
-              <a:rPr lang="en-GB" altLang="fr-FR" dirty="0" smtClean="0"/>
-              <a:t>‘’</a:t>
-            </a:r>
-            <a:r>
-              <a:rPr lang="en-GB" altLang="fr-FR" dirty="0"/>
-              <a:t>	</a:t>
+              <a:t> ‘’	</a:t>
             </a:r>
           </a:p>
           <a:p>
@@ -5082,20 +4980,12 @@
               </a:lnSpc>
             </a:pPr>
             <a:r>
-              <a:rPr lang="en-GB" altLang="fr-FR" dirty="0" smtClean="0">
-                <a:solidFill>
-                  <a:schemeClr val="accent2"/>
-                </a:solidFill>
-              </a:rPr>
-              <a:t>&gt;&gt;&gt; </a:t>
-            </a:r>
-            <a:r>
               <a:rPr lang="en-GB" altLang="fr-FR" dirty="0">
                 <a:solidFill>
                   <a:schemeClr val="accent2"/>
                 </a:solidFill>
               </a:rPr>
-              <a:t>s[-2]  # les </a:t>
+              <a:t>&gt;&gt;&gt; s[-2]  # les </a:t>
             </a:r>
             <a:r>
               <a:rPr lang="en-GB" altLang="fr-FR" dirty="0" err="1">
@@ -5181,20 +5071,12 @@
               </a:lnSpc>
             </a:pPr>
             <a:r>
-              <a:rPr lang="en-GB" altLang="fr-FR" dirty="0" smtClean="0">
-                <a:solidFill>
-                  <a:schemeClr val="accent2"/>
-                </a:solidFill>
-              </a:rPr>
-              <a:t>&gt;&gt;&gt;</a:t>
-            </a:r>
-            <a:r>
               <a:rPr lang="en-GB" altLang="fr-FR" dirty="0">
                 <a:solidFill>
                   <a:schemeClr val="accent2"/>
                 </a:solidFill>
               </a:rPr>
-              <a:t>s[-100] # </a:t>
+              <a:t>&gt;&gt;&gt;s[-100] # </a:t>
             </a:r>
             <a:r>
               <a:rPr lang="en-GB" altLang="fr-FR" dirty="0" err="1">
@@ -5218,13 +5100,6 @@
   <p:clrMapOvr>
     <a:masterClrMapping/>
   </p:clrMapOvr>
-  <p:timing>
-    <p:tnLst>
-      <p:par>
-        <p:cTn id="1" dur="indefinite" restart="never" nodeType="tmRoot"/>
-      </p:par>
-    </p:tnLst>
-  </p:timing>
 </p:sld>
 </file>
 
@@ -5261,10 +5136,9 @@
           <a:lstStyle/>
           <a:p>
             <a:r>
-              <a:rPr lang="fr-FR" dirty="0" smtClean="0"/>
+              <a:rPr lang="fr-FR" dirty="0"/>
               <a:t>Astuces</a:t>
             </a:r>
-            <a:endParaRPr lang="fr-FR" dirty="0"/>
           </a:p>
         </p:txBody>
       </p:sp>
@@ -5284,29 +5158,29 @@
           <a:lstStyle/>
           <a:p>
             <a:r>
-              <a:rPr lang="fr-FR" dirty="0" smtClean="0"/>
+              <a:rPr lang="fr-FR" dirty="0"/>
               <a:t>Permutation de 2 variables</a:t>
             </a:r>
           </a:p>
           <a:p>
             <a:pPr lvl="1"/>
             <a:r>
-              <a:rPr lang="fr-FR" dirty="0" err="1" smtClean="0"/>
+              <a:rPr lang="fr-FR" dirty="0" err="1"/>
               <a:t>a,b</a:t>
             </a:r>
             <a:r>
-              <a:rPr lang="fr-FR" dirty="0" smtClean="0"/>
+              <a:rPr lang="fr-FR" dirty="0"/>
               <a:t> = </a:t>
             </a:r>
             <a:r>
-              <a:rPr lang="fr-FR" dirty="0" err="1" smtClean="0"/>
+              <a:rPr lang="fr-FR" dirty="0" err="1"/>
               <a:t>b,a</a:t>
             </a:r>
-            <a:endParaRPr lang="fr-FR" dirty="0" smtClean="0"/>
-          </a:p>
-          <a:p>
-            <a:r>
-              <a:rPr lang="fr-FR" dirty="0" smtClean="0"/>
+            <a:endParaRPr lang="fr-FR" dirty="0"/>
+          </a:p>
+          <a:p>
+            <a:r>
+              <a:rPr lang="fr-FR" dirty="0"/>
               <a:t>Affectation multiple</a:t>
             </a:r>
           </a:p>
@@ -5314,30 +5188,26 @@
             <a:pPr lvl="1"/>
             <a:r>
               <a:rPr lang="fr-FR" dirty="0"/>
-              <a:t>a</a:t>
-            </a:r>
-            <a:r>
-              <a:rPr lang="fr-FR" dirty="0" smtClean="0"/>
-              <a:t> = b = 3</a:t>
-            </a:r>
-          </a:p>
-          <a:p>
-            <a:r>
-              <a:rPr lang="fr-FR" dirty="0" smtClean="0"/>
+              <a:t>a = b = 3</a:t>
+            </a:r>
+          </a:p>
+          <a:p>
+            <a:r>
+              <a:rPr lang="fr-FR" dirty="0"/>
               <a:t>Ecriture sur plusieurs lignes</a:t>
             </a:r>
           </a:p>
           <a:p>
             <a:pPr lvl="1"/>
             <a:r>
-              <a:rPr lang="fr-FR" dirty="0" smtClean="0"/>
+              <a:rPr lang="fr-FR" dirty="0"/>
               <a:t>1 + 2 + 3 \</a:t>
             </a:r>
           </a:p>
           <a:p>
             <a:pPr lvl="1"/>
             <a:r>
-              <a:rPr lang="fr-FR" dirty="0" smtClean="0"/>
+              <a:rPr lang="fr-FR" dirty="0"/>
               <a:t>+ 4</a:t>
             </a:r>
           </a:p>
@@ -5356,13 +5226,6 @@
   <p:clrMapOvr>
     <a:masterClrMapping/>
   </p:clrMapOvr>
-  <p:timing>
-    <p:tnLst>
-      <p:par>
-        <p:cTn id="1" dur="indefinite" restart="never" nodeType="tmRoot"/>
-      </p:par>
-    </p:tnLst>
-  </p:timing>
 </p:sld>
 </file>
 
@@ -5399,10 +5262,9 @@
           <a:lstStyle/>
           <a:p>
             <a:r>
-              <a:rPr lang="fr-FR" dirty="0" smtClean="0"/>
+              <a:rPr lang="fr-FR" dirty="0"/>
               <a:t>Les premières fonctions</a:t>
             </a:r>
-            <a:endParaRPr lang="fr-FR" dirty="0"/>
           </a:p>
         </p:txBody>
       </p:sp>
@@ -5422,24 +5284,20 @@
           <a:lstStyle/>
           <a:p>
             <a:r>
-              <a:rPr lang="fr-FR" dirty="0" smtClean="0"/>
+              <a:rPr lang="fr-FR" dirty="0"/>
               <a:t>Une fonction contient un nom, des paramètres entre parenthèse et un retour</a:t>
             </a:r>
           </a:p>
           <a:p>
             <a:r>
               <a:rPr lang="fr-FR" dirty="0"/>
-              <a:t>t</a:t>
-            </a:r>
-            <a:r>
-              <a:rPr lang="fr-FR" dirty="0" smtClean="0"/>
-              <a:t>ype()</a:t>
+              <a:t>type()</a:t>
             </a:r>
           </a:p>
           <a:p>
             <a:pPr lvl="1"/>
             <a:r>
-              <a:rPr lang="fr-FR" dirty="0" smtClean="0"/>
+              <a:rPr lang="fr-FR" dirty="0"/>
               <a:t>Renvoie le type de la variable</a:t>
             </a:r>
           </a:p>
@@ -5447,42 +5305,34 @@
             <a:pPr lvl="1"/>
             <a:r>
               <a:rPr lang="fr-FR" dirty="0"/>
-              <a:t>t</a:t>
-            </a:r>
-            <a:r>
-              <a:rPr lang="fr-FR" dirty="0" smtClean="0"/>
-              <a:t>ype(3.14)</a:t>
+              <a:t>type(3.14)</a:t>
             </a:r>
           </a:p>
           <a:p>
             <a:r>
               <a:rPr lang="fr-FR" dirty="0" err="1"/>
-              <a:t>p</a:t>
-            </a:r>
-            <a:r>
-              <a:rPr lang="fr-FR" dirty="0" err="1" smtClean="0"/>
-              <a:t>rint</a:t>
-            </a:r>
-            <a:r>
-              <a:rPr lang="fr-FR" dirty="0" smtClean="0"/>
+              <a:t>print</a:t>
+            </a:r>
+            <a:r>
+              <a:rPr lang="fr-FR" dirty="0"/>
               <a:t>()</a:t>
             </a:r>
           </a:p>
           <a:p>
             <a:pPr lvl="1"/>
             <a:r>
-              <a:rPr lang="fr-FR" dirty="0" smtClean="0"/>
+              <a:rPr lang="fr-FR" dirty="0"/>
               <a:t>Affiche une variable</a:t>
             </a:r>
           </a:p>
           <a:p>
             <a:pPr lvl="1"/>
             <a:r>
-              <a:rPr lang="fr-FR" dirty="0" err="1" smtClean="0"/>
+              <a:rPr lang="fr-FR" dirty="0" err="1"/>
               <a:t>print</a:t>
             </a:r>
             <a:r>
-              <a:rPr lang="fr-FR" dirty="0" smtClean="0"/>
+              <a:rPr lang="fr-FR" dirty="0"/>
               <a:t>(a)</a:t>
             </a:r>
           </a:p>
@@ -5498,13 +5348,6 @@
   <p:clrMapOvr>
     <a:masterClrMapping/>
   </p:clrMapOvr>
-  <p:timing>
-    <p:tnLst>
-      <p:par>
-        <p:cTn id="1" dur="indefinite" restart="never" nodeType="tmRoot"/>
-      </p:par>
-    </p:tnLst>
-  </p:timing>
 </p:sld>
 </file>
 
@@ -5541,10 +5384,9 @@
           <a:lstStyle/>
           <a:p>
             <a:r>
-              <a:rPr lang="fr-FR" dirty="0" smtClean="0"/>
+              <a:rPr lang="fr-FR" dirty="0"/>
               <a:t>Les premières fonctions</a:t>
             </a:r>
-            <a:endParaRPr lang="fr-FR" dirty="0"/>
           </a:p>
         </p:txBody>
       </p:sp>
@@ -5564,24 +5406,24 @@
           <a:lstStyle/>
           <a:p>
             <a:r>
-              <a:rPr lang="fr-FR" dirty="0" smtClean="0"/>
+              <a:rPr lang="fr-FR" dirty="0"/>
               <a:t>Une fonction contient un nom, des paramètres entre parenthèse et un retour</a:t>
             </a:r>
           </a:p>
           <a:p>
             <a:r>
-              <a:rPr lang="fr-FR" dirty="0" err="1" smtClean="0"/>
+              <a:rPr lang="fr-FR" dirty="0" err="1"/>
               <a:t>len</a:t>
             </a:r>
             <a:r>
-              <a:rPr lang="fr-FR" dirty="0" smtClean="0"/>
+              <a:rPr lang="fr-FR" dirty="0"/>
               <a:t>()</a:t>
             </a:r>
           </a:p>
           <a:p>
             <a:pPr lvl="1"/>
             <a:r>
-              <a:rPr lang="fr-FR" dirty="0" smtClean="0"/>
+              <a:rPr lang="fr-FR" dirty="0"/>
               <a:t>Renvoie la taille d’une string</a:t>
             </a:r>
           </a:p>
@@ -5589,31 +5431,23 @@
             <a:pPr lvl="1"/>
             <a:r>
               <a:rPr lang="fr-FR" dirty="0" err="1"/>
-              <a:t>l</a:t>
-            </a:r>
-            <a:r>
-              <a:rPr lang="fr-FR" dirty="0" err="1" smtClean="0"/>
-              <a:t>en</a:t>
-            </a:r>
-            <a:r>
-              <a:rPr lang="fr-FR" dirty="0" smtClean="0"/>
+              <a:t>len</a:t>
+            </a:r>
+            <a:r>
+              <a:rPr lang="fr-FR" dirty="0"/>
               <a:t>(s)</a:t>
             </a:r>
           </a:p>
           <a:p>
             <a:r>
               <a:rPr lang="fr-FR" dirty="0"/>
-              <a:t>i</a:t>
-            </a:r>
-            <a:r>
-              <a:rPr lang="fr-FR" dirty="0" smtClean="0"/>
-              <a:t>nput()</a:t>
+              <a:t>input()</a:t>
             </a:r>
           </a:p>
           <a:p>
             <a:pPr lvl="1"/>
             <a:r>
-              <a:rPr lang="fr-FR" dirty="0" smtClean="0"/>
+              <a:rPr lang="fr-FR" dirty="0"/>
               <a:t>Permet la saisie d’une entrée</a:t>
             </a:r>
           </a:p>
@@ -5625,38 +5459,30 @@
             </a:r>
             <a:r>
               <a:rPr lang="fr-FR" dirty="0"/>
-              <a:t> = input("Entrez une année: </a:t>
-            </a:r>
-            <a:r>
-              <a:rPr lang="fr-FR" dirty="0" smtClean="0"/>
-              <a:t>")</a:t>
+              <a:t> = input("Entrez une année: ")</a:t>
             </a:r>
           </a:p>
           <a:p>
             <a:r>
               <a:rPr lang="fr-FR" dirty="0" err="1"/>
-              <a:t>i</a:t>
-            </a:r>
-            <a:r>
-              <a:rPr lang="fr-FR" dirty="0" err="1" smtClean="0"/>
-              <a:t>nt</a:t>
-            </a:r>
-            <a:r>
-              <a:rPr lang="fr-FR" dirty="0" smtClean="0"/>
+              <a:t>int</a:t>
+            </a:r>
+            <a:r>
+              <a:rPr lang="fr-FR" dirty="0"/>
               <a:t>()</a:t>
             </a:r>
           </a:p>
           <a:p>
             <a:pPr lvl="1"/>
             <a:r>
-              <a:rPr lang="fr-FR" dirty="0" smtClean="0"/>
+              <a:rPr lang="fr-FR" dirty="0"/>
               <a:t>Convertir un string en </a:t>
             </a:r>
             <a:r>
-              <a:rPr lang="fr-FR" dirty="0" err="1" smtClean="0"/>
+              <a:rPr lang="fr-FR" dirty="0" err="1"/>
               <a:t>int</a:t>
             </a:r>
-            <a:endParaRPr lang="fr-FR" dirty="0" smtClean="0"/>
+            <a:endParaRPr lang="fr-FR" dirty="0"/>
           </a:p>
           <a:p>
             <a:pPr lvl="1"/>
@@ -5674,13 +5500,6 @@
   <p:clrMapOvr>
     <a:masterClrMapping/>
   </p:clrMapOvr>
-  <p:timing>
-    <p:tnLst>
-      <p:par>
-        <p:cTn id="1" dur="indefinite" restart="never" nodeType="tmRoot"/>
-      </p:par>
-    </p:tnLst>
-  </p:timing>
 </p:sld>
 </file>
 
@@ -5717,10 +5536,9 @@
           <a:lstStyle/>
           <a:p>
             <a:r>
-              <a:rPr lang="fr-FR" dirty="0" smtClean="0"/>
+              <a:rPr lang="fr-FR" dirty="0"/>
               <a:t>Les fonctions des chaînes</a:t>
             </a:r>
-            <a:endParaRPr lang="fr-FR" dirty="0"/>
           </a:p>
         </p:txBody>
       </p:sp>
@@ -5740,45 +5558,41 @@
           <a:lstStyle/>
           <a:p>
             <a:r>
-              <a:rPr lang="fr-FR" dirty="0" smtClean="0"/>
+              <a:rPr lang="fr-FR" dirty="0"/>
               <a:t>Les strings sont en objet</a:t>
             </a:r>
           </a:p>
           <a:p>
             <a:r>
               <a:rPr lang="fr-FR" dirty="0" err="1"/>
-              <a:t>l</a:t>
-            </a:r>
-            <a:r>
-              <a:rPr lang="fr-FR" dirty="0" err="1" smtClean="0"/>
-              <a:t>ower</a:t>
-            </a:r>
-            <a:r>
-              <a:rPr lang="fr-FR" dirty="0" smtClean="0"/>
+              <a:t>lower</a:t>
+            </a:r>
+            <a:r>
+              <a:rPr lang="fr-FR" dirty="0"/>
               <a:t>(), </a:t>
             </a:r>
             <a:r>
-              <a:rPr lang="fr-FR" dirty="0" err="1" smtClean="0"/>
+              <a:rPr lang="fr-FR" dirty="0" err="1"/>
               <a:t>upper</a:t>
             </a:r>
             <a:r>
-              <a:rPr lang="fr-FR" dirty="0" smtClean="0"/>
+              <a:rPr lang="fr-FR" dirty="0"/>
               <a:t>(), </a:t>
             </a:r>
             <a:r>
-              <a:rPr lang="fr-FR" dirty="0" err="1" smtClean="0"/>
+              <a:rPr lang="fr-FR" dirty="0" err="1"/>
               <a:t>capitalize</a:t>
             </a:r>
             <a:r>
-              <a:rPr lang="fr-FR" dirty="0" smtClean="0"/>
+              <a:rPr lang="fr-FR" dirty="0"/>
               <a:t>(), </a:t>
             </a:r>
             <a:r>
-              <a:rPr lang="fr-FR" dirty="0" err="1" smtClean="0"/>
+              <a:rPr lang="fr-FR" dirty="0" err="1"/>
               <a:t>strip</a:t>
             </a:r>
             <a:r>
-              <a:rPr lang="fr-FR" dirty="0" smtClean="0"/>
+              <a:rPr lang="fr-FR" dirty="0"/>
               <a:t>()</a:t>
             </a:r>
           </a:p>
@@ -5846,13 +5660,6 @@
   <p:clrMapOvr>
     <a:masterClrMapping/>
   </p:clrMapOvr>
-  <p:timing>
-    <p:tnLst>
-      <p:par>
-        <p:cTn id="1" dur="indefinite" restart="never" nodeType="tmRoot"/>
-      </p:par>
-    </p:tnLst>
-  </p:timing>
 </p:sld>
 </file>
 
@@ -5889,8 +5696,8 @@
           <a:lstStyle/>
           <a:p>
             <a:r>
-              <a:rPr lang="fr-FR" dirty="0" smtClean="0"/>
-              <a:t>Affichage de chaînes</a:t>
+              <a:rPr lang="fr-FR" dirty="0" err="1"/>
+              <a:t>fstrings</a:t>
             </a:r>
             <a:endParaRPr lang="fr-FR" dirty="0"/>
           </a:p>
@@ -5912,154 +5719,48 @@
           <a:lstStyle/>
           <a:p>
             <a:r>
-              <a:rPr lang="fr-FR" dirty="0" err="1" smtClean="0"/>
-              <a:t>Print</a:t>
-            </a:r>
-            <a:r>
-              <a:rPr lang="fr-FR" dirty="0" smtClean="0"/>
-              <a:t> permet d’afficher une chaîne avec paramètre de format {}</a:t>
+              <a:rPr lang="fr-FR" dirty="0"/>
+              <a:t>Nouveau en Python 3.6</a:t>
             </a:r>
           </a:p>
           <a:p>
             <a:pPr lvl="1"/>
             <a:r>
-              <a:rPr lang="fr-FR" dirty="0" smtClean="0"/>
-              <a:t>Identique au C</a:t>
+              <a:rPr lang="fr-FR" dirty="0"/>
+              <a:t>Chaine formatée à partir de variables existantes</a:t>
             </a:r>
           </a:p>
           <a:p>
             <a:pPr lvl="1"/>
-            <a:endParaRPr lang="fr-FR" dirty="0"/>
+            <a:r>
+              <a:rPr lang="en-US" dirty="0"/>
+              <a:t>name = "Fred"</a:t>
+            </a:r>
           </a:p>
           <a:p>
             <a:pPr lvl="1"/>
-            <a:endParaRPr lang="fr-FR" dirty="0" smtClean="0"/>
-          </a:p>
-          <a:p>
-            <a:pPr lvl="1"/>
-            <a:endParaRPr lang="fr-FR" dirty="0"/>
-          </a:p>
-          <a:p>
-            <a:pPr lvl="1"/>
-            <a:r>
-              <a:rPr lang="fr-FR" dirty="0" smtClean="0"/>
-              <a:t>Opérateur de concaténation : +</a:t>
-            </a:r>
-          </a:p>
-          <a:p>
-            <a:pPr lvl="1"/>
-            <a:endParaRPr lang="fr-FR" dirty="0"/>
-          </a:p>
-          <a:p>
-            <a:pPr lvl="1"/>
-            <a:endParaRPr lang="fr-FR" dirty="0" smtClean="0"/>
-          </a:p>
-          <a:p>
-            <a:pPr lvl="1"/>
-            <a:r>
-              <a:rPr lang="fr-FR" dirty="0" smtClean="0"/>
-              <a:t>Transtypage obligatoire si concaténation de nombre</a:t>
-            </a:r>
-          </a:p>
-          <a:p>
-            <a:pPr lvl="1"/>
-            <a:endParaRPr lang="fr-FR" dirty="0" smtClean="0"/>
-          </a:p>
-          <a:p>
-            <a:pPr lvl="1"/>
+            <a:r>
+              <a:rPr lang="en-US" dirty="0" err="1"/>
+              <a:t>f"He</a:t>
+            </a:r>
+            <a:r>
+              <a:rPr lang="en-US" dirty="0"/>
+              <a:t> said his name is {name}."</a:t>
+            </a:r>
             <a:endParaRPr lang="fr-FR" dirty="0"/>
           </a:p>
         </p:txBody>
       </p:sp>
-      <p:pic>
-        <p:nvPicPr>
-          <p:cNvPr id="4" name="Image 3"/>
-          <p:cNvPicPr>
-            <a:picLocks noChangeAspect="1"/>
-          </p:cNvPicPr>
-          <p:nvPr/>
-        </p:nvPicPr>
-        <p:blipFill>
-          <a:blip r:embed="rId2"/>
-          <a:stretch>
-            <a:fillRect/>
-          </a:stretch>
-        </p:blipFill>
-        <p:spPr>
-          <a:xfrm>
-            <a:off x="1331640" y="2996952"/>
-            <a:ext cx="6509328" cy="918964"/>
-          </a:xfrm>
-          <a:prstGeom prst="rect">
-            <a:avLst/>
-          </a:prstGeom>
-        </p:spPr>
-      </p:pic>
-      <p:pic>
-        <p:nvPicPr>
-          <p:cNvPr id="5" name="Image 4"/>
-          <p:cNvPicPr>
-            <a:picLocks noChangeAspect="1"/>
-          </p:cNvPicPr>
-          <p:nvPr/>
-        </p:nvPicPr>
-        <p:blipFill>
-          <a:blip r:embed="rId3"/>
-          <a:stretch>
-            <a:fillRect/>
-          </a:stretch>
-        </p:blipFill>
-        <p:spPr>
-          <a:xfrm>
-            <a:off x="2267744" y="4581128"/>
-            <a:ext cx="3736836" cy="675505"/>
-          </a:xfrm>
-          <a:prstGeom prst="rect">
-            <a:avLst/>
-          </a:prstGeom>
-        </p:spPr>
-      </p:pic>
-      <p:pic>
-        <p:nvPicPr>
-          <p:cNvPr id="6" name="Image 5"/>
-          <p:cNvPicPr>
-            <a:picLocks noChangeAspect="1"/>
-          </p:cNvPicPr>
-          <p:nvPr/>
-        </p:nvPicPr>
-        <p:blipFill>
-          <a:blip r:embed="rId4"/>
-          <a:stretch>
-            <a:fillRect/>
-          </a:stretch>
-        </p:blipFill>
-        <p:spPr>
-          <a:xfrm>
-            <a:off x="2264146" y="5891361"/>
-            <a:ext cx="3740433" cy="740556"/>
-          </a:xfrm>
-          <a:prstGeom prst="rect">
-            <a:avLst/>
-          </a:prstGeom>
-        </p:spPr>
-      </p:pic>
     </p:spTree>
     <p:extLst>
       <p:ext uri="{BB962C8B-B14F-4D97-AF65-F5344CB8AC3E}">
-        <p14:creationId xmlns:p14="http://schemas.microsoft.com/office/powerpoint/2010/main" val="1678524294"/>
+        <p14:creationId xmlns:p14="http://schemas.microsoft.com/office/powerpoint/2010/main" val="2152972904"/>
       </p:ext>
     </p:extLst>
   </p:cSld>
   <p:clrMapOvr>
     <a:masterClrMapping/>
   </p:clrMapOvr>
-  <p:timing>
-    <p:tnLst>
-      <p:par>
-        <p:cTn id="1" dur="indefinite" restart="never" nodeType="tmRoot"/>
-      </p:par>
-    </p:tnLst>
-  </p:timing>
 </p:sld>
 </file>
 
@@ -6096,10 +5797,9 @@
           <a:lstStyle/>
           <a:p>
             <a:r>
-              <a:rPr lang="fr-FR" dirty="0" err="1" smtClean="0"/>
-              <a:t>fstrings</a:t>
-            </a:r>
-            <a:endParaRPr lang="fr-FR" dirty="0"/>
+              <a:rPr lang="fr-FR" dirty="0"/>
+              <a:t>Chaînes et listes</a:t>
+            </a:r>
           </a:p>
         </p:txBody>
       </p:sp>
@@ -6119,59 +5819,91 @@
           <a:lstStyle/>
           <a:p>
             <a:r>
-              <a:rPr lang="fr-FR" dirty="0" smtClean="0"/>
-              <a:t>Nouveau en Python 3.6</a:t>
+              <a:rPr lang="fr-FR" dirty="0"/>
+              <a:t>Les chaînes se comportent comme des listes</a:t>
             </a:r>
           </a:p>
           <a:p>
             <a:pPr lvl="1"/>
             <a:r>
-              <a:rPr lang="fr-FR" dirty="0" smtClean="0"/>
-              <a:t>Chaine formatée à partir de variables existantes</a:t>
+              <a:rPr lang="fr-FR" dirty="0"/>
+              <a:t>Mais non modifiable</a:t>
             </a:r>
           </a:p>
           <a:p>
             <a:pPr lvl="1"/>
             <a:r>
-              <a:rPr lang="en-US" dirty="0"/>
-              <a:t>name = "Fred"</a:t>
+              <a:rPr lang="fr-FR" dirty="0"/>
+              <a:t>Possède les même opérateurs</a:t>
             </a:r>
           </a:p>
           <a:p>
             <a:pPr lvl="1"/>
             <a:r>
-              <a:rPr lang="en-US" dirty="0" err="1" smtClean="0"/>
-              <a:t>f"He</a:t>
-            </a:r>
-            <a:r>
-              <a:rPr lang="en-US" dirty="0" smtClean="0"/>
-              <a:t> </a:t>
-            </a:r>
-            <a:r>
-              <a:rPr lang="en-US" dirty="0"/>
-              <a:t>said his name is {name}."</a:t>
-            </a:r>
-            <a:endParaRPr lang="fr-FR" dirty="0"/>
+              <a:rPr lang="fr-FR" dirty="0"/>
+              <a:t>Voir chapitre sur les types complexes</a:t>
+            </a:r>
           </a:p>
         </p:txBody>
       </p:sp>
+      <p:pic>
+        <p:nvPicPr>
+          <p:cNvPr id="4" name="Image 3"/>
+          <p:cNvPicPr>
+            <a:picLocks noChangeAspect="1"/>
+          </p:cNvPicPr>
+          <p:nvPr/>
+        </p:nvPicPr>
+        <p:blipFill>
+          <a:blip r:embed="rId2"/>
+          <a:stretch>
+            <a:fillRect/>
+          </a:stretch>
+        </p:blipFill>
+        <p:spPr>
+          <a:xfrm>
+            <a:off x="630565" y="3356992"/>
+            <a:ext cx="7863943" cy="1152128"/>
+          </a:xfrm>
+          <a:prstGeom prst="rect">
+            <a:avLst/>
+          </a:prstGeom>
+        </p:spPr>
+      </p:pic>
+      <p:pic>
+        <p:nvPicPr>
+          <p:cNvPr id="5" name="Image 4"/>
+          <p:cNvPicPr>
+            <a:picLocks noChangeAspect="1"/>
+          </p:cNvPicPr>
+          <p:nvPr/>
+        </p:nvPicPr>
+        <p:blipFill>
+          <a:blip r:embed="rId3"/>
+          <a:stretch>
+            <a:fillRect/>
+          </a:stretch>
+        </p:blipFill>
+        <p:spPr>
+          <a:xfrm>
+            <a:off x="1979712" y="4653136"/>
+            <a:ext cx="4463070" cy="1440160"/>
+          </a:xfrm>
+          <a:prstGeom prst="rect">
+            <a:avLst/>
+          </a:prstGeom>
+        </p:spPr>
+      </p:pic>
     </p:spTree>
     <p:extLst>
       <p:ext uri="{BB962C8B-B14F-4D97-AF65-F5344CB8AC3E}">
-        <p14:creationId xmlns:p14="http://schemas.microsoft.com/office/powerpoint/2010/main" val="2152972904"/>
+        <p14:creationId xmlns:p14="http://schemas.microsoft.com/office/powerpoint/2010/main" val="1077602460"/>
       </p:ext>
     </p:extLst>
   </p:cSld>
   <p:clrMapOvr>
     <a:masterClrMapping/>
   </p:clrMapOvr>
-  <p:timing>
-    <p:tnLst>
-      <p:par>
-        <p:cTn id="1" dur="indefinite" restart="never" nodeType="tmRoot"/>
-      </p:par>
-    </p:tnLst>
-  </p:timing>
 </p:sld>
 </file>
 
@@ -6208,10 +5940,9 @@
           <a:lstStyle/>
           <a:p>
             <a:r>
-              <a:rPr lang="fr-FR" dirty="0" smtClean="0"/>
+              <a:rPr lang="fr-FR" dirty="0"/>
               <a:t>Commentaires</a:t>
             </a:r>
-            <a:endParaRPr lang="fr-FR" dirty="0"/>
           </a:p>
         </p:txBody>
       </p:sp>
@@ -6231,14 +5962,14 @@
           <a:lstStyle/>
           <a:p>
             <a:r>
-              <a:rPr lang="fr-FR" dirty="0" smtClean="0"/>
+              <a:rPr lang="fr-FR" dirty="0"/>
               <a:t>#</a:t>
             </a:r>
           </a:p>
           <a:p>
             <a:pPr lvl="1"/>
             <a:r>
-              <a:rPr lang="fr-FR" dirty="0" smtClean="0"/>
+              <a:rPr lang="fr-FR" dirty="0"/>
               <a:t>Commentaire mono ligne</a:t>
             </a:r>
           </a:p>
@@ -6246,26 +5977,18 @@
             <a:endParaRPr lang="fr-FR" dirty="0"/>
           </a:p>
           <a:p>
-            <a:endParaRPr lang="fr-FR" dirty="0" smtClean="0"/>
-          </a:p>
-          <a:p>
             <a:endParaRPr lang="fr-FR" dirty="0"/>
           </a:p>
           <a:p>
-            <a:r>
-              <a:rPr lang="fr-FR" smtClean="0"/>
-              <a:t>""" </a:t>
-            </a:r>
+            <a:endParaRPr lang="fr-FR" dirty="0"/>
+          </a:p>
+          <a:p>
             <a:r>
               <a:rPr lang="fr-FR"/>
-              <a:t>""" </a:t>
-            </a:r>
-            <a:r>
-              <a:rPr lang="fr-FR" smtClean="0"/>
-              <a:t>Commentaire </a:t>
-            </a:r>
-            <a:r>
-              <a:rPr lang="fr-FR" dirty="0" err="1" smtClean="0"/>
+              <a:t>""" """ Commentaire </a:t>
+            </a:r>
+            <a:r>
+              <a:rPr lang="fr-FR" dirty="0" err="1"/>
               <a:t>multiligne</a:t>
             </a:r>
             <a:endParaRPr lang="fr-FR" dirty="0"/>
@@ -6330,13 +6053,6 @@
   <p:clrMapOvr>
     <a:masterClrMapping/>
   </p:clrMapOvr>
-  <p:timing>
-    <p:tnLst>
-      <p:par>
-        <p:cTn id="1" dur="indefinite" restart="never" nodeType="tmRoot"/>
-      </p:par>
-    </p:tnLst>
-  </p:timing>
 </p:sld>
 </file>
 
@@ -6373,10 +6089,9 @@
           <a:lstStyle/>
           <a:p>
             <a:r>
-              <a:rPr lang="fr-FR" dirty="0" smtClean="0"/>
-              <a:t>Chaînes et listes</a:t>
-            </a:r>
-            <a:endParaRPr lang="fr-FR" dirty="0"/>
+              <a:rPr lang="fr-FR" dirty="0"/>
+              <a:t>Annotations de variables</a:t>
+            </a:r>
           </a:p>
         </p:txBody>
       </p:sp>
@@ -6396,99 +6111,85 @@
           <a:lstStyle/>
           <a:p>
             <a:r>
-              <a:rPr lang="fr-FR" dirty="0" smtClean="0"/>
-              <a:t>Les chaînes se comportent comme des listes</a:t>
+              <a:rPr lang="fr-FR" dirty="0"/>
+              <a:t>Nouveau en Python 3.6</a:t>
+            </a:r>
+          </a:p>
+          <a:p>
+            <a:r>
+              <a:rPr lang="fr-FR" dirty="0"/>
+              <a:t>Possibilité de typer les variables</a:t>
             </a:r>
           </a:p>
           <a:p>
             <a:pPr lvl="1"/>
             <a:r>
-              <a:rPr lang="fr-FR" dirty="0" smtClean="0"/>
-              <a:t>Mais non modifiable</a:t>
-            </a:r>
+              <a:rPr lang="fr-FR" dirty="0" err="1"/>
+              <a:t>my_string</a:t>
+            </a:r>
+            <a:r>
+              <a:rPr lang="fr-FR" dirty="0"/>
+              <a:t> : </a:t>
+            </a:r>
+            <a:r>
+              <a:rPr lang="fr-FR" dirty="0" err="1"/>
+              <a:t>str</a:t>
+            </a:r>
+            <a:endParaRPr lang="fr-FR" dirty="0"/>
           </a:p>
           <a:p>
             <a:pPr lvl="1"/>
             <a:r>
-              <a:rPr lang="fr-FR" dirty="0" smtClean="0"/>
-              <a:t>Possède les même opérateurs</a:t>
+              <a:rPr lang="fr-FR" dirty="0"/>
+              <a:t>Il ne s’agit pas d’un typage fort</a:t>
             </a:r>
           </a:p>
           <a:p>
             <a:pPr lvl="1"/>
             <a:r>
-              <a:rPr lang="fr-FR" dirty="0" smtClean="0"/>
-              <a:t>Voir chapitre sur les types complexes</a:t>
-            </a:r>
+              <a:rPr lang="fr-FR" dirty="0"/>
+              <a:t>C’est juste une annotation</a:t>
+            </a:r>
+          </a:p>
+          <a:p>
+            <a:pPr lvl="1"/>
+            <a:r>
+              <a:rPr lang="fr-FR" dirty="0" err="1"/>
+              <a:t>my_string</a:t>
+            </a:r>
+            <a:r>
+              <a:rPr lang="fr-FR" dirty="0"/>
+              <a:t> : </a:t>
+            </a:r>
+            <a:r>
+              <a:rPr lang="fr-FR" dirty="0" err="1"/>
+              <a:t>str</a:t>
+            </a:r>
+            <a:r>
+              <a:rPr lang="fr-FR" dirty="0"/>
+              <a:t> = « toto »</a:t>
+            </a:r>
+          </a:p>
+          <a:p>
+            <a:pPr lvl="1"/>
+            <a:endParaRPr lang="fr-FR" dirty="0"/>
+          </a:p>
+          <a:p>
+            <a:pPr lvl="1"/>
             <a:endParaRPr lang="fr-FR" dirty="0"/>
           </a:p>
         </p:txBody>
       </p:sp>
-      <p:pic>
-        <p:nvPicPr>
-          <p:cNvPr id="4" name="Image 3"/>
-          <p:cNvPicPr>
-            <a:picLocks noChangeAspect="1"/>
-          </p:cNvPicPr>
-          <p:nvPr/>
-        </p:nvPicPr>
-        <p:blipFill>
-          <a:blip r:embed="rId2"/>
-          <a:stretch>
-            <a:fillRect/>
-          </a:stretch>
-        </p:blipFill>
-        <p:spPr>
-          <a:xfrm>
-            <a:off x="630565" y="3356992"/>
-            <a:ext cx="7863943" cy="1152128"/>
-          </a:xfrm>
-          <a:prstGeom prst="rect">
-            <a:avLst/>
-          </a:prstGeom>
-        </p:spPr>
-      </p:pic>
-      <p:pic>
-        <p:nvPicPr>
-          <p:cNvPr id="5" name="Image 4"/>
-          <p:cNvPicPr>
-            <a:picLocks noChangeAspect="1"/>
-          </p:cNvPicPr>
-          <p:nvPr/>
-        </p:nvPicPr>
-        <p:blipFill>
-          <a:blip r:embed="rId3"/>
-          <a:stretch>
-            <a:fillRect/>
-          </a:stretch>
-        </p:blipFill>
-        <p:spPr>
-          <a:xfrm>
-            <a:off x="1979712" y="4653136"/>
-            <a:ext cx="4463070" cy="1440160"/>
-          </a:xfrm>
-          <a:prstGeom prst="rect">
-            <a:avLst/>
-          </a:prstGeom>
-        </p:spPr>
-      </p:pic>
     </p:spTree>
     <p:extLst>
       <p:ext uri="{BB962C8B-B14F-4D97-AF65-F5344CB8AC3E}">
-        <p14:creationId xmlns:p14="http://schemas.microsoft.com/office/powerpoint/2010/main" val="1077602460"/>
+        <p14:creationId xmlns:p14="http://schemas.microsoft.com/office/powerpoint/2010/main" val="208597925"/>
       </p:ext>
     </p:extLst>
   </p:cSld>
   <p:clrMapOvr>
     <a:masterClrMapping/>
   </p:clrMapOvr>
-  <p:timing>
-    <p:tnLst>
-      <p:par>
-        <p:cTn id="1" dur="indefinite" restart="never" nodeType="tmRoot"/>
-      </p:par>
-    </p:tnLst>
-  </p:timing>
 </p:sld>
 </file>
 
@@ -6525,8 +6226,8 @@
           <a:lstStyle/>
           <a:p>
             <a:r>
-              <a:rPr lang="fr-FR" dirty="0" smtClean="0"/>
-              <a:t>Annotations de variables</a:t>
+              <a:rPr lang="fr-FR" dirty="0" err="1"/>
+              <a:t>isinstance</a:t>
             </a:r>
             <a:endParaRPr lang="fr-FR" dirty="0"/>
           </a:p>
@@ -6548,251 +6249,93 @@
           <a:lstStyle/>
           <a:p>
             <a:r>
-              <a:rPr lang="fr-FR" dirty="0" smtClean="0"/>
-              <a:t>Nouveau en Python 3.6</a:t>
-            </a:r>
-          </a:p>
-          <a:p>
-            <a:r>
-              <a:rPr lang="fr-FR" dirty="0" smtClean="0"/>
-              <a:t>Possibilité de typer les variables</a:t>
+              <a:rPr lang="fr-FR" dirty="0"/>
+              <a:t>Nouveauté Python 3.6</a:t>
+            </a:r>
+          </a:p>
+          <a:p>
+            <a:r>
+              <a:rPr lang="fr-FR" dirty="0"/>
+              <a:t>Permet de fortement typer Python</a:t>
             </a:r>
           </a:p>
           <a:p>
             <a:pPr lvl="1"/>
             <a:r>
+              <a:rPr lang="fr-FR" dirty="0"/>
+              <a:t>N’est pas utilisé par défaut</a:t>
+            </a:r>
+          </a:p>
+          <a:p>
+            <a:pPr lvl="1"/>
+            <a:r>
+              <a:rPr lang="fr-FR" dirty="0"/>
+              <a:t>Utilisé par </a:t>
+            </a:r>
+            <a:r>
               <a:rPr lang="fr-FR" dirty="0" err="1"/>
-              <a:t>m</a:t>
-            </a:r>
-            <a:r>
-              <a:rPr lang="fr-FR" dirty="0" err="1" smtClean="0"/>
-              <a:t>y_string</a:t>
-            </a:r>
-            <a:r>
-              <a:rPr lang="fr-FR" dirty="0" smtClean="0"/>
+              <a:t>MyPi</a:t>
+            </a:r>
+            <a:endParaRPr lang="fr-FR" dirty="0"/>
+          </a:p>
+          <a:p>
+            <a:pPr lvl="1"/>
+            <a:r>
+              <a:rPr lang="fr-FR" dirty="0" err="1"/>
+              <a:t>my_int</a:t>
+            </a:r>
+            <a:r>
+              <a:rPr lang="fr-FR" dirty="0"/>
               <a:t> : </a:t>
             </a:r>
             <a:r>
-              <a:rPr lang="fr-FR" dirty="0" err="1" smtClean="0"/>
-              <a:t>str</a:t>
-            </a:r>
-            <a:endParaRPr lang="fr-FR" dirty="0" smtClean="0"/>
+              <a:rPr lang="fr-FR" dirty="0" err="1"/>
+              <a:t>int</a:t>
+            </a:r>
+            <a:endParaRPr lang="fr-FR" dirty="0"/>
           </a:p>
           <a:p>
             <a:pPr lvl="1"/>
             <a:r>
-              <a:rPr lang="fr-FR" dirty="0" smtClean="0"/>
-              <a:t>Il ne s’agit pas d’un typage fort</a:t>
+              <a:rPr lang="fr-FR" dirty="0" err="1"/>
+              <a:t>my_int</a:t>
+            </a:r>
+            <a:r>
+              <a:rPr lang="fr-FR" dirty="0"/>
+              <a:t> = 2</a:t>
             </a:r>
           </a:p>
           <a:p>
             <a:pPr lvl="1"/>
             <a:r>
-              <a:rPr lang="fr-FR" dirty="0" smtClean="0"/>
-              <a:t>C’est juste une annotation</a:t>
-            </a:r>
-          </a:p>
-          <a:p>
-            <a:pPr lvl="1"/>
-            <a:r>
-              <a:rPr lang="fr-FR" dirty="0" err="1" smtClean="0"/>
-              <a:t>my_string</a:t>
-            </a:r>
-            <a:r>
-              <a:rPr lang="fr-FR" dirty="0" smtClean="0"/>
-              <a:t> </a:t>
-            </a:r>
-            <a:r>
-              <a:rPr lang="fr-FR" dirty="0"/>
-              <a:t>: </a:t>
-            </a:r>
-            <a:r>
-              <a:rPr lang="fr-FR" dirty="0" err="1" smtClean="0"/>
-              <a:t>str</a:t>
-            </a:r>
-            <a:r>
-              <a:rPr lang="fr-FR" dirty="0" smtClean="0"/>
-              <a:t> = « toto »</a:t>
+              <a:rPr lang="fr-FR" dirty="0" err="1"/>
+              <a:t>isinstance</a:t>
+            </a:r>
+            <a:r>
+              <a:rPr lang="fr-FR" dirty="0"/>
+              <a:t>(</a:t>
+            </a:r>
+            <a:r>
+              <a:rPr lang="fr-FR" dirty="0" err="1"/>
+              <a:t>my_int</a:t>
+            </a:r>
+            <a:r>
+              <a:rPr lang="fr-FR" dirty="0"/>
+              <a:t>) lève une erreur si </a:t>
+            </a:r>
+            <a:r>
+              <a:rPr lang="fr-FR" dirty="0" err="1"/>
+              <a:t>my_int</a:t>
+            </a:r>
+            <a:r>
+              <a:rPr lang="fr-FR" dirty="0"/>
+              <a:t> n’est pas un </a:t>
+            </a:r>
+            <a:r>
+              <a:rPr lang="fr-FR" dirty="0" err="1"/>
+              <a:t>int</a:t>
             </a:r>
             <a:endParaRPr lang="fr-FR" dirty="0"/>
-          </a:p>
-          <a:p>
-            <a:pPr lvl="1"/>
-            <a:endParaRPr lang="fr-FR" dirty="0" smtClean="0"/>
-          </a:p>
-          <a:p>
-            <a:pPr lvl="1"/>
-            <a:endParaRPr lang="fr-FR" dirty="0"/>
-          </a:p>
-        </p:txBody>
-      </p:sp>
-    </p:spTree>
-    <p:extLst>
-      <p:ext uri="{BB962C8B-B14F-4D97-AF65-F5344CB8AC3E}">
-        <p14:creationId xmlns:p14="http://schemas.microsoft.com/office/powerpoint/2010/main" val="208597925"/>
-      </p:ext>
-    </p:extLst>
-  </p:cSld>
-  <p:clrMapOvr>
-    <a:masterClrMapping/>
-  </p:clrMapOvr>
-  <p:timing>
-    <p:tnLst>
-      <p:par>
-        <p:cTn id="1" dur="indefinite" restart="never" nodeType="tmRoot"/>
-      </p:par>
-    </p:tnLst>
-  </p:timing>
-</p:sld>
-</file>
-
-<file path=ppt/slides/slide22.xml><?xml version="1.0" encoding="utf-8"?>
-<p:sld xmlns:a="http://schemas.openxmlformats.org/drawingml/2006/main" xmlns:r="http://schemas.openxmlformats.org/officeDocument/2006/relationships" xmlns:p="http://schemas.openxmlformats.org/presentationml/2006/main">
-  <p:cSld>
-    <p:spTree>
-      <p:nvGrpSpPr>
-        <p:cNvPr id="1" name=""/>
-        <p:cNvGrpSpPr/>
-        <p:nvPr/>
-      </p:nvGrpSpPr>
-      <p:grpSpPr>
-        <a:xfrm>
-          <a:off x="0" y="0"/>
-          <a:ext cx="0" cy="0"/>
-          <a:chOff x="0" y="0"/>
-          <a:chExt cx="0" cy="0"/>
-        </a:xfrm>
-      </p:grpSpPr>
-      <p:sp>
-        <p:nvSpPr>
-          <p:cNvPr id="2" name="Titre 1"/>
-          <p:cNvSpPr>
-            <a:spLocks noGrp="1"/>
-          </p:cNvSpPr>
-          <p:nvPr>
-            <p:ph type="title"/>
-          </p:nvPr>
-        </p:nvSpPr>
-        <p:spPr/>
-        <p:txBody>
-          <a:bodyPr/>
-          <a:lstStyle/>
-          <a:p>
-            <a:r>
-              <a:rPr lang="fr-FR" dirty="0" err="1" smtClean="0"/>
-              <a:t>isinstance</a:t>
-            </a:r>
-            <a:endParaRPr lang="fr-FR" dirty="0"/>
-          </a:p>
-        </p:txBody>
-      </p:sp>
-      <p:sp>
-        <p:nvSpPr>
-          <p:cNvPr id="3" name="Espace réservé du contenu 2"/>
-          <p:cNvSpPr>
-            <a:spLocks noGrp="1"/>
-          </p:cNvSpPr>
-          <p:nvPr>
-            <p:ph idx="1"/>
-          </p:nvPr>
-        </p:nvSpPr>
-        <p:spPr/>
-        <p:txBody>
-          <a:bodyPr/>
-          <a:lstStyle/>
-          <a:p>
-            <a:r>
-              <a:rPr lang="fr-FR" dirty="0" smtClean="0"/>
-              <a:t>Nouveauté Python 3.6</a:t>
-            </a:r>
-          </a:p>
-          <a:p>
-            <a:r>
-              <a:rPr lang="fr-FR" dirty="0" smtClean="0"/>
-              <a:t>Permet de fortement typer Python</a:t>
-            </a:r>
-          </a:p>
-          <a:p>
-            <a:pPr lvl="1"/>
-            <a:r>
-              <a:rPr lang="fr-FR" dirty="0" smtClean="0"/>
-              <a:t>N’est pas utilisé par défaut</a:t>
-            </a:r>
-          </a:p>
-          <a:p>
-            <a:pPr lvl="1"/>
-            <a:r>
-              <a:rPr lang="fr-FR" dirty="0" smtClean="0"/>
-              <a:t>Utilisé par </a:t>
-            </a:r>
-            <a:r>
-              <a:rPr lang="fr-FR" dirty="0" err="1" smtClean="0"/>
-              <a:t>MyPi</a:t>
-            </a:r>
-            <a:endParaRPr lang="fr-FR" dirty="0" smtClean="0"/>
-          </a:p>
-          <a:p>
-            <a:pPr lvl="1"/>
-            <a:r>
-              <a:rPr lang="fr-FR" dirty="0" err="1" smtClean="0"/>
-              <a:t>my_int</a:t>
-            </a:r>
-            <a:r>
-              <a:rPr lang="fr-FR" dirty="0" smtClean="0"/>
-              <a:t> : </a:t>
-            </a:r>
-            <a:r>
-              <a:rPr lang="fr-FR" dirty="0" err="1" smtClean="0"/>
-              <a:t>int</a:t>
-            </a:r>
-            <a:endParaRPr lang="fr-FR" dirty="0" smtClean="0"/>
-          </a:p>
-          <a:p>
-            <a:pPr lvl="1"/>
-            <a:r>
-              <a:rPr lang="fr-FR" dirty="0" err="1"/>
-              <a:t>m</a:t>
-            </a:r>
-            <a:r>
-              <a:rPr lang="fr-FR" dirty="0" err="1" smtClean="0"/>
-              <a:t>y_int</a:t>
-            </a:r>
-            <a:r>
-              <a:rPr lang="fr-FR" dirty="0" smtClean="0"/>
-              <a:t> = 2</a:t>
-            </a:r>
-          </a:p>
-          <a:p>
-            <a:pPr lvl="1"/>
-            <a:r>
-              <a:rPr lang="fr-FR" dirty="0" err="1" smtClean="0"/>
-              <a:t>isinstance</a:t>
-            </a:r>
-            <a:r>
-              <a:rPr lang="fr-FR" dirty="0" smtClean="0"/>
-              <a:t>(</a:t>
-            </a:r>
-            <a:r>
-              <a:rPr lang="fr-FR" dirty="0" err="1" smtClean="0"/>
-              <a:t>my_int</a:t>
-            </a:r>
-            <a:r>
-              <a:rPr lang="fr-FR" dirty="0" smtClean="0"/>
-              <a:t>) lève une erreur si </a:t>
-            </a:r>
-            <a:r>
-              <a:rPr lang="fr-FR" dirty="0" err="1" smtClean="0"/>
-              <a:t>my_int</a:t>
-            </a:r>
-            <a:r>
-              <a:rPr lang="fr-FR" dirty="0" smtClean="0"/>
-              <a:t> n’est pas un </a:t>
-            </a:r>
-            <a:r>
-              <a:rPr lang="fr-FR" dirty="0" err="1" smtClean="0"/>
-              <a:t>int</a:t>
-            </a:r>
-            <a:endParaRPr lang="fr-FR" dirty="0" smtClean="0"/>
           </a:p>
           <a:p>
             <a:pPr lvl="1"/>
@@ -6810,13 +6353,6 @@
   <p:clrMapOvr>
     <a:masterClrMapping/>
   </p:clrMapOvr>
-  <p:timing>
-    <p:tnLst>
-      <p:par>
-        <p:cTn id="1" dur="indefinite" restart="never" nodeType="tmRoot"/>
-      </p:par>
-    </p:tnLst>
-  </p:timing>
 </p:sld>
 </file>
 
@@ -6853,10 +6389,9 @@
           <a:lstStyle/>
           <a:p>
             <a:r>
-              <a:rPr lang="fr-FR" dirty="0" smtClean="0"/>
+              <a:rPr lang="fr-FR" dirty="0"/>
               <a:t>Les nombres</a:t>
             </a:r>
-            <a:endParaRPr lang="fr-FR" dirty="0"/>
           </a:p>
         </p:txBody>
       </p:sp>
@@ -6876,11 +6411,11 @@
           <a:lstStyle/>
           <a:p>
             <a:r>
-              <a:rPr lang="en-US" altLang="fr-FR" sz="2400" dirty="0" smtClean="0"/>
+              <a:rPr lang="en-US" altLang="fr-FR" sz="2400" dirty="0"/>
               <a:t>Les </a:t>
             </a:r>
             <a:r>
-              <a:rPr lang="en-US" altLang="fr-FR" sz="2400" dirty="0" err="1" smtClean="0"/>
+              <a:rPr lang="en-US" altLang="fr-FR" sz="2400" dirty="0" err="1"/>
               <a:t>nombres</a:t>
             </a:r>
             <a:endParaRPr lang="en-US" altLang="fr-FR" sz="2400" dirty="0"/>
@@ -6888,16 +6423,8 @@
           <a:p>
             <a:pPr lvl="1"/>
             <a:r>
-              <a:rPr lang="en-US" altLang="fr-FR" sz="2200" dirty="0" smtClean="0"/>
-              <a:t>12</a:t>
-            </a:r>
-            <a:r>
               <a:rPr lang="en-US" altLang="fr-FR" sz="2200" dirty="0"/>
-              <a:t>, 3.14, 0xFF, 0377, (-1+2)*3/4**5, abs(x), 0&lt;x&lt;=</a:t>
-            </a:r>
-            <a:r>
-              <a:rPr lang="en-US" altLang="fr-FR" sz="2200" dirty="0" smtClean="0"/>
-              <a:t>5</a:t>
+              <a:t>12, 3.14, 0xFF, 0377, (-1+2)*3/4**5, abs(x), 0&lt;x&lt;=5</a:t>
             </a:r>
           </a:p>
           <a:p>
@@ -7082,10 +6609,9 @@
           <a:lstStyle/>
           <a:p>
             <a:r>
-              <a:rPr lang="fr-FR" dirty="0" smtClean="0"/>
+              <a:rPr lang="fr-FR" dirty="0"/>
               <a:t>Les opérations</a:t>
             </a:r>
-            <a:endParaRPr lang="fr-FR" dirty="0"/>
           </a:p>
         </p:txBody>
       </p:sp>
@@ -7105,49 +6631,49 @@
           <a:lstStyle/>
           <a:p>
             <a:r>
-              <a:rPr lang="fr-FR" dirty="0" smtClean="0"/>
+              <a:rPr lang="fr-FR" dirty="0"/>
               <a:t>Les opérations courantes sont autorisées</a:t>
             </a:r>
           </a:p>
           <a:p>
             <a:pPr lvl="1"/>
             <a:r>
-              <a:rPr lang="fr-FR" dirty="0" smtClean="0"/>
+              <a:rPr lang="fr-FR" dirty="0"/>
               <a:t>+,-,*,/, +=, -=</a:t>
             </a:r>
           </a:p>
           <a:p>
             <a:pPr lvl="1"/>
             <a:r>
-              <a:rPr lang="fr-FR" dirty="0" smtClean="0"/>
+              <a:rPr lang="fr-FR" dirty="0"/>
               <a:t>/ représente la division flottante</a:t>
             </a:r>
           </a:p>
           <a:p>
             <a:pPr lvl="2"/>
             <a:r>
-              <a:rPr lang="fr-FR" dirty="0" smtClean="0"/>
+              <a:rPr lang="fr-FR" dirty="0"/>
               <a:t>Attention en Python 2 / représentait la division entière</a:t>
             </a:r>
           </a:p>
           <a:p>
             <a:pPr lvl="1"/>
             <a:r>
-              <a:rPr lang="fr-FR" dirty="0" smtClean="0"/>
+              <a:rPr lang="fr-FR" dirty="0"/>
               <a:t>// représente la division entière</a:t>
             </a:r>
           </a:p>
           <a:p>
             <a:pPr lvl="1"/>
             <a:r>
-              <a:rPr lang="fr-FR" dirty="0" smtClean="0"/>
+              <a:rPr lang="fr-FR" dirty="0"/>
               <a:t>** représente la puissance</a:t>
             </a:r>
           </a:p>
           <a:p>
             <a:pPr lvl="1"/>
             <a:r>
-              <a:rPr lang="fr-FR" dirty="0" smtClean="0"/>
+              <a:rPr lang="fr-FR" dirty="0"/>
               <a:t>% représente le reste de la division entière</a:t>
             </a:r>
           </a:p>
@@ -7167,13 +6693,6 @@
   <p:clrMapOvr>
     <a:masterClrMapping/>
   </p:clrMapOvr>
-  <p:timing>
-    <p:tnLst>
-      <p:par>
-        <p:cTn id="1" dur="indefinite" restart="never" nodeType="tmRoot"/>
-      </p:par>
-    </p:tnLst>
-  </p:timing>
 </p:sld>
 </file>
 
@@ -7210,10 +6729,9 @@
           <a:lstStyle/>
           <a:p>
             <a:r>
-              <a:rPr lang="fr-FR" dirty="0" smtClean="0"/>
+              <a:rPr lang="fr-FR" dirty="0"/>
               <a:t>Les chaînes</a:t>
             </a:r>
-            <a:endParaRPr lang="fr-FR" dirty="0"/>
           </a:p>
         </p:txBody>
       </p:sp>
@@ -7309,13 +6827,6 @@
   <p:clrMapOvr>
     <a:masterClrMapping/>
   </p:clrMapOvr>
-  <p:timing>
-    <p:tnLst>
-      <p:par>
-        <p:cTn id="1" dur="indefinite" restart="never" nodeType="tmRoot"/>
-      </p:par>
-    </p:tnLst>
-  </p:timing>
 </p:sld>
 </file>
 
@@ -7352,10 +6863,9 @@
           <a:lstStyle/>
           <a:p>
             <a:r>
-              <a:rPr lang="fr-FR" dirty="0" smtClean="0"/>
+              <a:rPr lang="fr-FR" dirty="0"/>
               <a:t>Les variables</a:t>
             </a:r>
-            <a:endParaRPr lang="fr-FR" dirty="0"/>
           </a:p>
         </p:txBody>
       </p:sp>
@@ -7389,29 +6899,16 @@
           </a:p>
           <a:p>
             <a:r>
-              <a:rPr lang="fr-FR" dirty="0" smtClean="0"/>
-              <a:t>Une </a:t>
-            </a:r>
-            <a:r>
-              <a:rPr lang="fr-FR" dirty="0"/>
-              <a:t>variable doit respecter quelques règles de syntaxe incontournables :</a:t>
+              <a:rPr lang="fr-FR" dirty="0"/>
+              <a:t>Une variable doit respecter quelques règles de syntaxe incontournables :</a:t>
             </a:r>
           </a:p>
           <a:p>
             <a:pPr lvl="1"/>
             <a:r>
-              <a:rPr lang="fr-FR" dirty="0" smtClean="0"/>
-              <a:t>Le </a:t>
-            </a:r>
-            <a:r>
-              <a:rPr lang="fr-FR" dirty="0"/>
-              <a:t>nom de la variable ne peut être composé que de lettres, majuscules ou minuscules, de chiffres et du symbole souligné « _ </a:t>
-            </a:r>
-            <a:r>
-              <a:rPr lang="fr-FR" dirty="0" smtClean="0"/>
-              <a:t>»</a:t>
-            </a:r>
-            <a:endParaRPr lang="fr-FR" dirty="0"/>
+              <a:rPr lang="fr-FR" dirty="0"/>
+              <a:t>Le nom de la variable ne peut être composé que de lettres, majuscules ou minuscules, de chiffres et du symbole souligné « _ »</a:t>
+            </a:r>
           </a:p>
           <a:p>
             <a:pPr lvl="1"/>
@@ -7424,13 +6921,8 @@
             <a:pPr lvl="1"/>
             <a:r>
               <a:rPr lang="fr-FR" dirty="0"/>
-              <a:t>Le langage Python est sensible à la casse, ce qui signifie que des lettres majuscules et minuscules ne constituent pas la même </a:t>
-            </a:r>
-            <a:r>
-              <a:rPr lang="fr-FR" dirty="0" smtClean="0"/>
-              <a:t>variable</a:t>
-            </a:r>
-            <a:endParaRPr lang="fr-FR" dirty="0"/>
+              <a:t>Le langage Python est sensible à la casse, ce qui signifie que des lettres majuscules et minuscules ne constituent pas la même variable</a:t>
+            </a:r>
           </a:p>
         </p:txBody>
       </p:sp>
@@ -7444,13 +6936,6 @@
   <p:clrMapOvr>
     <a:masterClrMapping/>
   </p:clrMapOvr>
-  <p:timing>
-    <p:tnLst>
-      <p:par>
-        <p:cTn id="1" dur="indefinite" restart="never" nodeType="tmRoot"/>
-      </p:par>
-    </p:tnLst>
-  </p:timing>
 </p:sld>
 </file>
 
@@ -7487,10 +6972,9 @@
           <a:lstStyle/>
           <a:p>
             <a:r>
-              <a:rPr lang="fr-FR" dirty="0" smtClean="0"/>
+              <a:rPr lang="fr-FR" dirty="0"/>
               <a:t>Convention de nommage</a:t>
             </a:r>
-            <a:endParaRPr lang="fr-FR" dirty="0"/>
           </a:p>
         </p:txBody>
       </p:sp>
@@ -7510,49 +6994,48 @@
           <a:lstStyle/>
           <a:p>
             <a:r>
-              <a:rPr lang="fr-FR" dirty="0" smtClean="0"/>
+              <a:rPr lang="fr-FR" dirty="0"/>
               <a:t>HTML Case</a:t>
             </a:r>
           </a:p>
           <a:p>
             <a:pPr lvl="1"/>
             <a:r>
-              <a:rPr lang="fr-FR" dirty="0" err="1" smtClean="0"/>
+              <a:rPr lang="fr-FR" dirty="0" err="1"/>
               <a:t>ma_variable</a:t>
             </a:r>
-            <a:endParaRPr lang="fr-FR" dirty="0" smtClean="0"/>
-          </a:p>
-          <a:p>
-            <a:r>
-              <a:rPr lang="fr-FR" dirty="0" smtClean="0"/>
+            <a:endParaRPr lang="fr-FR" dirty="0"/>
+          </a:p>
+          <a:p>
+            <a:r>
+              <a:rPr lang="fr-FR" dirty="0"/>
               <a:t>CAML Case</a:t>
             </a:r>
           </a:p>
           <a:p>
             <a:pPr lvl="1"/>
             <a:r>
-              <a:rPr lang="fr-FR" dirty="0" err="1" smtClean="0"/>
+              <a:rPr lang="fr-FR" dirty="0" err="1"/>
               <a:t>maVariable</a:t>
             </a:r>
-            <a:endParaRPr lang="fr-FR" dirty="0" smtClean="0"/>
-          </a:p>
-          <a:p>
-            <a:r>
-              <a:rPr lang="fr-FR" dirty="0" smtClean="0"/>
+            <a:endParaRPr lang="fr-FR" dirty="0"/>
+          </a:p>
+          <a:p>
+            <a:r>
+              <a:rPr lang="fr-FR" dirty="0"/>
               <a:t>Kebab Case</a:t>
             </a:r>
           </a:p>
           <a:p>
             <a:pPr lvl="1"/>
             <a:r>
-              <a:rPr lang="fr-FR" dirty="0" smtClean="0"/>
+              <a:rPr lang="fr-FR" dirty="0"/>
               <a:t>ma-Variable-2</a:t>
             </a:r>
-            <a:endParaRPr lang="fr-FR" dirty="0" smtClean="0"/>
-          </a:p>
-          <a:p>
-            <a:r>
-              <a:rPr lang="fr-FR" dirty="0" smtClean="0"/>
+          </a:p>
+          <a:p>
+            <a:r>
+              <a:rPr lang="fr-FR" dirty="0"/>
               <a:t>Au choix</a:t>
             </a:r>
           </a:p>
@@ -7568,13 +7051,6 @@
   <p:clrMapOvr>
     <a:masterClrMapping/>
   </p:clrMapOvr>
-  <p:timing>
-    <p:tnLst>
-      <p:par>
-        <p:cTn id="1" dur="indefinite" restart="never" nodeType="tmRoot"/>
-      </p:par>
-    </p:tnLst>
-  </p:timing>
 </p:sld>
 </file>
 
@@ -7611,10 +7087,9 @@
           <a:lstStyle/>
           <a:p>
             <a:r>
-              <a:rPr lang="fr-FR" dirty="0" smtClean="0"/>
+              <a:rPr lang="fr-FR" dirty="0"/>
               <a:t>Les types</a:t>
             </a:r>
-            <a:endParaRPr lang="fr-FR" dirty="0"/>
           </a:p>
         </p:txBody>
       </p:sp>
@@ -7634,69 +7109,61 @@
           <a:lstStyle/>
           <a:p>
             <a:r>
-              <a:rPr lang="fr-FR" dirty="0" smtClean="0"/>
+              <a:rPr lang="fr-FR" dirty="0"/>
               <a:t>Python est un langage faiblement typées</a:t>
             </a:r>
           </a:p>
           <a:p>
             <a:r>
-              <a:rPr lang="fr-FR" dirty="0" smtClean="0"/>
+              <a:rPr lang="fr-FR" dirty="0"/>
               <a:t>Les variables n’ont pas de type définie</a:t>
             </a:r>
           </a:p>
           <a:p>
             <a:pPr lvl="1"/>
             <a:r>
-              <a:rPr lang="fr-FR" dirty="0" smtClean="0"/>
+              <a:rPr lang="fr-FR" dirty="0"/>
               <a:t>Mais s’adapte aux types de base</a:t>
             </a:r>
           </a:p>
           <a:p>
             <a:r>
-              <a:rPr lang="fr-FR" dirty="0" err="1" smtClean="0"/>
+              <a:rPr lang="fr-FR" dirty="0" err="1"/>
               <a:t>int</a:t>
             </a:r>
-            <a:endParaRPr lang="fr-FR" dirty="0" smtClean="0"/>
+            <a:endParaRPr lang="fr-FR" dirty="0"/>
           </a:p>
           <a:p>
             <a:pPr lvl="1"/>
             <a:r>
-              <a:rPr lang="fr-FR" dirty="0" smtClean="0"/>
+              <a:rPr lang="fr-FR" dirty="0"/>
               <a:t>3</a:t>
             </a:r>
           </a:p>
           <a:p>
             <a:r>
               <a:rPr lang="fr-FR" dirty="0" err="1"/>
-              <a:t>f</a:t>
-            </a:r>
-            <a:r>
-              <a:rPr lang="fr-FR" dirty="0" err="1" smtClean="0"/>
-              <a:t>loat</a:t>
-            </a:r>
-            <a:endParaRPr lang="fr-FR" dirty="0" smtClean="0"/>
+              <a:t>float</a:t>
+            </a:r>
+            <a:endParaRPr lang="fr-FR" dirty="0"/>
           </a:p>
           <a:p>
             <a:pPr lvl="1"/>
             <a:r>
-              <a:rPr lang="fr-FR" dirty="0" smtClean="0"/>
+              <a:rPr lang="fr-FR" dirty="0"/>
               <a:t>3.14</a:t>
             </a:r>
           </a:p>
           <a:p>
             <a:r>
               <a:rPr lang="fr-FR" dirty="0"/>
-              <a:t>s</a:t>
-            </a:r>
-            <a:r>
-              <a:rPr lang="fr-FR" dirty="0" smtClean="0"/>
-              <a:t>tring</a:t>
+              <a:t>string</a:t>
             </a:r>
           </a:p>
           <a:p>
             <a:pPr lvl="1"/>
             <a:r>
-              <a:rPr lang="fr-FR" dirty="0" smtClean="0"/>
+              <a:rPr lang="fr-FR" dirty="0"/>
               <a:t>« Python »</a:t>
             </a:r>
           </a:p>
@@ -7712,13 +7179,6 @@
   <p:clrMapOvr>
     <a:masterClrMapping/>
   </p:clrMapOvr>
-  <p:timing>
-    <p:tnLst>
-      <p:par>
-        <p:cTn id="1" dur="indefinite" restart="never" nodeType="tmRoot"/>
-      </p:par>
-    </p:tnLst>
-  </p:timing>
 </p:sld>
 </file>
 
@@ -7755,10 +7215,9 @@
           <a:lstStyle/>
           <a:p>
             <a:r>
-              <a:rPr lang="fr-FR" dirty="0" smtClean="0"/>
+              <a:rPr lang="fr-FR" dirty="0"/>
               <a:t>Remarques</a:t>
             </a:r>
-            <a:endParaRPr lang="fr-FR" dirty="0"/>
           </a:p>
         </p:txBody>
       </p:sp>
@@ -7794,13 +7253,6 @@
   <p:clrMapOvr>
     <a:masterClrMapping/>
   </p:clrMapOvr>
-  <p:timing>
-    <p:tnLst>
-      <p:par>
-        <p:cTn id="1" dur="indefinite" restart="never" nodeType="tmRoot"/>
-      </p:par>
-    </p:tnLst>
-  </p:timing>
 </p:sld>
 </file>
 

--- a/ppt/Python02-Variables.pptx
+++ b/ppt/Python02-Variables.pptx
@@ -6265,18 +6265,6 @@
               <a:rPr lang="fr-FR" dirty="0"/>
               <a:t>N’est pas utilisé par défaut</a:t>
             </a:r>
-          </a:p>
-          <a:p>
-            <a:pPr lvl="1"/>
-            <a:r>
-              <a:rPr lang="fr-FR" dirty="0"/>
-              <a:t>Utilisé par </a:t>
-            </a:r>
-            <a:r>
-              <a:rPr lang="fr-FR" dirty="0" err="1"/>
-              <a:t>MyPi</a:t>
-            </a:r>
-            <a:endParaRPr lang="fr-FR" dirty="0"/>
           </a:p>
           <a:p>
             <a:pPr lvl="1"/>

--- a/ppt/Python02-Variables.pptx
+++ b/ppt/Python02-Variables.pptx
@@ -5,10 +5,10 @@
     <p:sldMasterId id="2147483653" r:id="rId1"/>
   </p:sldMasterIdLst>
   <p:notesMasterIdLst>
-    <p:notesMasterId r:id="rId23"/>
+    <p:notesMasterId r:id="rId21"/>
   </p:notesMasterIdLst>
   <p:handoutMasterIdLst>
-    <p:handoutMasterId r:id="rId24"/>
+    <p:handoutMasterId r:id="rId22"/>
   </p:handoutMasterIdLst>
   <p:sldIdLst>
     <p:sldId id="264" r:id="rId2"/>
@@ -21,17 +21,15 @@
     <p:sldId id="269" r:id="rId9"/>
     <p:sldId id="270" r:id="rId10"/>
     <p:sldId id="271" r:id="rId11"/>
-    <p:sldId id="272" r:id="rId12"/>
-    <p:sldId id="273" r:id="rId13"/>
-    <p:sldId id="274" r:id="rId14"/>
-    <p:sldId id="275" r:id="rId15"/>
-    <p:sldId id="276" r:id="rId16"/>
-    <p:sldId id="277" r:id="rId17"/>
-    <p:sldId id="278" r:id="rId18"/>
-    <p:sldId id="283" r:id="rId19"/>
-    <p:sldId id="280" r:id="rId20"/>
-    <p:sldId id="284" r:id="rId21"/>
-    <p:sldId id="285" r:id="rId22"/>
+    <p:sldId id="273" r:id="rId12"/>
+    <p:sldId id="274" r:id="rId13"/>
+    <p:sldId id="275" r:id="rId14"/>
+    <p:sldId id="276" r:id="rId15"/>
+    <p:sldId id="277" r:id="rId16"/>
+    <p:sldId id="278" r:id="rId17"/>
+    <p:sldId id="283" r:id="rId18"/>
+    <p:sldId id="280" r:id="rId19"/>
+    <p:sldId id="272" r:id="rId20"/>
   </p:sldIdLst>
   <p:sldSz cx="9144000" cy="6858000" type="screen4x3"/>
   <p:notesSz cx="6648450" cy="9782175"/>
@@ -4114,204 +4112,6 @@
           <a:lstStyle/>
           <a:p>
             <a:r>
-              <a:rPr lang="fr-FR" dirty="0"/>
-              <a:t>Opération sur les chaînes</a:t>
-            </a:r>
-          </a:p>
-        </p:txBody>
-      </p:sp>
-      <p:sp>
-        <p:nvSpPr>
-          <p:cNvPr id="3" name="Espace réservé du contenu 2"/>
-          <p:cNvSpPr>
-            <a:spLocks noGrp="1"/>
-          </p:cNvSpPr>
-          <p:nvPr>
-            <p:ph idx="1"/>
-          </p:nvPr>
-        </p:nvSpPr>
-        <p:spPr/>
-        <p:txBody>
-          <a:bodyPr/>
-          <a:lstStyle/>
-          <a:p>
-            <a:pPr lvl="2"/>
-            <a:r>
-              <a:rPr lang="en-US" altLang="fr-FR" dirty="0"/>
-              <a:t>"</a:t>
-            </a:r>
-            <a:r>
-              <a:rPr lang="en-US" altLang="fr-FR" dirty="0" err="1"/>
-              <a:t>hello"+"world</a:t>
-            </a:r>
-            <a:r>
-              <a:rPr lang="en-US" altLang="fr-FR" dirty="0"/>
-              <a:t>"	"</a:t>
-            </a:r>
-            <a:r>
-              <a:rPr lang="en-US" altLang="fr-FR" dirty="0" err="1"/>
-              <a:t>helloworld</a:t>
-            </a:r>
-            <a:r>
-              <a:rPr lang="en-US" altLang="fr-FR" dirty="0"/>
-              <a:t>"	# concatenation</a:t>
-            </a:r>
-          </a:p>
-          <a:p>
-            <a:pPr lvl="2"/>
-            <a:r>
-              <a:rPr lang="en-US" altLang="fr-FR" dirty="0"/>
-              <a:t>"hello"*3		"</a:t>
-            </a:r>
-            <a:r>
-              <a:rPr lang="en-US" altLang="fr-FR" dirty="0" err="1"/>
-              <a:t>hellohellohello</a:t>
-            </a:r>
-            <a:r>
-              <a:rPr lang="en-US" altLang="fr-FR" dirty="0"/>
-              <a:t>" # repetition</a:t>
-            </a:r>
-          </a:p>
-          <a:p>
-            <a:pPr lvl="2"/>
-            <a:r>
-              <a:rPr lang="en-US" altLang="fr-FR" dirty="0"/>
-              <a:t>"hello"[0]		"h"		# indexing</a:t>
-            </a:r>
-          </a:p>
-          <a:p>
-            <a:pPr lvl="2"/>
-            <a:r>
-              <a:rPr lang="en-US" altLang="fr-FR" dirty="0"/>
-              <a:t>"hello"[-1]		"o"		# (from end)</a:t>
-            </a:r>
-          </a:p>
-          <a:p>
-            <a:pPr lvl="2"/>
-            <a:r>
-              <a:rPr lang="en-US" altLang="fr-FR" dirty="0"/>
-              <a:t>"hello"[1:4]		"ell"		# slicing</a:t>
-            </a:r>
-          </a:p>
-          <a:p>
-            <a:pPr lvl="2"/>
-            <a:r>
-              <a:rPr lang="en-US" altLang="fr-FR" dirty="0" err="1"/>
-              <a:t>len</a:t>
-            </a:r>
-            <a:r>
-              <a:rPr lang="en-US" altLang="fr-FR" dirty="0"/>
-              <a:t>("hello")		5		# size</a:t>
-            </a:r>
-          </a:p>
-          <a:p>
-            <a:pPr lvl="2"/>
-            <a:r>
-              <a:rPr lang="en-US" altLang="fr-FR" dirty="0"/>
-              <a:t>"hello" &lt; "</a:t>
-            </a:r>
-            <a:r>
-              <a:rPr lang="en-US" altLang="fr-FR" dirty="0" err="1"/>
-              <a:t>jello</a:t>
-            </a:r>
-            <a:r>
-              <a:rPr lang="en-US" altLang="fr-FR" dirty="0"/>
-              <a:t>"	1		# comparison</a:t>
-            </a:r>
-          </a:p>
-          <a:p>
-            <a:pPr lvl="2"/>
-            <a:r>
-              <a:rPr lang="en-US" altLang="fr-FR" dirty="0"/>
-              <a:t>"e" in "hello"		1		# search</a:t>
-            </a:r>
-          </a:p>
-          <a:p>
-            <a:pPr lvl="2"/>
-            <a:r>
-              <a:rPr lang="en-US" altLang="fr-FR" dirty="0"/>
-              <a:t>"escapes: \n </a:t>
-            </a:r>
-            <a:r>
-              <a:rPr lang="en-US" altLang="fr-FR" dirty="0" err="1"/>
-              <a:t>etc</a:t>
-            </a:r>
-            <a:r>
-              <a:rPr lang="en-US" altLang="fr-FR" dirty="0"/>
-              <a:t>, \033 </a:t>
-            </a:r>
-            <a:r>
-              <a:rPr lang="en-US" altLang="fr-FR" dirty="0" err="1"/>
-              <a:t>etc</a:t>
-            </a:r>
-            <a:r>
-              <a:rPr lang="en-US" altLang="fr-FR" dirty="0"/>
-              <a:t>, \if </a:t>
-            </a:r>
-            <a:r>
-              <a:rPr lang="en-US" altLang="fr-FR" dirty="0" err="1"/>
-              <a:t>etc</a:t>
-            </a:r>
-            <a:r>
-              <a:rPr lang="en-US" altLang="fr-FR" dirty="0"/>
-              <a:t>"</a:t>
-            </a:r>
-          </a:p>
-          <a:p>
-            <a:pPr lvl="2"/>
-            <a:r>
-              <a:rPr lang="en-US" altLang="fr-FR" dirty="0"/>
-              <a:t>'single quotes'  """triple quotes""" </a:t>
-            </a:r>
-          </a:p>
-        </p:txBody>
-      </p:sp>
-    </p:spTree>
-    <p:extLst>
-      <p:ext uri="{BB962C8B-B14F-4D97-AF65-F5344CB8AC3E}">
-        <p14:creationId xmlns:p14="http://schemas.microsoft.com/office/powerpoint/2010/main" val="1493046247"/>
-      </p:ext>
-    </p:extLst>
-  </p:cSld>
-  <p:clrMapOvr>
-    <a:masterClrMapping/>
-  </p:clrMapOvr>
-</p:sld>
-</file>
-
-<file path=ppt/slides/slide12.xml><?xml version="1.0" encoding="utf-8"?>
-<p:sld xmlns:a="http://schemas.openxmlformats.org/drawingml/2006/main" xmlns:r="http://schemas.openxmlformats.org/officeDocument/2006/relationships" xmlns:p="http://schemas.openxmlformats.org/presentationml/2006/main">
-  <p:cSld>
-    <p:spTree>
-      <p:nvGrpSpPr>
-        <p:cNvPr id="1" name=""/>
-        <p:cNvGrpSpPr/>
-        <p:nvPr/>
-      </p:nvGrpSpPr>
-      <p:grpSpPr>
-        <a:xfrm>
-          <a:off x="0" y="0"/>
-          <a:ext cx="0" cy="0"/>
-          <a:chOff x="0" y="0"/>
-          <a:chExt cx="0" cy="0"/>
-        </a:xfrm>
-      </p:grpSpPr>
-      <p:sp>
-        <p:nvSpPr>
-          <p:cNvPr id="2" name="Titre 1"/>
-          <p:cNvSpPr>
-            <a:spLocks noGrp="1"/>
-          </p:cNvSpPr>
-          <p:nvPr>
-            <p:ph type="title"/>
-          </p:nvPr>
-        </p:nvSpPr>
-        <p:spPr/>
-        <p:txBody>
-          <a:bodyPr/>
-          <a:lstStyle/>
-          <a:p>
-            <a:r>
               <a:rPr lang="fr-FR" dirty="0" err="1"/>
               <a:t>Indiçage</a:t>
             </a:r>
@@ -4715,6 +4515,394 @@
 </p:sld>
 </file>
 
+<file path=ppt/slides/slide12.xml><?xml version="1.0" encoding="utf-8"?>
+<p:sld xmlns:a="http://schemas.openxmlformats.org/drawingml/2006/main" xmlns:r="http://schemas.openxmlformats.org/officeDocument/2006/relationships" xmlns:p="http://schemas.openxmlformats.org/presentationml/2006/main">
+  <p:cSld>
+    <p:spTree>
+      <p:nvGrpSpPr>
+        <p:cNvPr id="1" name=""/>
+        <p:cNvGrpSpPr/>
+        <p:nvPr/>
+      </p:nvGrpSpPr>
+      <p:grpSpPr>
+        <a:xfrm>
+          <a:off x="0" y="0"/>
+          <a:ext cx="0" cy="0"/>
+          <a:chOff x="0" y="0"/>
+          <a:chExt cx="0" cy="0"/>
+        </a:xfrm>
+      </p:grpSpPr>
+      <p:sp>
+        <p:nvSpPr>
+          <p:cNvPr id="2" name="Titre 1"/>
+          <p:cNvSpPr>
+            <a:spLocks noGrp="1"/>
+          </p:cNvSpPr>
+          <p:nvPr>
+            <p:ph type="title"/>
+          </p:nvPr>
+        </p:nvSpPr>
+        <p:spPr/>
+        <p:txBody>
+          <a:bodyPr/>
+          <a:lstStyle/>
+          <a:p>
+            <a:r>
+              <a:rPr lang="fr-FR" dirty="0"/>
+              <a:t>Remarques sur les chaînes</a:t>
+            </a:r>
+          </a:p>
+        </p:txBody>
+      </p:sp>
+      <p:sp>
+        <p:nvSpPr>
+          <p:cNvPr id="3" name="Espace réservé du contenu 2"/>
+          <p:cNvSpPr>
+            <a:spLocks noGrp="1"/>
+          </p:cNvSpPr>
+          <p:nvPr>
+            <p:ph idx="1"/>
+          </p:nvPr>
+        </p:nvSpPr>
+        <p:spPr/>
+        <p:txBody>
+          <a:bodyPr/>
+          <a:lstStyle/>
+          <a:p>
+            <a:pPr>
+              <a:lnSpc>
+                <a:spcPct val="90000"/>
+              </a:lnSpc>
+            </a:pPr>
+            <a:r>
+              <a:rPr lang="en-GB" altLang="fr-FR" dirty="0" err="1"/>
+              <a:t>Une</a:t>
+            </a:r>
+            <a:r>
+              <a:rPr lang="en-GB" altLang="fr-FR" dirty="0"/>
+              <a:t> </a:t>
+            </a:r>
+            <a:r>
+              <a:rPr lang="en-GB" altLang="fr-FR" dirty="0" err="1"/>
+              <a:t>valeur</a:t>
+            </a:r>
+            <a:r>
+              <a:rPr lang="en-GB" altLang="fr-FR" dirty="0"/>
+              <a:t> </a:t>
+            </a:r>
+            <a:r>
+              <a:rPr lang="en-GB" altLang="fr-FR" dirty="0" err="1"/>
+              <a:t>laissée</a:t>
+            </a:r>
+            <a:r>
+              <a:rPr lang="en-GB" altLang="fr-FR" dirty="0"/>
+              <a:t> </a:t>
+            </a:r>
+            <a:r>
+              <a:rPr lang="en-GB" altLang="fr-FR" dirty="0" err="1"/>
+              <a:t>vierge</a:t>
+            </a:r>
+            <a:r>
+              <a:rPr lang="en-GB" altLang="fr-FR" dirty="0"/>
+              <a:t> </a:t>
+            </a:r>
+            <a:r>
+              <a:rPr lang="en-GB" altLang="fr-FR" dirty="0" err="1"/>
+              <a:t>prend</a:t>
+            </a:r>
+            <a:r>
+              <a:rPr lang="en-GB" altLang="fr-FR" dirty="0"/>
+              <a:t> la </a:t>
+            </a:r>
+            <a:r>
+              <a:rPr lang="en-GB" altLang="fr-FR" dirty="0" err="1"/>
+              <a:t>valeur</a:t>
+            </a:r>
+            <a:r>
+              <a:rPr lang="en-GB" altLang="fr-FR" dirty="0"/>
+              <a:t> 0 à gauche et  la </a:t>
+            </a:r>
+            <a:r>
+              <a:rPr lang="en-GB" altLang="fr-FR" dirty="0" err="1"/>
+              <a:t>taille</a:t>
+            </a:r>
+            <a:r>
+              <a:rPr lang="en-GB" altLang="fr-FR" dirty="0"/>
+              <a:t> de la </a:t>
+            </a:r>
+            <a:r>
+              <a:rPr lang="en-GB" altLang="fr-FR" dirty="0" err="1"/>
+              <a:t>chaîne</a:t>
+            </a:r>
+            <a:r>
+              <a:rPr lang="en-GB" altLang="fr-FR" dirty="0"/>
+              <a:t> à </a:t>
+            </a:r>
+            <a:r>
+              <a:rPr lang="en-GB" altLang="fr-FR" dirty="0" err="1"/>
+              <a:t>droite</a:t>
+            </a:r>
+            <a:endParaRPr lang="en-GB" altLang="fr-FR" dirty="0"/>
+          </a:p>
+          <a:p>
+            <a:pPr lvl="1">
+              <a:lnSpc>
+                <a:spcPct val="90000"/>
+              </a:lnSpc>
+            </a:pPr>
+            <a:r>
+              <a:rPr lang="en-GB" altLang="fr-FR" dirty="0"/>
+              <a:t>s[:5] =&gt; s[0:5] et s[3:] =&gt; s[3:len(s)])			</a:t>
+            </a:r>
+          </a:p>
+          <a:p>
+            <a:pPr>
+              <a:lnSpc>
+                <a:spcPct val="90000"/>
+              </a:lnSpc>
+            </a:pPr>
+            <a:r>
+              <a:rPr lang="en-GB" altLang="fr-FR" dirty="0"/>
+              <a:t>Un index qui </a:t>
+            </a:r>
+            <a:r>
+              <a:rPr lang="en-GB" altLang="fr-FR" dirty="0" err="1"/>
+              <a:t>est</a:t>
+            </a:r>
+            <a:r>
+              <a:rPr lang="en-GB" altLang="fr-FR" dirty="0"/>
+              <a:t> trop grand </a:t>
+            </a:r>
+            <a:r>
+              <a:rPr lang="en-GB" altLang="fr-FR" dirty="0" err="1"/>
+              <a:t>est</a:t>
+            </a:r>
+            <a:r>
+              <a:rPr lang="en-GB" altLang="fr-FR" dirty="0"/>
+              <a:t> </a:t>
+            </a:r>
+            <a:r>
+              <a:rPr lang="en-GB" altLang="fr-FR" dirty="0" err="1"/>
+              <a:t>remplacé</a:t>
+            </a:r>
+            <a:r>
+              <a:rPr lang="en-GB" altLang="fr-FR" dirty="0"/>
+              <a:t> par la </a:t>
+            </a:r>
+            <a:r>
+              <a:rPr lang="en-GB" altLang="fr-FR" dirty="0" err="1"/>
+              <a:t>taille</a:t>
+            </a:r>
+            <a:r>
+              <a:rPr lang="en-GB" altLang="fr-FR" dirty="0"/>
+              <a:t> de la </a:t>
+            </a:r>
+            <a:r>
+              <a:rPr lang="en-GB" altLang="fr-FR" dirty="0" err="1"/>
+              <a:t>chaîne</a:t>
+            </a:r>
+            <a:r>
+              <a:rPr lang="en-GB" altLang="fr-FR" dirty="0"/>
+              <a:t>, un index de fin </a:t>
+            </a:r>
+            <a:r>
+              <a:rPr lang="en-GB" altLang="fr-FR" dirty="0" err="1"/>
+              <a:t>inférieur</a:t>
+            </a:r>
+            <a:r>
+              <a:rPr lang="en-GB" altLang="fr-FR" dirty="0"/>
+              <a:t> à </a:t>
+            </a:r>
+            <a:r>
+              <a:rPr lang="en-GB" altLang="fr-FR" dirty="0" err="1"/>
+              <a:t>l’indice</a:t>
+            </a:r>
+            <a:r>
+              <a:rPr lang="en-GB" altLang="fr-FR" dirty="0"/>
+              <a:t> de début </a:t>
+            </a:r>
+            <a:r>
+              <a:rPr lang="en-GB" altLang="fr-FR" dirty="0" err="1"/>
+              <a:t>retourne</a:t>
+            </a:r>
+            <a:r>
+              <a:rPr lang="en-GB" altLang="fr-FR" dirty="0"/>
+              <a:t> </a:t>
+            </a:r>
+            <a:r>
+              <a:rPr lang="en-GB" altLang="fr-FR" dirty="0" err="1"/>
+              <a:t>une</a:t>
+            </a:r>
+            <a:r>
+              <a:rPr lang="en-GB" altLang="fr-FR" dirty="0"/>
+              <a:t> </a:t>
+            </a:r>
+            <a:r>
+              <a:rPr lang="en-GB" altLang="fr-FR" dirty="0" err="1"/>
+              <a:t>chaîne</a:t>
+            </a:r>
+            <a:r>
+              <a:rPr lang="en-GB" altLang="fr-FR" dirty="0"/>
+              <a:t> vide</a:t>
+            </a:r>
+          </a:p>
+          <a:p>
+            <a:pPr lvl="1">
+              <a:lnSpc>
+                <a:spcPct val="90000"/>
+              </a:lnSpc>
+            </a:pPr>
+            <a:r>
+              <a:rPr lang="en-GB" altLang="fr-FR" dirty="0"/>
+              <a:t>s[1:100] </a:t>
+            </a:r>
+            <a:r>
+              <a:rPr lang="en-GB" altLang="fr-FR" dirty="0" err="1"/>
+              <a:t>donnera</a:t>
+            </a:r>
+            <a:r>
+              <a:rPr lang="en-GB" altLang="fr-FR" dirty="0"/>
+              <a:t> ‘onexemple.py’ et s[2:1] </a:t>
+            </a:r>
+            <a:r>
+              <a:rPr lang="en-GB" altLang="fr-FR" dirty="0" err="1"/>
+              <a:t>donnera</a:t>
+            </a:r>
+            <a:r>
+              <a:rPr lang="en-GB" altLang="fr-FR" dirty="0"/>
+              <a:t> ‘’	</a:t>
+            </a:r>
+          </a:p>
+          <a:p>
+            <a:pPr>
+              <a:lnSpc>
+                <a:spcPct val="90000"/>
+              </a:lnSpc>
+            </a:pPr>
+            <a:r>
+              <a:rPr lang="en-GB" altLang="fr-FR" dirty="0">
+                <a:solidFill>
+                  <a:schemeClr val="accent2"/>
+                </a:solidFill>
+              </a:rPr>
+              <a:t>&gt;&gt;&gt; s[-2]  # les </a:t>
+            </a:r>
+            <a:r>
+              <a:rPr lang="en-GB" altLang="fr-FR" dirty="0" err="1">
+                <a:solidFill>
+                  <a:schemeClr val="accent2"/>
+                </a:solidFill>
+              </a:rPr>
+              <a:t>deux</a:t>
+            </a:r>
+            <a:r>
+              <a:rPr lang="en-GB" altLang="fr-FR" dirty="0">
+                <a:solidFill>
+                  <a:schemeClr val="accent2"/>
+                </a:solidFill>
+              </a:rPr>
+              <a:t> </a:t>
+            </a:r>
+            <a:r>
+              <a:rPr lang="en-GB" altLang="fr-FR" dirty="0" err="1">
+                <a:solidFill>
+                  <a:schemeClr val="accent2"/>
+                </a:solidFill>
+              </a:rPr>
+              <a:t>derniers</a:t>
+            </a:r>
+            <a:r>
+              <a:rPr lang="en-GB" altLang="fr-FR" dirty="0">
+                <a:solidFill>
+                  <a:schemeClr val="accent2"/>
+                </a:solidFill>
+              </a:rPr>
+              <a:t> </a:t>
+            </a:r>
+            <a:r>
+              <a:rPr lang="en-GB" altLang="fr-FR" dirty="0" err="1">
+                <a:solidFill>
+                  <a:schemeClr val="accent2"/>
+                </a:solidFill>
+              </a:rPr>
+              <a:t>caractères</a:t>
+            </a:r>
+            <a:endParaRPr lang="en-GB" altLang="fr-FR" dirty="0">
+              <a:solidFill>
+                <a:schemeClr val="accent2"/>
+              </a:solidFill>
+            </a:endParaRPr>
+          </a:p>
+          <a:p>
+            <a:pPr>
+              <a:lnSpc>
+                <a:spcPct val="90000"/>
+              </a:lnSpc>
+            </a:pPr>
+            <a:r>
+              <a:rPr lang="en-GB" altLang="fr-FR" dirty="0">
+                <a:solidFill>
+                  <a:schemeClr val="accent2"/>
+                </a:solidFill>
+              </a:rPr>
+              <a:t>&gt;&gt;&gt;’</a:t>
+            </a:r>
+            <a:r>
+              <a:rPr lang="en-GB" altLang="fr-FR" dirty="0" err="1">
+                <a:solidFill>
+                  <a:schemeClr val="accent2"/>
+                </a:solidFill>
+              </a:rPr>
+              <a:t>py</a:t>
+            </a:r>
+            <a:r>
+              <a:rPr lang="en-GB" altLang="fr-FR" dirty="0">
+                <a:solidFill>
+                  <a:schemeClr val="accent2"/>
+                </a:solidFill>
+              </a:rPr>
+              <a:t>’</a:t>
+            </a:r>
+          </a:p>
+          <a:p>
+            <a:pPr>
+              <a:lnSpc>
+                <a:spcPct val="90000"/>
+              </a:lnSpc>
+            </a:pPr>
+            <a:r>
+              <a:rPr lang="en-GB" altLang="fr-FR" dirty="0">
+                <a:solidFill>
+                  <a:schemeClr val="accent2"/>
+                </a:solidFill>
+              </a:rPr>
+              <a:t>&gt;&gt;&gt;s[-100] # </a:t>
+            </a:r>
+            <a:r>
+              <a:rPr lang="en-GB" altLang="fr-FR" dirty="0" err="1">
+                <a:solidFill>
+                  <a:schemeClr val="accent2"/>
+                </a:solidFill>
+              </a:rPr>
+              <a:t>erreur</a:t>
+            </a:r>
+            <a:endParaRPr lang="fr-FR" dirty="0"/>
+          </a:p>
+        </p:txBody>
+      </p:sp>
+    </p:spTree>
+    <p:extLst>
+      <p:ext uri="{BB962C8B-B14F-4D97-AF65-F5344CB8AC3E}">
+        <p14:creationId xmlns:p14="http://schemas.microsoft.com/office/powerpoint/2010/main" val="1544568752"/>
+      </p:ext>
+    </p:extLst>
+  </p:cSld>
+  <p:clrMapOvr>
+    <a:masterClrMapping/>
+  </p:clrMapOvr>
+</p:sld>
+</file>
+
 <file path=ppt/slides/slide13.xml><?xml version="1.0" encoding="utf-8"?>
 <p:sld xmlns:a="http://schemas.openxmlformats.org/drawingml/2006/main" xmlns:r="http://schemas.openxmlformats.org/officeDocument/2006/relationships" xmlns:p="http://schemas.openxmlformats.org/presentationml/2006/main">
   <p:cSld>
@@ -4749,7 +4937,7 @@
           <a:p>
             <a:r>
               <a:rPr lang="fr-FR" dirty="0"/>
-              <a:t>Remarques sur les chaînes</a:t>
+              <a:t>Astuces</a:t>
             </a:r>
           </a:p>
         </p:txBody>
@@ -4769,323 +4957,61 @@
           <a:bodyPr/>
           <a:lstStyle/>
           <a:p>
-            <a:pPr>
-              <a:lnSpc>
-                <a:spcPct val="90000"/>
-              </a:lnSpc>
-            </a:pPr>
-            <a:r>
-              <a:rPr lang="en-GB" altLang="fr-FR" dirty="0" err="1"/>
-              <a:t>Une</a:t>
-            </a:r>
-            <a:r>
-              <a:rPr lang="en-GB" altLang="fr-FR" dirty="0"/>
-              <a:t> </a:t>
-            </a:r>
-            <a:r>
-              <a:rPr lang="en-GB" altLang="fr-FR" dirty="0" err="1"/>
-              <a:t>valeur</a:t>
-            </a:r>
-            <a:r>
-              <a:rPr lang="en-GB" altLang="fr-FR" dirty="0"/>
-              <a:t> </a:t>
-            </a:r>
-            <a:r>
-              <a:rPr lang="en-GB" altLang="fr-FR" dirty="0" err="1"/>
-              <a:t>laissée</a:t>
-            </a:r>
-            <a:r>
-              <a:rPr lang="en-GB" altLang="fr-FR" dirty="0"/>
-              <a:t> </a:t>
-            </a:r>
-            <a:r>
-              <a:rPr lang="en-GB" altLang="fr-FR" dirty="0" err="1"/>
-              <a:t>vierge</a:t>
-            </a:r>
-            <a:r>
-              <a:rPr lang="en-GB" altLang="fr-FR" dirty="0"/>
-              <a:t> </a:t>
-            </a:r>
-            <a:r>
-              <a:rPr lang="en-GB" altLang="fr-FR" dirty="0" err="1"/>
-              <a:t>prend</a:t>
-            </a:r>
-            <a:r>
-              <a:rPr lang="en-GB" altLang="fr-FR" dirty="0"/>
-              <a:t> la </a:t>
-            </a:r>
-            <a:r>
-              <a:rPr lang="en-GB" altLang="fr-FR" dirty="0" err="1"/>
-              <a:t>valeur</a:t>
-            </a:r>
-            <a:r>
-              <a:rPr lang="en-GB" altLang="fr-FR" dirty="0"/>
-              <a:t> 0 à gauche et  la </a:t>
-            </a:r>
-            <a:r>
-              <a:rPr lang="en-GB" altLang="fr-FR" dirty="0" err="1"/>
-              <a:t>taille</a:t>
-            </a:r>
-            <a:r>
-              <a:rPr lang="en-GB" altLang="fr-FR" dirty="0"/>
-              <a:t> de la </a:t>
-            </a:r>
-            <a:r>
-              <a:rPr lang="en-GB" altLang="fr-FR" dirty="0" err="1"/>
-              <a:t>chaîne</a:t>
-            </a:r>
-            <a:r>
-              <a:rPr lang="en-GB" altLang="fr-FR" dirty="0"/>
-              <a:t> à </a:t>
-            </a:r>
-            <a:r>
-              <a:rPr lang="en-GB" altLang="fr-FR" dirty="0" err="1"/>
-              <a:t>droite</a:t>
-            </a:r>
-            <a:endParaRPr lang="en-GB" altLang="fr-FR" dirty="0"/>
-          </a:p>
-          <a:p>
-            <a:pPr lvl="1">
-              <a:lnSpc>
-                <a:spcPct val="90000"/>
-              </a:lnSpc>
-            </a:pPr>
-            <a:r>
-              <a:rPr lang="en-GB" altLang="fr-FR" dirty="0"/>
-              <a:t>s[:5] =&gt; s[0:5] et s[3:] =&gt; s[3:len(s)])			</a:t>
-            </a:r>
-          </a:p>
-          <a:p>
-            <a:pPr>
-              <a:lnSpc>
-                <a:spcPct val="90000"/>
-              </a:lnSpc>
-            </a:pPr>
-            <a:r>
-              <a:rPr lang="en-GB" altLang="fr-FR" dirty="0"/>
-              <a:t>Un index qui </a:t>
-            </a:r>
-            <a:r>
-              <a:rPr lang="en-GB" altLang="fr-FR" dirty="0" err="1"/>
-              <a:t>est</a:t>
-            </a:r>
-            <a:r>
-              <a:rPr lang="en-GB" altLang="fr-FR" dirty="0"/>
-              <a:t> trop grand </a:t>
-            </a:r>
-            <a:r>
-              <a:rPr lang="en-GB" altLang="fr-FR" dirty="0" err="1"/>
-              <a:t>est</a:t>
-            </a:r>
-            <a:r>
-              <a:rPr lang="en-GB" altLang="fr-FR" dirty="0"/>
-              <a:t> </a:t>
-            </a:r>
-            <a:r>
-              <a:rPr lang="en-GB" altLang="fr-FR" dirty="0" err="1"/>
-              <a:t>remplacé</a:t>
-            </a:r>
-            <a:r>
-              <a:rPr lang="en-GB" altLang="fr-FR" dirty="0"/>
-              <a:t> par la </a:t>
-            </a:r>
-            <a:r>
-              <a:rPr lang="en-GB" altLang="fr-FR" dirty="0" err="1"/>
-              <a:t>taille</a:t>
-            </a:r>
-            <a:r>
-              <a:rPr lang="en-GB" altLang="fr-FR" dirty="0"/>
-              <a:t> de la </a:t>
-            </a:r>
-            <a:r>
-              <a:rPr lang="en-GB" altLang="fr-FR" dirty="0" err="1"/>
-              <a:t>chaîne</a:t>
-            </a:r>
-            <a:r>
-              <a:rPr lang="en-GB" altLang="fr-FR" dirty="0"/>
-              <a:t>, un index de fin </a:t>
-            </a:r>
-            <a:r>
-              <a:rPr lang="en-GB" altLang="fr-FR" dirty="0" err="1"/>
-              <a:t>inférieur</a:t>
-            </a:r>
-            <a:r>
-              <a:rPr lang="en-GB" altLang="fr-FR" dirty="0"/>
-              <a:t> à </a:t>
-            </a:r>
-            <a:r>
-              <a:rPr lang="en-GB" altLang="fr-FR" dirty="0" err="1"/>
-              <a:t>l’indice</a:t>
-            </a:r>
-            <a:r>
-              <a:rPr lang="en-GB" altLang="fr-FR" dirty="0"/>
-              <a:t> de début </a:t>
-            </a:r>
-            <a:r>
-              <a:rPr lang="en-GB" altLang="fr-FR" dirty="0" err="1"/>
-              <a:t>retourne</a:t>
-            </a:r>
-            <a:r>
-              <a:rPr lang="en-GB" altLang="fr-FR" dirty="0"/>
-              <a:t> </a:t>
-            </a:r>
-            <a:r>
-              <a:rPr lang="en-GB" altLang="fr-FR" dirty="0" err="1"/>
-              <a:t>une</a:t>
-            </a:r>
-            <a:r>
-              <a:rPr lang="en-GB" altLang="fr-FR" dirty="0"/>
-              <a:t> </a:t>
-            </a:r>
-            <a:r>
-              <a:rPr lang="en-GB" altLang="fr-FR" dirty="0" err="1"/>
-              <a:t>chaîne</a:t>
-            </a:r>
-            <a:r>
-              <a:rPr lang="en-GB" altLang="fr-FR" dirty="0"/>
-              <a:t> vide</a:t>
-            </a:r>
-          </a:p>
-          <a:p>
-            <a:pPr lvl="1">
-              <a:lnSpc>
-                <a:spcPct val="90000"/>
-              </a:lnSpc>
-            </a:pPr>
-            <a:r>
-              <a:rPr lang="en-GB" altLang="fr-FR" dirty="0"/>
-              <a:t>s[1:100] </a:t>
-            </a:r>
-            <a:r>
-              <a:rPr lang="en-GB" altLang="fr-FR" dirty="0" err="1"/>
-              <a:t>donnera</a:t>
-            </a:r>
-            <a:r>
-              <a:rPr lang="en-GB" altLang="fr-FR" dirty="0"/>
-              <a:t> ‘onexemple.py’ et s[2:1] </a:t>
-            </a:r>
-            <a:r>
-              <a:rPr lang="en-GB" altLang="fr-FR" dirty="0" err="1"/>
-              <a:t>donnera</a:t>
-            </a:r>
-            <a:r>
-              <a:rPr lang="en-GB" altLang="fr-FR" dirty="0"/>
-              <a:t> ‘’	</a:t>
-            </a:r>
-          </a:p>
-          <a:p>
-            <a:pPr>
-              <a:lnSpc>
-                <a:spcPct val="90000"/>
-              </a:lnSpc>
-            </a:pPr>
-            <a:r>
-              <a:rPr lang="en-GB" altLang="fr-FR" dirty="0">
-                <a:solidFill>
-                  <a:schemeClr val="accent2"/>
-                </a:solidFill>
-              </a:rPr>
-              <a:t>&gt;&gt;&gt; s[-2]  # les </a:t>
-            </a:r>
-            <a:r>
-              <a:rPr lang="en-GB" altLang="fr-FR" dirty="0" err="1">
-                <a:solidFill>
-                  <a:schemeClr val="accent2"/>
-                </a:solidFill>
-              </a:rPr>
-              <a:t>deux</a:t>
-            </a:r>
-            <a:r>
-              <a:rPr lang="en-GB" altLang="fr-FR" dirty="0">
-                <a:solidFill>
-                  <a:schemeClr val="accent2"/>
-                </a:solidFill>
-              </a:rPr>
-              <a:t> </a:t>
-            </a:r>
-            <a:r>
-              <a:rPr lang="en-GB" altLang="fr-FR" dirty="0" err="1">
-                <a:solidFill>
-                  <a:schemeClr val="accent2"/>
-                </a:solidFill>
-              </a:rPr>
-              <a:t>derniers</a:t>
-            </a:r>
-            <a:r>
-              <a:rPr lang="en-GB" altLang="fr-FR" dirty="0">
-                <a:solidFill>
-                  <a:schemeClr val="accent2"/>
-                </a:solidFill>
-              </a:rPr>
-              <a:t> </a:t>
-            </a:r>
-            <a:r>
-              <a:rPr lang="en-GB" altLang="fr-FR" dirty="0" err="1">
-                <a:solidFill>
-                  <a:schemeClr val="accent2"/>
-                </a:solidFill>
-              </a:rPr>
-              <a:t>caractères</a:t>
-            </a:r>
-            <a:endParaRPr lang="en-GB" altLang="fr-FR" dirty="0">
-              <a:solidFill>
-                <a:schemeClr val="accent2"/>
-              </a:solidFill>
-            </a:endParaRPr>
-          </a:p>
-          <a:p>
-            <a:pPr>
-              <a:lnSpc>
-                <a:spcPct val="90000"/>
-              </a:lnSpc>
-            </a:pPr>
-            <a:r>
-              <a:rPr lang="en-GB" altLang="fr-FR" dirty="0">
-                <a:solidFill>
-                  <a:schemeClr val="accent2"/>
-                </a:solidFill>
-              </a:rPr>
-              <a:t>&gt;&gt;&gt;’</a:t>
-            </a:r>
-            <a:r>
-              <a:rPr lang="en-GB" altLang="fr-FR" dirty="0" err="1">
-                <a:solidFill>
-                  <a:schemeClr val="accent2"/>
-                </a:solidFill>
-              </a:rPr>
-              <a:t>py</a:t>
-            </a:r>
-            <a:r>
-              <a:rPr lang="en-GB" altLang="fr-FR" dirty="0">
-                <a:solidFill>
-                  <a:schemeClr val="accent2"/>
-                </a:solidFill>
-              </a:rPr>
-              <a:t>’</a:t>
-            </a:r>
-          </a:p>
-          <a:p>
-            <a:pPr>
-              <a:lnSpc>
-                <a:spcPct val="90000"/>
-              </a:lnSpc>
-            </a:pPr>
-            <a:r>
-              <a:rPr lang="en-GB" altLang="fr-FR" dirty="0">
-                <a:solidFill>
-                  <a:schemeClr val="accent2"/>
-                </a:solidFill>
-              </a:rPr>
-              <a:t>&gt;&gt;&gt;s[-100] # </a:t>
-            </a:r>
-            <a:r>
-              <a:rPr lang="en-GB" altLang="fr-FR" dirty="0" err="1">
-                <a:solidFill>
-                  <a:schemeClr val="accent2"/>
-                </a:solidFill>
-              </a:rPr>
-              <a:t>erreur</a:t>
-            </a:r>
+            <a:r>
+              <a:rPr lang="fr-FR" dirty="0"/>
+              <a:t>Permutation de 2 variables</a:t>
+            </a:r>
+          </a:p>
+          <a:p>
+            <a:pPr lvl="1"/>
+            <a:r>
+              <a:rPr lang="fr-FR" dirty="0" err="1"/>
+              <a:t>a,b</a:t>
+            </a:r>
+            <a:r>
+              <a:rPr lang="fr-FR" dirty="0"/>
+              <a:t> = </a:t>
+            </a:r>
+            <a:r>
+              <a:rPr lang="fr-FR" dirty="0" err="1"/>
+              <a:t>b,a</a:t>
+            </a:r>
+            <a:endParaRPr lang="fr-FR" dirty="0"/>
+          </a:p>
+          <a:p>
+            <a:r>
+              <a:rPr lang="fr-FR" dirty="0"/>
+              <a:t>Affectation multiple</a:t>
+            </a:r>
+          </a:p>
+          <a:p>
+            <a:pPr lvl="1"/>
+            <a:r>
+              <a:rPr lang="fr-FR" dirty="0"/>
+              <a:t>a = b = 3</a:t>
+            </a:r>
+          </a:p>
+          <a:p>
+            <a:r>
+              <a:rPr lang="fr-FR" dirty="0"/>
+              <a:t>Ecriture sur plusieurs lignes</a:t>
+            </a:r>
+          </a:p>
+          <a:p>
+            <a:pPr lvl="1"/>
+            <a:r>
+              <a:rPr lang="fr-FR" dirty="0"/>
+              <a:t>1 + 2 + 3 \</a:t>
+            </a:r>
+          </a:p>
+          <a:p>
+            <a:pPr lvl="1"/>
+            <a:r>
+              <a:rPr lang="fr-FR" dirty="0"/>
+              <a:t>+ 4</a:t>
+            </a:r>
+          </a:p>
+          <a:p>
             <a:endParaRPr lang="fr-FR" dirty="0"/>
           </a:p>
         </p:txBody>
@@ -5093,7 +5019,7 @@
     </p:spTree>
     <p:extLst>
       <p:ext uri="{BB962C8B-B14F-4D97-AF65-F5344CB8AC3E}">
-        <p14:creationId xmlns:p14="http://schemas.microsoft.com/office/powerpoint/2010/main" val="1544568752"/>
+        <p14:creationId xmlns:p14="http://schemas.microsoft.com/office/powerpoint/2010/main" val="1674420070"/>
       </p:ext>
     </p:extLst>
   </p:cSld>
@@ -5137,7 +5063,7 @@
           <a:p>
             <a:r>
               <a:rPr lang="fr-FR" dirty="0"/>
-              <a:t>Astuces</a:t>
+              <a:t>Les premières fonctions</a:t>
             </a:r>
           </a:p>
         </p:txBody>
@@ -5159,67 +5085,63 @@
           <a:p>
             <a:r>
               <a:rPr lang="fr-FR" dirty="0"/>
-              <a:t>Permutation de 2 variables</a:t>
+              <a:t>Une fonction contient un nom, des paramètres entre parenthèse et un retour</a:t>
+            </a:r>
+          </a:p>
+          <a:p>
+            <a:r>
+              <a:rPr lang="fr-FR" dirty="0"/>
+              <a:t>type()</a:t>
             </a:r>
           </a:p>
           <a:p>
             <a:pPr lvl="1"/>
             <a:r>
+              <a:rPr lang="fr-FR" dirty="0"/>
+              <a:t>Renvoie le type de la variable</a:t>
+            </a:r>
+          </a:p>
+          <a:p>
+            <a:pPr lvl="1"/>
+            <a:r>
+              <a:rPr lang="fr-FR" dirty="0"/>
+              <a:t>type(3.14)</a:t>
+            </a:r>
+          </a:p>
+          <a:p>
+            <a:r>
               <a:rPr lang="fr-FR" dirty="0" err="1"/>
-              <a:t>a,b</a:t>
-            </a:r>
-            <a:r>
-              <a:rPr lang="fr-FR" dirty="0"/>
-              <a:t> = </a:t>
-            </a:r>
+              <a:t>print</a:t>
+            </a:r>
+            <a:r>
+              <a:rPr lang="fr-FR" dirty="0"/>
+              <a:t>()</a:t>
+            </a:r>
+          </a:p>
+          <a:p>
+            <a:pPr lvl="1"/>
+            <a:r>
+              <a:rPr lang="fr-FR" dirty="0"/>
+              <a:t>Affiche une variable</a:t>
+            </a:r>
+          </a:p>
+          <a:p>
+            <a:pPr lvl="1"/>
             <a:r>
               <a:rPr lang="fr-FR" dirty="0" err="1"/>
-              <a:t>b,a</a:t>
-            </a:r>
-            <a:endParaRPr lang="fr-FR" dirty="0"/>
-          </a:p>
-          <a:p>
-            <a:r>
-              <a:rPr lang="fr-FR" dirty="0"/>
-              <a:t>Affectation multiple</a:t>
-            </a:r>
-          </a:p>
-          <a:p>
-            <a:pPr lvl="1"/>
-            <a:r>
-              <a:rPr lang="fr-FR" dirty="0"/>
-              <a:t>a = b = 3</a:t>
-            </a:r>
-          </a:p>
-          <a:p>
-            <a:r>
-              <a:rPr lang="fr-FR" dirty="0"/>
-              <a:t>Ecriture sur plusieurs lignes</a:t>
-            </a:r>
-          </a:p>
-          <a:p>
-            <a:pPr lvl="1"/>
-            <a:r>
-              <a:rPr lang="fr-FR" dirty="0"/>
-              <a:t>1 + 2 + 3 \</a:t>
-            </a:r>
-          </a:p>
-          <a:p>
-            <a:pPr lvl="1"/>
-            <a:r>
-              <a:rPr lang="fr-FR" dirty="0"/>
-              <a:t>+ 4</a:t>
-            </a:r>
-          </a:p>
-          <a:p>
-            <a:endParaRPr lang="fr-FR" dirty="0"/>
+              <a:t>print</a:t>
+            </a:r>
+            <a:r>
+              <a:rPr lang="fr-FR" dirty="0"/>
+              <a:t>(a)</a:t>
+            </a:r>
           </a:p>
         </p:txBody>
       </p:sp>
     </p:spTree>
     <p:extLst>
       <p:ext uri="{BB962C8B-B14F-4D97-AF65-F5344CB8AC3E}">
-        <p14:creationId xmlns:p14="http://schemas.microsoft.com/office/powerpoint/2010/main" val="1674420070"/>
+        <p14:creationId xmlns:p14="http://schemas.microsoft.com/office/powerpoint/2010/main" val="4016214150"/>
       </p:ext>
     </p:extLst>
   </p:cSld>
@@ -5290,128 +5212,6 @@
           </a:p>
           <a:p>
             <a:r>
-              <a:rPr lang="fr-FR" dirty="0"/>
-              <a:t>type()</a:t>
-            </a:r>
-          </a:p>
-          <a:p>
-            <a:pPr lvl="1"/>
-            <a:r>
-              <a:rPr lang="fr-FR" dirty="0"/>
-              <a:t>Renvoie le type de la variable</a:t>
-            </a:r>
-          </a:p>
-          <a:p>
-            <a:pPr lvl="1"/>
-            <a:r>
-              <a:rPr lang="fr-FR" dirty="0"/>
-              <a:t>type(3.14)</a:t>
-            </a:r>
-          </a:p>
-          <a:p>
-            <a:r>
-              <a:rPr lang="fr-FR" dirty="0" err="1"/>
-              <a:t>print</a:t>
-            </a:r>
-            <a:r>
-              <a:rPr lang="fr-FR" dirty="0"/>
-              <a:t>()</a:t>
-            </a:r>
-          </a:p>
-          <a:p>
-            <a:pPr lvl="1"/>
-            <a:r>
-              <a:rPr lang="fr-FR" dirty="0"/>
-              <a:t>Affiche une variable</a:t>
-            </a:r>
-          </a:p>
-          <a:p>
-            <a:pPr lvl="1"/>
-            <a:r>
-              <a:rPr lang="fr-FR" dirty="0" err="1"/>
-              <a:t>print</a:t>
-            </a:r>
-            <a:r>
-              <a:rPr lang="fr-FR" dirty="0"/>
-              <a:t>(a)</a:t>
-            </a:r>
-          </a:p>
-        </p:txBody>
-      </p:sp>
-    </p:spTree>
-    <p:extLst>
-      <p:ext uri="{BB962C8B-B14F-4D97-AF65-F5344CB8AC3E}">
-        <p14:creationId xmlns:p14="http://schemas.microsoft.com/office/powerpoint/2010/main" val="4016214150"/>
-      </p:ext>
-    </p:extLst>
-  </p:cSld>
-  <p:clrMapOvr>
-    <a:masterClrMapping/>
-  </p:clrMapOvr>
-</p:sld>
-</file>
-
-<file path=ppt/slides/slide16.xml><?xml version="1.0" encoding="utf-8"?>
-<p:sld xmlns:a="http://schemas.openxmlformats.org/drawingml/2006/main" xmlns:r="http://schemas.openxmlformats.org/officeDocument/2006/relationships" xmlns:p="http://schemas.openxmlformats.org/presentationml/2006/main">
-  <p:cSld>
-    <p:spTree>
-      <p:nvGrpSpPr>
-        <p:cNvPr id="1" name=""/>
-        <p:cNvGrpSpPr/>
-        <p:nvPr/>
-      </p:nvGrpSpPr>
-      <p:grpSpPr>
-        <a:xfrm>
-          <a:off x="0" y="0"/>
-          <a:ext cx="0" cy="0"/>
-          <a:chOff x="0" y="0"/>
-          <a:chExt cx="0" cy="0"/>
-        </a:xfrm>
-      </p:grpSpPr>
-      <p:sp>
-        <p:nvSpPr>
-          <p:cNvPr id="2" name="Titre 1"/>
-          <p:cNvSpPr>
-            <a:spLocks noGrp="1"/>
-          </p:cNvSpPr>
-          <p:nvPr>
-            <p:ph type="title"/>
-          </p:nvPr>
-        </p:nvSpPr>
-        <p:spPr/>
-        <p:txBody>
-          <a:bodyPr/>
-          <a:lstStyle/>
-          <a:p>
-            <a:r>
-              <a:rPr lang="fr-FR" dirty="0"/>
-              <a:t>Les premières fonctions</a:t>
-            </a:r>
-          </a:p>
-        </p:txBody>
-      </p:sp>
-      <p:sp>
-        <p:nvSpPr>
-          <p:cNvPr id="3" name="Espace réservé du contenu 2"/>
-          <p:cNvSpPr>
-            <a:spLocks noGrp="1"/>
-          </p:cNvSpPr>
-          <p:nvPr>
-            <p:ph idx="1"/>
-          </p:nvPr>
-        </p:nvSpPr>
-        <p:spPr/>
-        <p:txBody>
-          <a:bodyPr/>
-          <a:lstStyle/>
-          <a:p>
-            <a:r>
-              <a:rPr lang="fr-FR" dirty="0"/>
-              <a:t>Une fonction contient un nom, des paramètres entre parenthèse et un retour</a:t>
-            </a:r>
-          </a:p>
-          <a:p>
-            <a:r>
               <a:rPr lang="fr-FR" dirty="0" err="1"/>
               <a:t>len</a:t>
             </a:r>
@@ -5503,7 +5303,7 @@
 </p:sld>
 </file>
 
-<file path=ppt/slides/slide17.xml><?xml version="1.0" encoding="utf-8"?>
+<file path=ppt/slides/slide16.xml><?xml version="1.0" encoding="utf-8"?>
 <p:sld xmlns:a="http://schemas.openxmlformats.org/drawingml/2006/main" xmlns:r="http://schemas.openxmlformats.org/officeDocument/2006/relationships" xmlns:p="http://schemas.openxmlformats.org/presentationml/2006/main">
   <p:cSld>
     <p:spTree>
@@ -5663,6 +5463,107 @@
 </p:sld>
 </file>
 
+<file path=ppt/slides/slide17.xml><?xml version="1.0" encoding="utf-8"?>
+<p:sld xmlns:a="http://schemas.openxmlformats.org/drawingml/2006/main" xmlns:r="http://schemas.openxmlformats.org/officeDocument/2006/relationships" xmlns:p="http://schemas.openxmlformats.org/presentationml/2006/main">
+  <p:cSld>
+    <p:spTree>
+      <p:nvGrpSpPr>
+        <p:cNvPr id="1" name=""/>
+        <p:cNvGrpSpPr/>
+        <p:nvPr/>
+      </p:nvGrpSpPr>
+      <p:grpSpPr>
+        <a:xfrm>
+          <a:off x="0" y="0"/>
+          <a:ext cx="0" cy="0"/>
+          <a:chOff x="0" y="0"/>
+          <a:chExt cx="0" cy="0"/>
+        </a:xfrm>
+      </p:grpSpPr>
+      <p:sp>
+        <p:nvSpPr>
+          <p:cNvPr id="2" name="Titre 1"/>
+          <p:cNvSpPr>
+            <a:spLocks noGrp="1"/>
+          </p:cNvSpPr>
+          <p:nvPr>
+            <p:ph type="title"/>
+          </p:nvPr>
+        </p:nvSpPr>
+        <p:spPr/>
+        <p:txBody>
+          <a:bodyPr/>
+          <a:lstStyle/>
+          <a:p>
+            <a:r>
+              <a:rPr lang="fr-FR" dirty="0" err="1"/>
+              <a:t>fstrings</a:t>
+            </a:r>
+            <a:endParaRPr lang="fr-FR" dirty="0"/>
+          </a:p>
+        </p:txBody>
+      </p:sp>
+      <p:sp>
+        <p:nvSpPr>
+          <p:cNvPr id="3" name="Espace réservé du contenu 2"/>
+          <p:cNvSpPr>
+            <a:spLocks noGrp="1"/>
+          </p:cNvSpPr>
+          <p:nvPr>
+            <p:ph idx="1"/>
+          </p:nvPr>
+        </p:nvSpPr>
+        <p:spPr/>
+        <p:txBody>
+          <a:bodyPr/>
+          <a:lstStyle/>
+          <a:p>
+            <a:r>
+              <a:rPr lang="fr-FR" dirty="0"/>
+              <a:t>Nouveau en Python 3.6</a:t>
+            </a:r>
+          </a:p>
+          <a:p>
+            <a:pPr lvl="1"/>
+            <a:r>
+              <a:rPr lang="fr-FR" dirty="0"/>
+              <a:t>Chaine formatée à partir de variables existantes</a:t>
+            </a:r>
+          </a:p>
+          <a:p>
+            <a:pPr lvl="1"/>
+            <a:r>
+              <a:rPr lang="en-US" dirty="0"/>
+              <a:t>name = "Fred"</a:t>
+            </a:r>
+          </a:p>
+          <a:p>
+            <a:pPr lvl="1"/>
+            <a:r>
+              <a:rPr lang="en-US" dirty="0" err="1"/>
+              <a:t>f"He</a:t>
+            </a:r>
+            <a:r>
+              <a:rPr lang="en-US" dirty="0"/>
+              <a:t> said his name is {name}."</a:t>
+            </a:r>
+            <a:endParaRPr lang="fr-FR" dirty="0"/>
+          </a:p>
+        </p:txBody>
+      </p:sp>
+    </p:spTree>
+    <p:extLst>
+      <p:ext uri="{BB962C8B-B14F-4D97-AF65-F5344CB8AC3E}">
+        <p14:creationId xmlns:p14="http://schemas.microsoft.com/office/powerpoint/2010/main" val="2152972904"/>
+      </p:ext>
+    </p:extLst>
+  </p:cSld>
+  <p:clrMapOvr>
+    <a:masterClrMapping/>
+  </p:clrMapOvr>
+</p:sld>
+</file>
+
 <file path=ppt/slides/slide18.xml><?xml version="1.0" encoding="utf-8"?>
 <p:sld xmlns:a="http://schemas.openxmlformats.org/drawingml/2006/main" xmlns:r="http://schemas.openxmlformats.org/officeDocument/2006/relationships" xmlns:p="http://schemas.openxmlformats.org/presentationml/2006/main">
   <p:cSld>
@@ -5696,10 +5597,9 @@
           <a:lstStyle/>
           <a:p>
             <a:r>
-              <a:rPr lang="fr-FR" dirty="0" err="1"/>
-              <a:t>fstrings</a:t>
-            </a:r>
-            <a:endParaRPr lang="fr-FR" dirty="0"/>
+              <a:rPr lang="fr-FR" dirty="0"/>
+              <a:t>Chaînes et listes</a:t>
+            </a:r>
           </a:p>
         </p:txBody>
       </p:sp>
@@ -5720,121 +5620,21 @@
           <a:p>
             <a:r>
               <a:rPr lang="fr-FR" dirty="0"/>
-              <a:t>Nouveau en Python 3.6</a:t>
+              <a:t>Les chaînes se comportent comme des listes</a:t>
             </a:r>
           </a:p>
           <a:p>
             <a:pPr lvl="1"/>
             <a:r>
               <a:rPr lang="fr-FR" dirty="0"/>
-              <a:t>Chaine formatée à partir de variables existantes</a:t>
+              <a:t>Mais non modifiable</a:t>
             </a:r>
           </a:p>
           <a:p>
             <a:pPr lvl="1"/>
             <a:r>
-              <a:rPr lang="en-US" dirty="0"/>
-              <a:t>name = "Fred"</a:t>
-            </a:r>
-          </a:p>
-          <a:p>
-            <a:pPr lvl="1"/>
-            <a:r>
-              <a:rPr lang="en-US" dirty="0" err="1"/>
-              <a:t>f"He</a:t>
-            </a:r>
-            <a:r>
-              <a:rPr lang="en-US" dirty="0"/>
-              <a:t> said his name is {name}."</a:t>
-            </a:r>
-            <a:endParaRPr lang="fr-FR" dirty="0"/>
-          </a:p>
-        </p:txBody>
-      </p:sp>
-    </p:spTree>
-    <p:extLst>
-      <p:ext uri="{BB962C8B-B14F-4D97-AF65-F5344CB8AC3E}">
-        <p14:creationId xmlns:p14="http://schemas.microsoft.com/office/powerpoint/2010/main" val="2152972904"/>
-      </p:ext>
-    </p:extLst>
-  </p:cSld>
-  <p:clrMapOvr>
-    <a:masterClrMapping/>
-  </p:clrMapOvr>
-</p:sld>
-</file>
-
-<file path=ppt/slides/slide19.xml><?xml version="1.0" encoding="utf-8"?>
-<p:sld xmlns:a="http://schemas.openxmlformats.org/drawingml/2006/main" xmlns:r="http://schemas.openxmlformats.org/officeDocument/2006/relationships" xmlns:p="http://schemas.openxmlformats.org/presentationml/2006/main">
-  <p:cSld>
-    <p:spTree>
-      <p:nvGrpSpPr>
-        <p:cNvPr id="1" name=""/>
-        <p:cNvGrpSpPr/>
-        <p:nvPr/>
-      </p:nvGrpSpPr>
-      <p:grpSpPr>
-        <a:xfrm>
-          <a:off x="0" y="0"/>
-          <a:ext cx="0" cy="0"/>
-          <a:chOff x="0" y="0"/>
-          <a:chExt cx="0" cy="0"/>
-        </a:xfrm>
-      </p:grpSpPr>
-      <p:sp>
-        <p:nvSpPr>
-          <p:cNvPr id="2" name="Titre 1"/>
-          <p:cNvSpPr>
-            <a:spLocks noGrp="1"/>
-          </p:cNvSpPr>
-          <p:nvPr>
-            <p:ph type="title"/>
-          </p:nvPr>
-        </p:nvSpPr>
-        <p:spPr/>
-        <p:txBody>
-          <a:bodyPr/>
-          <a:lstStyle/>
-          <a:p>
-            <a:r>
-              <a:rPr lang="fr-FR" dirty="0"/>
-              <a:t>Chaînes et listes</a:t>
-            </a:r>
-          </a:p>
-        </p:txBody>
-      </p:sp>
-      <p:sp>
-        <p:nvSpPr>
-          <p:cNvPr id="3" name="Espace réservé du contenu 2"/>
-          <p:cNvSpPr>
-            <a:spLocks noGrp="1"/>
-          </p:cNvSpPr>
-          <p:nvPr>
-            <p:ph idx="1"/>
-          </p:nvPr>
-        </p:nvSpPr>
-        <p:spPr/>
-        <p:txBody>
-          <a:bodyPr/>
-          <a:lstStyle/>
-          <a:p>
-            <a:r>
-              <a:rPr lang="fr-FR" dirty="0"/>
-              <a:t>Les chaînes se comportent comme des listes</a:t>
-            </a:r>
-          </a:p>
-          <a:p>
-            <a:pPr lvl="1"/>
-            <a:r>
-              <a:rPr lang="fr-FR" dirty="0"/>
-              <a:t>Mais non modifiable</a:t>
-            </a:r>
-          </a:p>
-          <a:p>
-            <a:pPr lvl="1"/>
-            <a:r>
-              <a:rPr lang="fr-FR" dirty="0"/>
-              <a:t>Possède les même opérateurs</a:t>
+              <a:rPr lang="fr-FR" dirty="0"/>
+              <a:t>Possède les mêmes opérateurs</a:t>
             </a:r>
           </a:p>
           <a:p>
@@ -5907,6 +5707,204 @@
 </p:sld>
 </file>
 
+<file path=ppt/slides/slide19.xml><?xml version="1.0" encoding="utf-8"?>
+<p:sld xmlns:a="http://schemas.openxmlformats.org/drawingml/2006/main" xmlns:r="http://schemas.openxmlformats.org/officeDocument/2006/relationships" xmlns:p="http://schemas.openxmlformats.org/presentationml/2006/main">
+  <p:cSld>
+    <p:spTree>
+      <p:nvGrpSpPr>
+        <p:cNvPr id="1" name=""/>
+        <p:cNvGrpSpPr/>
+        <p:nvPr/>
+      </p:nvGrpSpPr>
+      <p:grpSpPr>
+        <a:xfrm>
+          <a:off x="0" y="0"/>
+          <a:ext cx="0" cy="0"/>
+          <a:chOff x="0" y="0"/>
+          <a:chExt cx="0" cy="0"/>
+        </a:xfrm>
+      </p:grpSpPr>
+      <p:sp>
+        <p:nvSpPr>
+          <p:cNvPr id="2" name="Titre 1"/>
+          <p:cNvSpPr>
+            <a:spLocks noGrp="1"/>
+          </p:cNvSpPr>
+          <p:nvPr>
+            <p:ph type="title"/>
+          </p:nvPr>
+        </p:nvSpPr>
+        <p:spPr/>
+        <p:txBody>
+          <a:bodyPr/>
+          <a:lstStyle/>
+          <a:p>
+            <a:r>
+              <a:rPr lang="fr-FR" dirty="0"/>
+              <a:t>Opération sur les chaînes</a:t>
+            </a:r>
+          </a:p>
+        </p:txBody>
+      </p:sp>
+      <p:sp>
+        <p:nvSpPr>
+          <p:cNvPr id="3" name="Espace réservé du contenu 2"/>
+          <p:cNvSpPr>
+            <a:spLocks noGrp="1"/>
+          </p:cNvSpPr>
+          <p:nvPr>
+            <p:ph idx="1"/>
+          </p:nvPr>
+        </p:nvSpPr>
+        <p:spPr/>
+        <p:txBody>
+          <a:bodyPr/>
+          <a:lstStyle/>
+          <a:p>
+            <a:pPr lvl="2"/>
+            <a:r>
+              <a:rPr lang="en-US" altLang="fr-FR" dirty="0"/>
+              <a:t>"</a:t>
+            </a:r>
+            <a:r>
+              <a:rPr lang="en-US" altLang="fr-FR" dirty="0" err="1"/>
+              <a:t>hello"+"world</a:t>
+            </a:r>
+            <a:r>
+              <a:rPr lang="en-US" altLang="fr-FR" dirty="0"/>
+              <a:t>"	"</a:t>
+            </a:r>
+            <a:r>
+              <a:rPr lang="en-US" altLang="fr-FR" dirty="0" err="1"/>
+              <a:t>helloworld</a:t>
+            </a:r>
+            <a:r>
+              <a:rPr lang="en-US" altLang="fr-FR" dirty="0"/>
+              <a:t>"	# concatenation</a:t>
+            </a:r>
+          </a:p>
+          <a:p>
+            <a:pPr lvl="2"/>
+            <a:r>
+              <a:rPr lang="en-US" altLang="fr-FR" dirty="0"/>
+              <a:t>"hello"*3		"</a:t>
+            </a:r>
+            <a:r>
+              <a:rPr lang="en-US" altLang="fr-FR" dirty="0" err="1"/>
+              <a:t>hellohellohello</a:t>
+            </a:r>
+            <a:r>
+              <a:rPr lang="en-US" altLang="fr-FR" dirty="0"/>
+              <a:t>" # repetition</a:t>
+            </a:r>
+          </a:p>
+          <a:p>
+            <a:pPr lvl="2"/>
+            <a:r>
+              <a:rPr lang="en-US" altLang="fr-FR" dirty="0"/>
+              <a:t>"hello"[0]		"h"		# indexing</a:t>
+            </a:r>
+          </a:p>
+          <a:p>
+            <a:pPr lvl="2"/>
+            <a:r>
+              <a:rPr lang="en-US" altLang="fr-FR" dirty="0"/>
+              <a:t>"hello"[-1]		"o"		# (from end)</a:t>
+            </a:r>
+          </a:p>
+          <a:p>
+            <a:pPr lvl="2"/>
+            <a:r>
+              <a:rPr lang="en-US" altLang="fr-FR" dirty="0"/>
+              <a:t>"hello"[1:4]		"ell"		# slicing</a:t>
+            </a:r>
+          </a:p>
+          <a:p>
+            <a:pPr lvl="2"/>
+            <a:r>
+              <a:rPr lang="en-US" altLang="fr-FR" dirty="0" err="1"/>
+              <a:t>len</a:t>
+            </a:r>
+            <a:r>
+              <a:rPr lang="en-US" altLang="fr-FR" dirty="0"/>
+              <a:t>("hello")		5		# size</a:t>
+            </a:r>
+          </a:p>
+          <a:p>
+            <a:pPr lvl="2"/>
+            <a:r>
+              <a:rPr lang="en-US" altLang="fr-FR" dirty="0"/>
+              <a:t>"hello" &lt; "</a:t>
+            </a:r>
+            <a:r>
+              <a:rPr lang="en-US" altLang="fr-FR" dirty="0" err="1"/>
+              <a:t>jello</a:t>
+            </a:r>
+            <a:r>
+              <a:rPr lang="en-US" altLang="fr-FR" dirty="0"/>
+              <a:t>"	1		# comparison</a:t>
+            </a:r>
+          </a:p>
+          <a:p>
+            <a:pPr lvl="2"/>
+            <a:r>
+              <a:rPr lang="en-US" altLang="fr-FR" dirty="0"/>
+              <a:t>"e" in "hello"		1		# search</a:t>
+            </a:r>
+          </a:p>
+          <a:p>
+            <a:pPr lvl="2"/>
+            <a:r>
+              <a:rPr lang="en-US" altLang="fr-FR" dirty="0"/>
+              <a:t>"escapes: \n </a:t>
+            </a:r>
+            <a:r>
+              <a:rPr lang="en-US" altLang="fr-FR" dirty="0" err="1"/>
+              <a:t>etc</a:t>
+            </a:r>
+            <a:r>
+              <a:rPr lang="en-US" altLang="fr-FR" dirty="0"/>
+              <a:t>, \033 </a:t>
+            </a:r>
+            <a:r>
+              <a:rPr lang="en-US" altLang="fr-FR" dirty="0" err="1"/>
+              <a:t>etc</a:t>
+            </a:r>
+            <a:r>
+              <a:rPr lang="en-US" altLang="fr-FR" dirty="0"/>
+              <a:t>, \if </a:t>
+            </a:r>
+            <a:r>
+              <a:rPr lang="en-US" altLang="fr-FR" dirty="0" err="1"/>
+              <a:t>etc</a:t>
+            </a:r>
+            <a:r>
+              <a:rPr lang="en-US" altLang="fr-FR" dirty="0"/>
+              <a:t>"</a:t>
+            </a:r>
+          </a:p>
+          <a:p>
+            <a:pPr lvl="2"/>
+            <a:r>
+              <a:rPr lang="en-US" altLang="fr-FR" dirty="0"/>
+              <a:t>'single quotes'  """triple quotes""" </a:t>
+            </a:r>
+          </a:p>
+        </p:txBody>
+      </p:sp>
+    </p:spTree>
+    <p:extLst>
+      <p:ext uri="{BB962C8B-B14F-4D97-AF65-F5344CB8AC3E}">
+        <p14:creationId xmlns:p14="http://schemas.microsoft.com/office/powerpoint/2010/main" val="1493046247"/>
+      </p:ext>
+    </p:extLst>
+  </p:cSld>
+  <p:clrMapOvr>
+    <a:masterClrMapping/>
+  </p:clrMapOvr>
+</p:sld>
+</file>
+
 <file path=ppt/slides/slide2.xml><?xml version="1.0" encoding="utf-8"?>
 <p:sld xmlns:a="http://schemas.openxmlformats.org/drawingml/2006/main" xmlns:r="http://schemas.openxmlformats.org/officeDocument/2006/relationships" xmlns:p="http://schemas.openxmlformats.org/presentationml/2006/main">
   <p:cSld>
@@ -5984,14 +5982,9 @@
           </a:p>
           <a:p>
             <a:r>
-              <a:rPr lang="fr-FR"/>
-              <a:t>""" """ Commentaire </a:t>
-            </a:r>
-            <a:r>
-              <a:rPr lang="fr-FR" dirty="0" err="1"/>
-              <a:t>multiligne</a:t>
-            </a:r>
-            <a:endParaRPr lang="fr-FR" dirty="0"/>
+              <a:rPr lang="fr-FR" dirty="0"/>
+              <a:t>""" """ Commentaire multiligne</a:t>
+            </a:r>
           </a:p>
         </p:txBody>
       </p:sp>
@@ -6047,294 +6040,6 @@
     <p:extLst>
       <p:ext uri="{BB962C8B-B14F-4D97-AF65-F5344CB8AC3E}">
         <p14:creationId xmlns:p14="http://schemas.microsoft.com/office/powerpoint/2010/main" val="1361060562"/>
-      </p:ext>
-    </p:extLst>
-  </p:cSld>
-  <p:clrMapOvr>
-    <a:masterClrMapping/>
-  </p:clrMapOvr>
-</p:sld>
-</file>
-
-<file path=ppt/slides/slide20.xml><?xml version="1.0" encoding="utf-8"?>
-<p:sld xmlns:a="http://schemas.openxmlformats.org/drawingml/2006/main" xmlns:r="http://schemas.openxmlformats.org/officeDocument/2006/relationships" xmlns:p="http://schemas.openxmlformats.org/presentationml/2006/main">
-  <p:cSld>
-    <p:spTree>
-      <p:nvGrpSpPr>
-        <p:cNvPr id="1" name=""/>
-        <p:cNvGrpSpPr/>
-        <p:nvPr/>
-      </p:nvGrpSpPr>
-      <p:grpSpPr>
-        <a:xfrm>
-          <a:off x="0" y="0"/>
-          <a:ext cx="0" cy="0"/>
-          <a:chOff x="0" y="0"/>
-          <a:chExt cx="0" cy="0"/>
-        </a:xfrm>
-      </p:grpSpPr>
-      <p:sp>
-        <p:nvSpPr>
-          <p:cNvPr id="2" name="Titre 1"/>
-          <p:cNvSpPr>
-            <a:spLocks noGrp="1"/>
-          </p:cNvSpPr>
-          <p:nvPr>
-            <p:ph type="title"/>
-          </p:nvPr>
-        </p:nvSpPr>
-        <p:spPr/>
-        <p:txBody>
-          <a:bodyPr/>
-          <a:lstStyle/>
-          <a:p>
-            <a:r>
-              <a:rPr lang="fr-FR" dirty="0"/>
-              <a:t>Annotations de variables</a:t>
-            </a:r>
-          </a:p>
-        </p:txBody>
-      </p:sp>
-      <p:sp>
-        <p:nvSpPr>
-          <p:cNvPr id="3" name="Espace réservé du contenu 2"/>
-          <p:cNvSpPr>
-            <a:spLocks noGrp="1"/>
-          </p:cNvSpPr>
-          <p:nvPr>
-            <p:ph idx="1"/>
-          </p:nvPr>
-        </p:nvSpPr>
-        <p:spPr/>
-        <p:txBody>
-          <a:bodyPr/>
-          <a:lstStyle/>
-          <a:p>
-            <a:r>
-              <a:rPr lang="fr-FR" dirty="0"/>
-              <a:t>Nouveau en Python 3.6</a:t>
-            </a:r>
-          </a:p>
-          <a:p>
-            <a:r>
-              <a:rPr lang="fr-FR" dirty="0"/>
-              <a:t>Possibilité de typer les variables</a:t>
-            </a:r>
-          </a:p>
-          <a:p>
-            <a:pPr lvl="1"/>
-            <a:r>
-              <a:rPr lang="fr-FR" dirty="0" err="1"/>
-              <a:t>my_string</a:t>
-            </a:r>
-            <a:r>
-              <a:rPr lang="fr-FR" dirty="0"/>
-              <a:t> : </a:t>
-            </a:r>
-            <a:r>
-              <a:rPr lang="fr-FR" dirty="0" err="1"/>
-              <a:t>str</a:t>
-            </a:r>
-            <a:endParaRPr lang="fr-FR" dirty="0"/>
-          </a:p>
-          <a:p>
-            <a:pPr lvl="1"/>
-            <a:r>
-              <a:rPr lang="fr-FR" dirty="0"/>
-              <a:t>Il ne s’agit pas d’un typage fort</a:t>
-            </a:r>
-          </a:p>
-          <a:p>
-            <a:pPr lvl="1"/>
-            <a:r>
-              <a:rPr lang="fr-FR" dirty="0"/>
-              <a:t>C’est juste une annotation</a:t>
-            </a:r>
-          </a:p>
-          <a:p>
-            <a:pPr lvl="1"/>
-            <a:r>
-              <a:rPr lang="fr-FR" dirty="0" err="1"/>
-              <a:t>my_string</a:t>
-            </a:r>
-            <a:r>
-              <a:rPr lang="fr-FR" dirty="0"/>
-              <a:t> : </a:t>
-            </a:r>
-            <a:r>
-              <a:rPr lang="fr-FR" dirty="0" err="1"/>
-              <a:t>str</a:t>
-            </a:r>
-            <a:r>
-              <a:rPr lang="fr-FR" dirty="0"/>
-              <a:t> = « toto »</a:t>
-            </a:r>
-          </a:p>
-          <a:p>
-            <a:pPr lvl="1"/>
-            <a:endParaRPr lang="fr-FR" dirty="0"/>
-          </a:p>
-          <a:p>
-            <a:pPr lvl="1"/>
-            <a:endParaRPr lang="fr-FR" dirty="0"/>
-          </a:p>
-        </p:txBody>
-      </p:sp>
-    </p:spTree>
-    <p:extLst>
-      <p:ext uri="{BB962C8B-B14F-4D97-AF65-F5344CB8AC3E}">
-        <p14:creationId xmlns:p14="http://schemas.microsoft.com/office/powerpoint/2010/main" val="208597925"/>
-      </p:ext>
-    </p:extLst>
-  </p:cSld>
-  <p:clrMapOvr>
-    <a:masterClrMapping/>
-  </p:clrMapOvr>
-</p:sld>
-</file>
-
-<file path=ppt/slides/slide21.xml><?xml version="1.0" encoding="utf-8"?>
-<p:sld xmlns:a="http://schemas.openxmlformats.org/drawingml/2006/main" xmlns:r="http://schemas.openxmlformats.org/officeDocument/2006/relationships" xmlns:p="http://schemas.openxmlformats.org/presentationml/2006/main">
-  <p:cSld>
-    <p:spTree>
-      <p:nvGrpSpPr>
-        <p:cNvPr id="1" name=""/>
-        <p:cNvGrpSpPr/>
-        <p:nvPr/>
-      </p:nvGrpSpPr>
-      <p:grpSpPr>
-        <a:xfrm>
-          <a:off x="0" y="0"/>
-          <a:ext cx="0" cy="0"/>
-          <a:chOff x="0" y="0"/>
-          <a:chExt cx="0" cy="0"/>
-        </a:xfrm>
-      </p:grpSpPr>
-      <p:sp>
-        <p:nvSpPr>
-          <p:cNvPr id="2" name="Titre 1"/>
-          <p:cNvSpPr>
-            <a:spLocks noGrp="1"/>
-          </p:cNvSpPr>
-          <p:nvPr>
-            <p:ph type="title"/>
-          </p:nvPr>
-        </p:nvSpPr>
-        <p:spPr/>
-        <p:txBody>
-          <a:bodyPr/>
-          <a:lstStyle/>
-          <a:p>
-            <a:r>
-              <a:rPr lang="fr-FR" dirty="0" err="1"/>
-              <a:t>isinstance</a:t>
-            </a:r>
-            <a:endParaRPr lang="fr-FR" dirty="0"/>
-          </a:p>
-        </p:txBody>
-      </p:sp>
-      <p:sp>
-        <p:nvSpPr>
-          <p:cNvPr id="3" name="Espace réservé du contenu 2"/>
-          <p:cNvSpPr>
-            <a:spLocks noGrp="1"/>
-          </p:cNvSpPr>
-          <p:nvPr>
-            <p:ph idx="1"/>
-          </p:nvPr>
-        </p:nvSpPr>
-        <p:spPr/>
-        <p:txBody>
-          <a:bodyPr/>
-          <a:lstStyle/>
-          <a:p>
-            <a:r>
-              <a:rPr lang="fr-FR" dirty="0"/>
-              <a:t>Nouveauté Python 3.6</a:t>
-            </a:r>
-          </a:p>
-          <a:p>
-            <a:r>
-              <a:rPr lang="fr-FR" dirty="0"/>
-              <a:t>Permet de fortement typer Python</a:t>
-            </a:r>
-          </a:p>
-          <a:p>
-            <a:pPr lvl="1"/>
-            <a:r>
-              <a:rPr lang="fr-FR" dirty="0"/>
-              <a:t>N’est pas utilisé par défaut</a:t>
-            </a:r>
-          </a:p>
-          <a:p>
-            <a:pPr lvl="1"/>
-            <a:r>
-              <a:rPr lang="fr-FR" dirty="0" err="1"/>
-              <a:t>my_int</a:t>
-            </a:r>
-            <a:r>
-              <a:rPr lang="fr-FR" dirty="0"/>
-              <a:t> : </a:t>
-            </a:r>
-            <a:r>
-              <a:rPr lang="fr-FR" dirty="0" err="1"/>
-              <a:t>int</a:t>
-            </a:r>
-            <a:endParaRPr lang="fr-FR" dirty="0"/>
-          </a:p>
-          <a:p>
-            <a:pPr lvl="1"/>
-            <a:r>
-              <a:rPr lang="fr-FR" dirty="0" err="1"/>
-              <a:t>my_int</a:t>
-            </a:r>
-            <a:r>
-              <a:rPr lang="fr-FR" dirty="0"/>
-              <a:t> = 2</a:t>
-            </a:r>
-          </a:p>
-          <a:p>
-            <a:pPr lvl="1"/>
-            <a:r>
-              <a:rPr lang="fr-FR" dirty="0" err="1"/>
-              <a:t>isinstance</a:t>
-            </a:r>
-            <a:r>
-              <a:rPr lang="fr-FR" dirty="0"/>
-              <a:t>(</a:t>
-            </a:r>
-            <a:r>
-              <a:rPr lang="fr-FR" dirty="0" err="1"/>
-              <a:t>my_int</a:t>
-            </a:r>
-            <a:r>
-              <a:rPr lang="fr-FR" dirty="0"/>
-              <a:t>) lève une erreur si </a:t>
-            </a:r>
-            <a:r>
-              <a:rPr lang="fr-FR" dirty="0" err="1"/>
-              <a:t>my_int</a:t>
-            </a:r>
-            <a:r>
-              <a:rPr lang="fr-FR" dirty="0"/>
-              <a:t> n’est pas un </a:t>
-            </a:r>
-            <a:r>
-              <a:rPr lang="fr-FR" dirty="0" err="1"/>
-              <a:t>int</a:t>
-            </a:r>
-            <a:endParaRPr lang="fr-FR" dirty="0"/>
-          </a:p>
-          <a:p>
-            <a:pPr lvl="1"/>
-            <a:endParaRPr lang="fr-FR" dirty="0"/>
-          </a:p>
-        </p:txBody>
-      </p:sp>
-    </p:spTree>
-    <p:extLst>
-      <p:ext uri="{BB962C8B-B14F-4D97-AF65-F5344CB8AC3E}">
-        <p14:creationId xmlns:p14="http://schemas.microsoft.com/office/powerpoint/2010/main" val="2008716852"/>
       </p:ext>
     </p:extLst>
   </p:cSld>

--- a/ppt/Python02-Variables.pptx
+++ b/ppt/Python02-Variables.pptx
@@ -5,10 +5,10 @@
     <p:sldMasterId id="2147483653" r:id="rId1"/>
   </p:sldMasterIdLst>
   <p:notesMasterIdLst>
-    <p:notesMasterId r:id="rId21"/>
+    <p:notesMasterId r:id="rId20"/>
   </p:notesMasterIdLst>
   <p:handoutMasterIdLst>
-    <p:handoutMasterId r:id="rId22"/>
+    <p:handoutMasterId r:id="rId21"/>
   </p:handoutMasterIdLst>
   <p:sldIdLst>
     <p:sldId id="264" r:id="rId2"/>
@@ -21,15 +21,14 @@
     <p:sldId id="269" r:id="rId9"/>
     <p:sldId id="270" r:id="rId10"/>
     <p:sldId id="271" r:id="rId11"/>
-    <p:sldId id="273" r:id="rId12"/>
-    <p:sldId id="274" r:id="rId13"/>
-    <p:sldId id="275" r:id="rId14"/>
-    <p:sldId id="276" r:id="rId15"/>
-    <p:sldId id="277" r:id="rId16"/>
-    <p:sldId id="278" r:id="rId17"/>
-    <p:sldId id="283" r:id="rId18"/>
-    <p:sldId id="280" r:id="rId19"/>
-    <p:sldId id="272" r:id="rId20"/>
+    <p:sldId id="275" r:id="rId12"/>
+    <p:sldId id="276" r:id="rId13"/>
+    <p:sldId id="277" r:id="rId14"/>
+    <p:sldId id="278" r:id="rId15"/>
+    <p:sldId id="283" r:id="rId16"/>
+    <p:sldId id="273" r:id="rId17"/>
+    <p:sldId id="280" r:id="rId18"/>
+    <p:sldId id="272" r:id="rId19"/>
   </p:sldIdLst>
   <p:sldSz cx="9144000" cy="6858000" type="screen4x3"/>
   <p:notesSz cx="6648450" cy="9782175"/>
@@ -4112,6 +4111,667 @@
           <a:lstStyle/>
           <a:p>
             <a:r>
+              <a:rPr lang="fr-FR" dirty="0"/>
+              <a:t>Astuces</a:t>
+            </a:r>
+          </a:p>
+        </p:txBody>
+      </p:sp>
+      <p:sp>
+        <p:nvSpPr>
+          <p:cNvPr id="3" name="Espace réservé du contenu 2"/>
+          <p:cNvSpPr>
+            <a:spLocks noGrp="1"/>
+          </p:cNvSpPr>
+          <p:nvPr>
+            <p:ph idx="1"/>
+          </p:nvPr>
+        </p:nvSpPr>
+        <p:spPr/>
+        <p:txBody>
+          <a:bodyPr/>
+          <a:lstStyle/>
+          <a:p>
+            <a:r>
+              <a:rPr lang="fr-FR" dirty="0"/>
+              <a:t>Permutation de 2 variables</a:t>
+            </a:r>
+          </a:p>
+          <a:p>
+            <a:pPr lvl="1"/>
+            <a:r>
+              <a:rPr lang="fr-FR" dirty="0" err="1"/>
+              <a:t>a,b</a:t>
+            </a:r>
+            <a:r>
+              <a:rPr lang="fr-FR" dirty="0"/>
+              <a:t> = </a:t>
+            </a:r>
+            <a:r>
+              <a:rPr lang="fr-FR" dirty="0" err="1"/>
+              <a:t>b,a</a:t>
+            </a:r>
+            <a:endParaRPr lang="fr-FR" dirty="0"/>
+          </a:p>
+          <a:p>
+            <a:r>
+              <a:rPr lang="fr-FR" dirty="0"/>
+              <a:t>Affectation multiple</a:t>
+            </a:r>
+          </a:p>
+          <a:p>
+            <a:pPr lvl="1"/>
+            <a:r>
+              <a:rPr lang="fr-FR" dirty="0"/>
+              <a:t>a = b = 3</a:t>
+            </a:r>
+          </a:p>
+          <a:p>
+            <a:r>
+              <a:rPr lang="fr-FR" dirty="0"/>
+              <a:t>Ecriture sur plusieurs lignes</a:t>
+            </a:r>
+          </a:p>
+          <a:p>
+            <a:pPr lvl="1"/>
+            <a:r>
+              <a:rPr lang="fr-FR" dirty="0"/>
+              <a:t>1 + 2 + 3 \</a:t>
+            </a:r>
+          </a:p>
+          <a:p>
+            <a:pPr lvl="1"/>
+            <a:r>
+              <a:rPr lang="fr-FR" dirty="0"/>
+              <a:t>+ 4</a:t>
+            </a:r>
+          </a:p>
+          <a:p>
+            <a:endParaRPr lang="fr-FR" dirty="0"/>
+          </a:p>
+        </p:txBody>
+      </p:sp>
+    </p:spTree>
+    <p:extLst>
+      <p:ext uri="{BB962C8B-B14F-4D97-AF65-F5344CB8AC3E}">
+        <p14:creationId xmlns:p14="http://schemas.microsoft.com/office/powerpoint/2010/main" val="1674420070"/>
+      </p:ext>
+    </p:extLst>
+  </p:cSld>
+  <p:clrMapOvr>
+    <a:masterClrMapping/>
+  </p:clrMapOvr>
+</p:sld>
+</file>
+
+<file path=ppt/slides/slide12.xml><?xml version="1.0" encoding="utf-8"?>
+<p:sld xmlns:a="http://schemas.openxmlformats.org/drawingml/2006/main" xmlns:r="http://schemas.openxmlformats.org/officeDocument/2006/relationships" xmlns:p="http://schemas.openxmlformats.org/presentationml/2006/main">
+  <p:cSld>
+    <p:spTree>
+      <p:nvGrpSpPr>
+        <p:cNvPr id="1" name=""/>
+        <p:cNvGrpSpPr/>
+        <p:nvPr/>
+      </p:nvGrpSpPr>
+      <p:grpSpPr>
+        <a:xfrm>
+          <a:off x="0" y="0"/>
+          <a:ext cx="0" cy="0"/>
+          <a:chOff x="0" y="0"/>
+          <a:chExt cx="0" cy="0"/>
+        </a:xfrm>
+      </p:grpSpPr>
+      <p:sp>
+        <p:nvSpPr>
+          <p:cNvPr id="2" name="Titre 1"/>
+          <p:cNvSpPr>
+            <a:spLocks noGrp="1"/>
+          </p:cNvSpPr>
+          <p:nvPr>
+            <p:ph type="title"/>
+          </p:nvPr>
+        </p:nvSpPr>
+        <p:spPr/>
+        <p:txBody>
+          <a:bodyPr/>
+          <a:lstStyle/>
+          <a:p>
+            <a:r>
+              <a:rPr lang="fr-FR" dirty="0"/>
+              <a:t>Les premières fonctions</a:t>
+            </a:r>
+          </a:p>
+        </p:txBody>
+      </p:sp>
+      <p:sp>
+        <p:nvSpPr>
+          <p:cNvPr id="3" name="Espace réservé du contenu 2"/>
+          <p:cNvSpPr>
+            <a:spLocks noGrp="1"/>
+          </p:cNvSpPr>
+          <p:nvPr>
+            <p:ph idx="1"/>
+          </p:nvPr>
+        </p:nvSpPr>
+        <p:spPr/>
+        <p:txBody>
+          <a:bodyPr/>
+          <a:lstStyle/>
+          <a:p>
+            <a:r>
+              <a:rPr lang="fr-FR" dirty="0"/>
+              <a:t>Une fonction contient un nom, des paramètres entre parenthèse et un retour</a:t>
+            </a:r>
+          </a:p>
+          <a:p>
+            <a:r>
+              <a:rPr lang="fr-FR" dirty="0"/>
+              <a:t>type()</a:t>
+            </a:r>
+          </a:p>
+          <a:p>
+            <a:pPr lvl="1"/>
+            <a:r>
+              <a:rPr lang="fr-FR" dirty="0"/>
+              <a:t>Renvoie le type de la variable</a:t>
+            </a:r>
+          </a:p>
+          <a:p>
+            <a:pPr lvl="1"/>
+            <a:r>
+              <a:rPr lang="fr-FR" dirty="0"/>
+              <a:t>type(3.14)</a:t>
+            </a:r>
+          </a:p>
+          <a:p>
+            <a:r>
+              <a:rPr lang="fr-FR" dirty="0" err="1"/>
+              <a:t>print</a:t>
+            </a:r>
+            <a:r>
+              <a:rPr lang="fr-FR" dirty="0"/>
+              <a:t>()</a:t>
+            </a:r>
+          </a:p>
+          <a:p>
+            <a:pPr lvl="1"/>
+            <a:r>
+              <a:rPr lang="fr-FR" dirty="0"/>
+              <a:t>Affiche une variable</a:t>
+            </a:r>
+          </a:p>
+          <a:p>
+            <a:pPr lvl="1"/>
+            <a:r>
+              <a:rPr lang="fr-FR" dirty="0" err="1"/>
+              <a:t>print</a:t>
+            </a:r>
+            <a:r>
+              <a:rPr lang="fr-FR" dirty="0"/>
+              <a:t>(a)</a:t>
+            </a:r>
+          </a:p>
+        </p:txBody>
+      </p:sp>
+    </p:spTree>
+    <p:extLst>
+      <p:ext uri="{BB962C8B-B14F-4D97-AF65-F5344CB8AC3E}">
+        <p14:creationId xmlns:p14="http://schemas.microsoft.com/office/powerpoint/2010/main" val="4016214150"/>
+      </p:ext>
+    </p:extLst>
+  </p:cSld>
+  <p:clrMapOvr>
+    <a:masterClrMapping/>
+  </p:clrMapOvr>
+</p:sld>
+</file>
+
+<file path=ppt/slides/slide13.xml><?xml version="1.0" encoding="utf-8"?>
+<p:sld xmlns:a="http://schemas.openxmlformats.org/drawingml/2006/main" xmlns:r="http://schemas.openxmlformats.org/officeDocument/2006/relationships" xmlns:p="http://schemas.openxmlformats.org/presentationml/2006/main">
+  <p:cSld>
+    <p:spTree>
+      <p:nvGrpSpPr>
+        <p:cNvPr id="1" name=""/>
+        <p:cNvGrpSpPr/>
+        <p:nvPr/>
+      </p:nvGrpSpPr>
+      <p:grpSpPr>
+        <a:xfrm>
+          <a:off x="0" y="0"/>
+          <a:ext cx="0" cy="0"/>
+          <a:chOff x="0" y="0"/>
+          <a:chExt cx="0" cy="0"/>
+        </a:xfrm>
+      </p:grpSpPr>
+      <p:sp>
+        <p:nvSpPr>
+          <p:cNvPr id="2" name="Titre 1"/>
+          <p:cNvSpPr>
+            <a:spLocks noGrp="1"/>
+          </p:cNvSpPr>
+          <p:nvPr>
+            <p:ph type="title"/>
+          </p:nvPr>
+        </p:nvSpPr>
+        <p:spPr/>
+        <p:txBody>
+          <a:bodyPr/>
+          <a:lstStyle/>
+          <a:p>
+            <a:r>
+              <a:rPr lang="fr-FR" dirty="0"/>
+              <a:t>Les premières fonctions</a:t>
+            </a:r>
+          </a:p>
+        </p:txBody>
+      </p:sp>
+      <p:sp>
+        <p:nvSpPr>
+          <p:cNvPr id="3" name="Espace réservé du contenu 2"/>
+          <p:cNvSpPr>
+            <a:spLocks noGrp="1"/>
+          </p:cNvSpPr>
+          <p:nvPr>
+            <p:ph idx="1"/>
+          </p:nvPr>
+        </p:nvSpPr>
+        <p:spPr/>
+        <p:txBody>
+          <a:bodyPr/>
+          <a:lstStyle/>
+          <a:p>
+            <a:r>
+              <a:rPr lang="fr-FR" dirty="0"/>
+              <a:t>Une fonction contient un nom, des paramètres entre parenthèse et un retour</a:t>
+            </a:r>
+          </a:p>
+          <a:p>
+            <a:r>
+              <a:rPr lang="fr-FR" dirty="0" err="1"/>
+              <a:t>len</a:t>
+            </a:r>
+            <a:r>
+              <a:rPr lang="fr-FR" dirty="0"/>
+              <a:t>()</a:t>
+            </a:r>
+          </a:p>
+          <a:p>
+            <a:pPr lvl="1"/>
+            <a:r>
+              <a:rPr lang="fr-FR" dirty="0"/>
+              <a:t>Renvoie la taille d’une string</a:t>
+            </a:r>
+          </a:p>
+          <a:p>
+            <a:pPr lvl="1"/>
+            <a:r>
+              <a:rPr lang="fr-FR" dirty="0" err="1"/>
+              <a:t>len</a:t>
+            </a:r>
+            <a:r>
+              <a:rPr lang="fr-FR" dirty="0"/>
+              <a:t>(s)</a:t>
+            </a:r>
+          </a:p>
+          <a:p>
+            <a:r>
+              <a:rPr lang="fr-FR" dirty="0"/>
+              <a:t>input()</a:t>
+            </a:r>
+          </a:p>
+          <a:p>
+            <a:pPr lvl="1"/>
+            <a:r>
+              <a:rPr lang="fr-FR" dirty="0"/>
+              <a:t>Permet la saisie d’une entrée</a:t>
+            </a:r>
+          </a:p>
+          <a:p>
+            <a:pPr lvl="1"/>
+            <a:r>
+              <a:rPr lang="fr-FR" dirty="0" err="1"/>
+              <a:t>annee</a:t>
+            </a:r>
+            <a:r>
+              <a:rPr lang="fr-FR" dirty="0"/>
+              <a:t> = input("Entrez une année: ")</a:t>
+            </a:r>
+          </a:p>
+          <a:p>
+            <a:r>
+              <a:rPr lang="fr-FR" dirty="0" err="1"/>
+              <a:t>int</a:t>
+            </a:r>
+            <a:r>
+              <a:rPr lang="fr-FR" dirty="0"/>
+              <a:t>()</a:t>
+            </a:r>
+          </a:p>
+          <a:p>
+            <a:pPr lvl="1"/>
+            <a:r>
+              <a:rPr lang="fr-FR" dirty="0"/>
+              <a:t>Convertir un string en </a:t>
+            </a:r>
+            <a:r>
+              <a:rPr lang="fr-FR" dirty="0" err="1"/>
+              <a:t>int</a:t>
+            </a:r>
+            <a:endParaRPr lang="fr-FR" dirty="0"/>
+          </a:p>
+          <a:p>
+            <a:pPr lvl="1"/>
+            <a:endParaRPr lang="fr-FR" dirty="0"/>
+          </a:p>
+        </p:txBody>
+      </p:sp>
+    </p:spTree>
+    <p:extLst>
+      <p:ext uri="{BB962C8B-B14F-4D97-AF65-F5344CB8AC3E}">
+        <p14:creationId xmlns:p14="http://schemas.microsoft.com/office/powerpoint/2010/main" val="3835614540"/>
+      </p:ext>
+    </p:extLst>
+  </p:cSld>
+  <p:clrMapOvr>
+    <a:masterClrMapping/>
+  </p:clrMapOvr>
+</p:sld>
+</file>
+
+<file path=ppt/slides/slide14.xml><?xml version="1.0" encoding="utf-8"?>
+<p:sld xmlns:a="http://schemas.openxmlformats.org/drawingml/2006/main" xmlns:r="http://schemas.openxmlformats.org/officeDocument/2006/relationships" xmlns:p="http://schemas.openxmlformats.org/presentationml/2006/main">
+  <p:cSld>
+    <p:spTree>
+      <p:nvGrpSpPr>
+        <p:cNvPr id="1" name=""/>
+        <p:cNvGrpSpPr/>
+        <p:nvPr/>
+      </p:nvGrpSpPr>
+      <p:grpSpPr>
+        <a:xfrm>
+          <a:off x="0" y="0"/>
+          <a:ext cx="0" cy="0"/>
+          <a:chOff x="0" y="0"/>
+          <a:chExt cx="0" cy="0"/>
+        </a:xfrm>
+      </p:grpSpPr>
+      <p:sp>
+        <p:nvSpPr>
+          <p:cNvPr id="2" name="Titre 1"/>
+          <p:cNvSpPr>
+            <a:spLocks noGrp="1"/>
+          </p:cNvSpPr>
+          <p:nvPr>
+            <p:ph type="title"/>
+          </p:nvPr>
+        </p:nvSpPr>
+        <p:spPr/>
+        <p:txBody>
+          <a:bodyPr/>
+          <a:lstStyle/>
+          <a:p>
+            <a:r>
+              <a:rPr lang="fr-FR" dirty="0"/>
+              <a:t>Les fonctions des chaînes</a:t>
+            </a:r>
+          </a:p>
+        </p:txBody>
+      </p:sp>
+      <p:sp>
+        <p:nvSpPr>
+          <p:cNvPr id="3" name="Espace réservé du contenu 2"/>
+          <p:cNvSpPr>
+            <a:spLocks noGrp="1"/>
+          </p:cNvSpPr>
+          <p:nvPr>
+            <p:ph idx="1"/>
+          </p:nvPr>
+        </p:nvSpPr>
+        <p:spPr/>
+        <p:txBody>
+          <a:bodyPr/>
+          <a:lstStyle/>
+          <a:p>
+            <a:r>
+              <a:rPr lang="fr-FR" dirty="0"/>
+              <a:t>Les strings sont en objet</a:t>
+            </a:r>
+          </a:p>
+          <a:p>
+            <a:r>
+              <a:rPr lang="fr-FR" dirty="0" err="1"/>
+              <a:t>lower</a:t>
+            </a:r>
+            <a:r>
+              <a:rPr lang="fr-FR" dirty="0"/>
+              <a:t>(), </a:t>
+            </a:r>
+            <a:r>
+              <a:rPr lang="fr-FR" dirty="0" err="1"/>
+              <a:t>upper</a:t>
+            </a:r>
+            <a:r>
+              <a:rPr lang="fr-FR" dirty="0"/>
+              <a:t>(), </a:t>
+            </a:r>
+            <a:r>
+              <a:rPr lang="fr-FR" dirty="0" err="1"/>
+              <a:t>capitalize</a:t>
+            </a:r>
+            <a:r>
+              <a:rPr lang="fr-FR" dirty="0"/>
+              <a:t>(), </a:t>
+            </a:r>
+            <a:r>
+              <a:rPr lang="fr-FR" dirty="0" err="1"/>
+              <a:t>strip</a:t>
+            </a:r>
+            <a:r>
+              <a:rPr lang="fr-FR" dirty="0"/>
+              <a:t>()</a:t>
+            </a:r>
+          </a:p>
+          <a:p>
+            <a:pPr lvl="1"/>
+            <a:endParaRPr lang="fr-FR" dirty="0"/>
+          </a:p>
+        </p:txBody>
+      </p:sp>
+      <p:pic>
+        <p:nvPicPr>
+          <p:cNvPr id="5" name="Image 4"/>
+          <p:cNvPicPr>
+            <a:picLocks noChangeAspect="1"/>
+          </p:cNvPicPr>
+          <p:nvPr/>
+        </p:nvPicPr>
+        <p:blipFill>
+          <a:blip r:embed="rId2"/>
+          <a:stretch>
+            <a:fillRect/>
+          </a:stretch>
+        </p:blipFill>
+        <p:spPr>
+          <a:xfrm>
+            <a:off x="543290" y="2580637"/>
+            <a:ext cx="5248225" cy="637068"/>
+          </a:xfrm>
+          <a:prstGeom prst="rect">
+            <a:avLst/>
+          </a:prstGeom>
+        </p:spPr>
+      </p:pic>
+      <p:pic>
+        <p:nvPicPr>
+          <p:cNvPr id="6" name="Image 5"/>
+          <p:cNvPicPr>
+            <a:picLocks noChangeAspect="1"/>
+          </p:cNvPicPr>
+          <p:nvPr/>
+        </p:nvPicPr>
+        <p:blipFill>
+          <a:blip r:embed="rId3"/>
+          <a:stretch>
+            <a:fillRect/>
+          </a:stretch>
+        </p:blipFill>
+        <p:spPr>
+          <a:xfrm>
+            <a:off x="543290" y="3366071"/>
+            <a:ext cx="6779317" cy="2038990"/>
+          </a:xfrm>
+          <a:prstGeom prst="rect">
+            <a:avLst/>
+          </a:prstGeom>
+        </p:spPr>
+      </p:pic>
+    </p:spTree>
+    <p:extLst>
+      <p:ext uri="{BB962C8B-B14F-4D97-AF65-F5344CB8AC3E}">
+        <p14:creationId xmlns:p14="http://schemas.microsoft.com/office/powerpoint/2010/main" val="2507080702"/>
+      </p:ext>
+    </p:extLst>
+  </p:cSld>
+  <p:clrMapOvr>
+    <a:masterClrMapping/>
+  </p:clrMapOvr>
+</p:sld>
+</file>
+
+<file path=ppt/slides/slide15.xml><?xml version="1.0" encoding="utf-8"?>
+<p:sld xmlns:a="http://schemas.openxmlformats.org/drawingml/2006/main" xmlns:r="http://schemas.openxmlformats.org/officeDocument/2006/relationships" xmlns:p="http://schemas.openxmlformats.org/presentationml/2006/main">
+  <p:cSld>
+    <p:spTree>
+      <p:nvGrpSpPr>
+        <p:cNvPr id="1" name=""/>
+        <p:cNvGrpSpPr/>
+        <p:nvPr/>
+      </p:nvGrpSpPr>
+      <p:grpSpPr>
+        <a:xfrm>
+          <a:off x="0" y="0"/>
+          <a:ext cx="0" cy="0"/>
+          <a:chOff x="0" y="0"/>
+          <a:chExt cx="0" cy="0"/>
+        </a:xfrm>
+      </p:grpSpPr>
+      <p:sp>
+        <p:nvSpPr>
+          <p:cNvPr id="2" name="Titre 1"/>
+          <p:cNvSpPr>
+            <a:spLocks noGrp="1"/>
+          </p:cNvSpPr>
+          <p:nvPr>
+            <p:ph type="title"/>
+          </p:nvPr>
+        </p:nvSpPr>
+        <p:spPr/>
+        <p:txBody>
+          <a:bodyPr/>
+          <a:lstStyle/>
+          <a:p>
+            <a:r>
+              <a:rPr lang="fr-FR" dirty="0" err="1"/>
+              <a:t>fstrings</a:t>
+            </a:r>
+            <a:endParaRPr lang="fr-FR" dirty="0"/>
+          </a:p>
+        </p:txBody>
+      </p:sp>
+      <p:sp>
+        <p:nvSpPr>
+          <p:cNvPr id="3" name="Espace réservé du contenu 2"/>
+          <p:cNvSpPr>
+            <a:spLocks noGrp="1"/>
+          </p:cNvSpPr>
+          <p:nvPr>
+            <p:ph idx="1"/>
+          </p:nvPr>
+        </p:nvSpPr>
+        <p:spPr/>
+        <p:txBody>
+          <a:bodyPr/>
+          <a:lstStyle/>
+          <a:p>
+            <a:r>
+              <a:rPr lang="fr-FR" dirty="0"/>
+              <a:t>Nouveau en Python 3.6</a:t>
+            </a:r>
+          </a:p>
+          <a:p>
+            <a:pPr lvl="1"/>
+            <a:r>
+              <a:rPr lang="fr-FR" dirty="0"/>
+              <a:t>Chaine formatée à partir de variables existantes</a:t>
+            </a:r>
+          </a:p>
+          <a:p>
+            <a:pPr lvl="1"/>
+            <a:r>
+              <a:rPr lang="en-US" dirty="0"/>
+              <a:t>name = "Fred"</a:t>
+            </a:r>
+          </a:p>
+          <a:p>
+            <a:pPr lvl="1"/>
+            <a:r>
+              <a:rPr lang="en-US" dirty="0" err="1"/>
+              <a:t>f"He</a:t>
+            </a:r>
+            <a:r>
+              <a:rPr lang="en-US" dirty="0"/>
+              <a:t> said his name is {name}."</a:t>
+            </a:r>
+            <a:endParaRPr lang="fr-FR" dirty="0"/>
+          </a:p>
+        </p:txBody>
+      </p:sp>
+    </p:spTree>
+    <p:extLst>
+      <p:ext uri="{BB962C8B-B14F-4D97-AF65-F5344CB8AC3E}">
+        <p14:creationId xmlns:p14="http://schemas.microsoft.com/office/powerpoint/2010/main" val="2152972904"/>
+      </p:ext>
+    </p:extLst>
+  </p:cSld>
+  <p:clrMapOvr>
+    <a:masterClrMapping/>
+  </p:clrMapOvr>
+</p:sld>
+</file>
+
+<file path=ppt/slides/slide16.xml><?xml version="1.0" encoding="utf-8"?>
+<p:sld xmlns:a="http://schemas.openxmlformats.org/drawingml/2006/main" xmlns:r="http://schemas.openxmlformats.org/officeDocument/2006/relationships" xmlns:p="http://schemas.openxmlformats.org/presentationml/2006/main">
+  <p:cSld>
+    <p:spTree>
+      <p:nvGrpSpPr>
+        <p:cNvPr id="1" name=""/>
+        <p:cNvGrpSpPr/>
+        <p:nvPr/>
+      </p:nvGrpSpPr>
+      <p:grpSpPr>
+        <a:xfrm>
+          <a:off x="0" y="0"/>
+          <a:ext cx="0" cy="0"/>
+          <a:chOff x="0" y="0"/>
+          <a:chExt cx="0" cy="0"/>
+        </a:xfrm>
+      </p:grpSpPr>
+      <p:sp>
+        <p:nvSpPr>
+          <p:cNvPr id="2" name="Titre 1"/>
+          <p:cNvSpPr>
+            <a:spLocks noGrp="1"/>
+          </p:cNvSpPr>
+          <p:nvPr>
+            <p:ph type="title"/>
+          </p:nvPr>
+        </p:nvSpPr>
+        <p:spPr/>
+        <p:txBody>
+          <a:bodyPr/>
+          <a:lstStyle/>
+          <a:p>
+            <a:r>
               <a:rPr lang="fr-FR" dirty="0" err="1"/>
               <a:t>Indiçage</a:t>
             </a:r>
@@ -4419,7 +5079,7 @@
     </p:spTree>
     <p:extLst>
       <p:ext uri="{BB962C8B-B14F-4D97-AF65-F5344CB8AC3E}">
-        <p14:creationId xmlns:p14="http://schemas.microsoft.com/office/powerpoint/2010/main" val="2340059611"/>
+        <p14:creationId xmlns:p14="http://schemas.microsoft.com/office/powerpoint/2010/main" val="2880663148"/>
       </p:ext>
     </p:extLst>
   </p:cSld>
@@ -4515,1056 +5175,7 @@
 </p:sld>
 </file>
 
-<file path=ppt/slides/slide12.xml><?xml version="1.0" encoding="utf-8"?>
-<p:sld xmlns:a="http://schemas.openxmlformats.org/drawingml/2006/main" xmlns:r="http://schemas.openxmlformats.org/officeDocument/2006/relationships" xmlns:p="http://schemas.openxmlformats.org/presentationml/2006/main">
-  <p:cSld>
-    <p:spTree>
-      <p:nvGrpSpPr>
-        <p:cNvPr id="1" name=""/>
-        <p:cNvGrpSpPr/>
-        <p:nvPr/>
-      </p:nvGrpSpPr>
-      <p:grpSpPr>
-        <a:xfrm>
-          <a:off x="0" y="0"/>
-          <a:ext cx="0" cy="0"/>
-          <a:chOff x="0" y="0"/>
-          <a:chExt cx="0" cy="0"/>
-        </a:xfrm>
-      </p:grpSpPr>
-      <p:sp>
-        <p:nvSpPr>
-          <p:cNvPr id="2" name="Titre 1"/>
-          <p:cNvSpPr>
-            <a:spLocks noGrp="1"/>
-          </p:cNvSpPr>
-          <p:nvPr>
-            <p:ph type="title"/>
-          </p:nvPr>
-        </p:nvSpPr>
-        <p:spPr/>
-        <p:txBody>
-          <a:bodyPr/>
-          <a:lstStyle/>
-          <a:p>
-            <a:r>
-              <a:rPr lang="fr-FR" dirty="0"/>
-              <a:t>Remarques sur les chaînes</a:t>
-            </a:r>
-          </a:p>
-        </p:txBody>
-      </p:sp>
-      <p:sp>
-        <p:nvSpPr>
-          <p:cNvPr id="3" name="Espace réservé du contenu 2"/>
-          <p:cNvSpPr>
-            <a:spLocks noGrp="1"/>
-          </p:cNvSpPr>
-          <p:nvPr>
-            <p:ph idx="1"/>
-          </p:nvPr>
-        </p:nvSpPr>
-        <p:spPr/>
-        <p:txBody>
-          <a:bodyPr/>
-          <a:lstStyle/>
-          <a:p>
-            <a:pPr>
-              <a:lnSpc>
-                <a:spcPct val="90000"/>
-              </a:lnSpc>
-            </a:pPr>
-            <a:r>
-              <a:rPr lang="en-GB" altLang="fr-FR" dirty="0" err="1"/>
-              <a:t>Une</a:t>
-            </a:r>
-            <a:r>
-              <a:rPr lang="en-GB" altLang="fr-FR" dirty="0"/>
-              <a:t> </a:t>
-            </a:r>
-            <a:r>
-              <a:rPr lang="en-GB" altLang="fr-FR" dirty="0" err="1"/>
-              <a:t>valeur</a:t>
-            </a:r>
-            <a:r>
-              <a:rPr lang="en-GB" altLang="fr-FR" dirty="0"/>
-              <a:t> </a:t>
-            </a:r>
-            <a:r>
-              <a:rPr lang="en-GB" altLang="fr-FR" dirty="0" err="1"/>
-              <a:t>laissée</a:t>
-            </a:r>
-            <a:r>
-              <a:rPr lang="en-GB" altLang="fr-FR" dirty="0"/>
-              <a:t> </a:t>
-            </a:r>
-            <a:r>
-              <a:rPr lang="en-GB" altLang="fr-FR" dirty="0" err="1"/>
-              <a:t>vierge</a:t>
-            </a:r>
-            <a:r>
-              <a:rPr lang="en-GB" altLang="fr-FR" dirty="0"/>
-              <a:t> </a:t>
-            </a:r>
-            <a:r>
-              <a:rPr lang="en-GB" altLang="fr-FR" dirty="0" err="1"/>
-              <a:t>prend</a:t>
-            </a:r>
-            <a:r>
-              <a:rPr lang="en-GB" altLang="fr-FR" dirty="0"/>
-              <a:t> la </a:t>
-            </a:r>
-            <a:r>
-              <a:rPr lang="en-GB" altLang="fr-FR" dirty="0" err="1"/>
-              <a:t>valeur</a:t>
-            </a:r>
-            <a:r>
-              <a:rPr lang="en-GB" altLang="fr-FR" dirty="0"/>
-              <a:t> 0 à gauche et  la </a:t>
-            </a:r>
-            <a:r>
-              <a:rPr lang="en-GB" altLang="fr-FR" dirty="0" err="1"/>
-              <a:t>taille</a:t>
-            </a:r>
-            <a:r>
-              <a:rPr lang="en-GB" altLang="fr-FR" dirty="0"/>
-              <a:t> de la </a:t>
-            </a:r>
-            <a:r>
-              <a:rPr lang="en-GB" altLang="fr-FR" dirty="0" err="1"/>
-              <a:t>chaîne</a:t>
-            </a:r>
-            <a:r>
-              <a:rPr lang="en-GB" altLang="fr-FR" dirty="0"/>
-              <a:t> à </a:t>
-            </a:r>
-            <a:r>
-              <a:rPr lang="en-GB" altLang="fr-FR" dirty="0" err="1"/>
-              <a:t>droite</a:t>
-            </a:r>
-            <a:endParaRPr lang="en-GB" altLang="fr-FR" dirty="0"/>
-          </a:p>
-          <a:p>
-            <a:pPr lvl="1">
-              <a:lnSpc>
-                <a:spcPct val="90000"/>
-              </a:lnSpc>
-            </a:pPr>
-            <a:r>
-              <a:rPr lang="en-GB" altLang="fr-FR" dirty="0"/>
-              <a:t>s[:5] =&gt; s[0:5] et s[3:] =&gt; s[3:len(s)])			</a:t>
-            </a:r>
-          </a:p>
-          <a:p>
-            <a:pPr>
-              <a:lnSpc>
-                <a:spcPct val="90000"/>
-              </a:lnSpc>
-            </a:pPr>
-            <a:r>
-              <a:rPr lang="en-GB" altLang="fr-FR" dirty="0"/>
-              <a:t>Un index qui </a:t>
-            </a:r>
-            <a:r>
-              <a:rPr lang="en-GB" altLang="fr-FR" dirty="0" err="1"/>
-              <a:t>est</a:t>
-            </a:r>
-            <a:r>
-              <a:rPr lang="en-GB" altLang="fr-FR" dirty="0"/>
-              <a:t> trop grand </a:t>
-            </a:r>
-            <a:r>
-              <a:rPr lang="en-GB" altLang="fr-FR" dirty="0" err="1"/>
-              <a:t>est</a:t>
-            </a:r>
-            <a:r>
-              <a:rPr lang="en-GB" altLang="fr-FR" dirty="0"/>
-              <a:t> </a:t>
-            </a:r>
-            <a:r>
-              <a:rPr lang="en-GB" altLang="fr-FR" dirty="0" err="1"/>
-              <a:t>remplacé</a:t>
-            </a:r>
-            <a:r>
-              <a:rPr lang="en-GB" altLang="fr-FR" dirty="0"/>
-              <a:t> par la </a:t>
-            </a:r>
-            <a:r>
-              <a:rPr lang="en-GB" altLang="fr-FR" dirty="0" err="1"/>
-              <a:t>taille</a:t>
-            </a:r>
-            <a:r>
-              <a:rPr lang="en-GB" altLang="fr-FR" dirty="0"/>
-              <a:t> de la </a:t>
-            </a:r>
-            <a:r>
-              <a:rPr lang="en-GB" altLang="fr-FR" dirty="0" err="1"/>
-              <a:t>chaîne</a:t>
-            </a:r>
-            <a:r>
-              <a:rPr lang="en-GB" altLang="fr-FR" dirty="0"/>
-              <a:t>, un index de fin </a:t>
-            </a:r>
-            <a:r>
-              <a:rPr lang="en-GB" altLang="fr-FR" dirty="0" err="1"/>
-              <a:t>inférieur</a:t>
-            </a:r>
-            <a:r>
-              <a:rPr lang="en-GB" altLang="fr-FR" dirty="0"/>
-              <a:t> à </a:t>
-            </a:r>
-            <a:r>
-              <a:rPr lang="en-GB" altLang="fr-FR" dirty="0" err="1"/>
-              <a:t>l’indice</a:t>
-            </a:r>
-            <a:r>
-              <a:rPr lang="en-GB" altLang="fr-FR" dirty="0"/>
-              <a:t> de début </a:t>
-            </a:r>
-            <a:r>
-              <a:rPr lang="en-GB" altLang="fr-FR" dirty="0" err="1"/>
-              <a:t>retourne</a:t>
-            </a:r>
-            <a:r>
-              <a:rPr lang="en-GB" altLang="fr-FR" dirty="0"/>
-              <a:t> </a:t>
-            </a:r>
-            <a:r>
-              <a:rPr lang="en-GB" altLang="fr-FR" dirty="0" err="1"/>
-              <a:t>une</a:t>
-            </a:r>
-            <a:r>
-              <a:rPr lang="en-GB" altLang="fr-FR" dirty="0"/>
-              <a:t> </a:t>
-            </a:r>
-            <a:r>
-              <a:rPr lang="en-GB" altLang="fr-FR" dirty="0" err="1"/>
-              <a:t>chaîne</a:t>
-            </a:r>
-            <a:r>
-              <a:rPr lang="en-GB" altLang="fr-FR" dirty="0"/>
-              <a:t> vide</a:t>
-            </a:r>
-          </a:p>
-          <a:p>
-            <a:pPr lvl="1">
-              <a:lnSpc>
-                <a:spcPct val="90000"/>
-              </a:lnSpc>
-            </a:pPr>
-            <a:r>
-              <a:rPr lang="en-GB" altLang="fr-FR" dirty="0"/>
-              <a:t>s[1:100] </a:t>
-            </a:r>
-            <a:r>
-              <a:rPr lang="en-GB" altLang="fr-FR" dirty="0" err="1"/>
-              <a:t>donnera</a:t>
-            </a:r>
-            <a:r>
-              <a:rPr lang="en-GB" altLang="fr-FR" dirty="0"/>
-              <a:t> ‘onexemple.py’ et s[2:1] </a:t>
-            </a:r>
-            <a:r>
-              <a:rPr lang="en-GB" altLang="fr-FR" dirty="0" err="1"/>
-              <a:t>donnera</a:t>
-            </a:r>
-            <a:r>
-              <a:rPr lang="en-GB" altLang="fr-FR" dirty="0"/>
-              <a:t> ‘’	</a:t>
-            </a:r>
-          </a:p>
-          <a:p>
-            <a:pPr>
-              <a:lnSpc>
-                <a:spcPct val="90000"/>
-              </a:lnSpc>
-            </a:pPr>
-            <a:r>
-              <a:rPr lang="en-GB" altLang="fr-FR" dirty="0">
-                <a:solidFill>
-                  <a:schemeClr val="accent2"/>
-                </a:solidFill>
-              </a:rPr>
-              <a:t>&gt;&gt;&gt; s[-2]  # les </a:t>
-            </a:r>
-            <a:r>
-              <a:rPr lang="en-GB" altLang="fr-FR" dirty="0" err="1">
-                <a:solidFill>
-                  <a:schemeClr val="accent2"/>
-                </a:solidFill>
-              </a:rPr>
-              <a:t>deux</a:t>
-            </a:r>
-            <a:r>
-              <a:rPr lang="en-GB" altLang="fr-FR" dirty="0">
-                <a:solidFill>
-                  <a:schemeClr val="accent2"/>
-                </a:solidFill>
-              </a:rPr>
-              <a:t> </a:t>
-            </a:r>
-            <a:r>
-              <a:rPr lang="en-GB" altLang="fr-FR" dirty="0" err="1">
-                <a:solidFill>
-                  <a:schemeClr val="accent2"/>
-                </a:solidFill>
-              </a:rPr>
-              <a:t>derniers</a:t>
-            </a:r>
-            <a:r>
-              <a:rPr lang="en-GB" altLang="fr-FR" dirty="0">
-                <a:solidFill>
-                  <a:schemeClr val="accent2"/>
-                </a:solidFill>
-              </a:rPr>
-              <a:t> </a:t>
-            </a:r>
-            <a:r>
-              <a:rPr lang="en-GB" altLang="fr-FR" dirty="0" err="1">
-                <a:solidFill>
-                  <a:schemeClr val="accent2"/>
-                </a:solidFill>
-              </a:rPr>
-              <a:t>caractères</a:t>
-            </a:r>
-            <a:endParaRPr lang="en-GB" altLang="fr-FR" dirty="0">
-              <a:solidFill>
-                <a:schemeClr val="accent2"/>
-              </a:solidFill>
-            </a:endParaRPr>
-          </a:p>
-          <a:p>
-            <a:pPr>
-              <a:lnSpc>
-                <a:spcPct val="90000"/>
-              </a:lnSpc>
-            </a:pPr>
-            <a:r>
-              <a:rPr lang="en-GB" altLang="fr-FR" dirty="0">
-                <a:solidFill>
-                  <a:schemeClr val="accent2"/>
-                </a:solidFill>
-              </a:rPr>
-              <a:t>&gt;&gt;&gt;’</a:t>
-            </a:r>
-            <a:r>
-              <a:rPr lang="en-GB" altLang="fr-FR" dirty="0" err="1">
-                <a:solidFill>
-                  <a:schemeClr val="accent2"/>
-                </a:solidFill>
-              </a:rPr>
-              <a:t>py</a:t>
-            </a:r>
-            <a:r>
-              <a:rPr lang="en-GB" altLang="fr-FR" dirty="0">
-                <a:solidFill>
-                  <a:schemeClr val="accent2"/>
-                </a:solidFill>
-              </a:rPr>
-              <a:t>’</a:t>
-            </a:r>
-          </a:p>
-          <a:p>
-            <a:pPr>
-              <a:lnSpc>
-                <a:spcPct val="90000"/>
-              </a:lnSpc>
-            </a:pPr>
-            <a:r>
-              <a:rPr lang="en-GB" altLang="fr-FR" dirty="0">
-                <a:solidFill>
-                  <a:schemeClr val="accent2"/>
-                </a:solidFill>
-              </a:rPr>
-              <a:t>&gt;&gt;&gt;s[-100] # </a:t>
-            </a:r>
-            <a:r>
-              <a:rPr lang="en-GB" altLang="fr-FR" dirty="0" err="1">
-                <a:solidFill>
-                  <a:schemeClr val="accent2"/>
-                </a:solidFill>
-              </a:rPr>
-              <a:t>erreur</a:t>
-            </a:r>
-            <a:endParaRPr lang="fr-FR" dirty="0"/>
-          </a:p>
-        </p:txBody>
-      </p:sp>
-    </p:spTree>
-    <p:extLst>
-      <p:ext uri="{BB962C8B-B14F-4D97-AF65-F5344CB8AC3E}">
-        <p14:creationId xmlns:p14="http://schemas.microsoft.com/office/powerpoint/2010/main" val="1544568752"/>
-      </p:ext>
-    </p:extLst>
-  </p:cSld>
-  <p:clrMapOvr>
-    <a:masterClrMapping/>
-  </p:clrMapOvr>
-</p:sld>
-</file>
-
-<file path=ppt/slides/slide13.xml><?xml version="1.0" encoding="utf-8"?>
-<p:sld xmlns:a="http://schemas.openxmlformats.org/drawingml/2006/main" xmlns:r="http://schemas.openxmlformats.org/officeDocument/2006/relationships" xmlns:p="http://schemas.openxmlformats.org/presentationml/2006/main">
-  <p:cSld>
-    <p:spTree>
-      <p:nvGrpSpPr>
-        <p:cNvPr id="1" name=""/>
-        <p:cNvGrpSpPr/>
-        <p:nvPr/>
-      </p:nvGrpSpPr>
-      <p:grpSpPr>
-        <a:xfrm>
-          <a:off x="0" y="0"/>
-          <a:ext cx="0" cy="0"/>
-          <a:chOff x="0" y="0"/>
-          <a:chExt cx="0" cy="0"/>
-        </a:xfrm>
-      </p:grpSpPr>
-      <p:sp>
-        <p:nvSpPr>
-          <p:cNvPr id="2" name="Titre 1"/>
-          <p:cNvSpPr>
-            <a:spLocks noGrp="1"/>
-          </p:cNvSpPr>
-          <p:nvPr>
-            <p:ph type="title"/>
-          </p:nvPr>
-        </p:nvSpPr>
-        <p:spPr/>
-        <p:txBody>
-          <a:bodyPr/>
-          <a:lstStyle/>
-          <a:p>
-            <a:r>
-              <a:rPr lang="fr-FR" dirty="0"/>
-              <a:t>Astuces</a:t>
-            </a:r>
-          </a:p>
-        </p:txBody>
-      </p:sp>
-      <p:sp>
-        <p:nvSpPr>
-          <p:cNvPr id="3" name="Espace réservé du contenu 2"/>
-          <p:cNvSpPr>
-            <a:spLocks noGrp="1"/>
-          </p:cNvSpPr>
-          <p:nvPr>
-            <p:ph idx="1"/>
-          </p:nvPr>
-        </p:nvSpPr>
-        <p:spPr/>
-        <p:txBody>
-          <a:bodyPr/>
-          <a:lstStyle/>
-          <a:p>
-            <a:r>
-              <a:rPr lang="fr-FR" dirty="0"/>
-              <a:t>Permutation de 2 variables</a:t>
-            </a:r>
-          </a:p>
-          <a:p>
-            <a:pPr lvl="1"/>
-            <a:r>
-              <a:rPr lang="fr-FR" dirty="0" err="1"/>
-              <a:t>a,b</a:t>
-            </a:r>
-            <a:r>
-              <a:rPr lang="fr-FR" dirty="0"/>
-              <a:t> = </a:t>
-            </a:r>
-            <a:r>
-              <a:rPr lang="fr-FR" dirty="0" err="1"/>
-              <a:t>b,a</a:t>
-            </a:r>
-            <a:endParaRPr lang="fr-FR" dirty="0"/>
-          </a:p>
-          <a:p>
-            <a:r>
-              <a:rPr lang="fr-FR" dirty="0"/>
-              <a:t>Affectation multiple</a:t>
-            </a:r>
-          </a:p>
-          <a:p>
-            <a:pPr lvl="1"/>
-            <a:r>
-              <a:rPr lang="fr-FR" dirty="0"/>
-              <a:t>a = b = 3</a:t>
-            </a:r>
-          </a:p>
-          <a:p>
-            <a:r>
-              <a:rPr lang="fr-FR" dirty="0"/>
-              <a:t>Ecriture sur plusieurs lignes</a:t>
-            </a:r>
-          </a:p>
-          <a:p>
-            <a:pPr lvl="1"/>
-            <a:r>
-              <a:rPr lang="fr-FR" dirty="0"/>
-              <a:t>1 + 2 + 3 \</a:t>
-            </a:r>
-          </a:p>
-          <a:p>
-            <a:pPr lvl="1"/>
-            <a:r>
-              <a:rPr lang="fr-FR" dirty="0"/>
-              <a:t>+ 4</a:t>
-            </a:r>
-          </a:p>
-          <a:p>
-            <a:endParaRPr lang="fr-FR" dirty="0"/>
-          </a:p>
-        </p:txBody>
-      </p:sp>
-    </p:spTree>
-    <p:extLst>
-      <p:ext uri="{BB962C8B-B14F-4D97-AF65-F5344CB8AC3E}">
-        <p14:creationId xmlns:p14="http://schemas.microsoft.com/office/powerpoint/2010/main" val="1674420070"/>
-      </p:ext>
-    </p:extLst>
-  </p:cSld>
-  <p:clrMapOvr>
-    <a:masterClrMapping/>
-  </p:clrMapOvr>
-</p:sld>
-</file>
-
-<file path=ppt/slides/slide14.xml><?xml version="1.0" encoding="utf-8"?>
-<p:sld xmlns:a="http://schemas.openxmlformats.org/drawingml/2006/main" xmlns:r="http://schemas.openxmlformats.org/officeDocument/2006/relationships" xmlns:p="http://schemas.openxmlformats.org/presentationml/2006/main">
-  <p:cSld>
-    <p:spTree>
-      <p:nvGrpSpPr>
-        <p:cNvPr id="1" name=""/>
-        <p:cNvGrpSpPr/>
-        <p:nvPr/>
-      </p:nvGrpSpPr>
-      <p:grpSpPr>
-        <a:xfrm>
-          <a:off x="0" y="0"/>
-          <a:ext cx="0" cy="0"/>
-          <a:chOff x="0" y="0"/>
-          <a:chExt cx="0" cy="0"/>
-        </a:xfrm>
-      </p:grpSpPr>
-      <p:sp>
-        <p:nvSpPr>
-          <p:cNvPr id="2" name="Titre 1"/>
-          <p:cNvSpPr>
-            <a:spLocks noGrp="1"/>
-          </p:cNvSpPr>
-          <p:nvPr>
-            <p:ph type="title"/>
-          </p:nvPr>
-        </p:nvSpPr>
-        <p:spPr/>
-        <p:txBody>
-          <a:bodyPr/>
-          <a:lstStyle/>
-          <a:p>
-            <a:r>
-              <a:rPr lang="fr-FR" dirty="0"/>
-              <a:t>Les premières fonctions</a:t>
-            </a:r>
-          </a:p>
-        </p:txBody>
-      </p:sp>
-      <p:sp>
-        <p:nvSpPr>
-          <p:cNvPr id="3" name="Espace réservé du contenu 2"/>
-          <p:cNvSpPr>
-            <a:spLocks noGrp="1"/>
-          </p:cNvSpPr>
-          <p:nvPr>
-            <p:ph idx="1"/>
-          </p:nvPr>
-        </p:nvSpPr>
-        <p:spPr/>
-        <p:txBody>
-          <a:bodyPr/>
-          <a:lstStyle/>
-          <a:p>
-            <a:r>
-              <a:rPr lang="fr-FR" dirty="0"/>
-              <a:t>Une fonction contient un nom, des paramètres entre parenthèse et un retour</a:t>
-            </a:r>
-          </a:p>
-          <a:p>
-            <a:r>
-              <a:rPr lang="fr-FR" dirty="0"/>
-              <a:t>type()</a:t>
-            </a:r>
-          </a:p>
-          <a:p>
-            <a:pPr lvl="1"/>
-            <a:r>
-              <a:rPr lang="fr-FR" dirty="0"/>
-              <a:t>Renvoie le type de la variable</a:t>
-            </a:r>
-          </a:p>
-          <a:p>
-            <a:pPr lvl="1"/>
-            <a:r>
-              <a:rPr lang="fr-FR" dirty="0"/>
-              <a:t>type(3.14)</a:t>
-            </a:r>
-          </a:p>
-          <a:p>
-            <a:r>
-              <a:rPr lang="fr-FR" dirty="0" err="1"/>
-              <a:t>print</a:t>
-            </a:r>
-            <a:r>
-              <a:rPr lang="fr-FR" dirty="0"/>
-              <a:t>()</a:t>
-            </a:r>
-          </a:p>
-          <a:p>
-            <a:pPr lvl="1"/>
-            <a:r>
-              <a:rPr lang="fr-FR" dirty="0"/>
-              <a:t>Affiche une variable</a:t>
-            </a:r>
-          </a:p>
-          <a:p>
-            <a:pPr lvl="1"/>
-            <a:r>
-              <a:rPr lang="fr-FR" dirty="0" err="1"/>
-              <a:t>print</a:t>
-            </a:r>
-            <a:r>
-              <a:rPr lang="fr-FR" dirty="0"/>
-              <a:t>(a)</a:t>
-            </a:r>
-          </a:p>
-        </p:txBody>
-      </p:sp>
-    </p:spTree>
-    <p:extLst>
-      <p:ext uri="{BB962C8B-B14F-4D97-AF65-F5344CB8AC3E}">
-        <p14:creationId xmlns:p14="http://schemas.microsoft.com/office/powerpoint/2010/main" val="4016214150"/>
-      </p:ext>
-    </p:extLst>
-  </p:cSld>
-  <p:clrMapOvr>
-    <a:masterClrMapping/>
-  </p:clrMapOvr>
-</p:sld>
-</file>
-
-<file path=ppt/slides/slide15.xml><?xml version="1.0" encoding="utf-8"?>
-<p:sld xmlns:a="http://schemas.openxmlformats.org/drawingml/2006/main" xmlns:r="http://schemas.openxmlformats.org/officeDocument/2006/relationships" xmlns:p="http://schemas.openxmlformats.org/presentationml/2006/main">
-  <p:cSld>
-    <p:spTree>
-      <p:nvGrpSpPr>
-        <p:cNvPr id="1" name=""/>
-        <p:cNvGrpSpPr/>
-        <p:nvPr/>
-      </p:nvGrpSpPr>
-      <p:grpSpPr>
-        <a:xfrm>
-          <a:off x="0" y="0"/>
-          <a:ext cx="0" cy="0"/>
-          <a:chOff x="0" y="0"/>
-          <a:chExt cx="0" cy="0"/>
-        </a:xfrm>
-      </p:grpSpPr>
-      <p:sp>
-        <p:nvSpPr>
-          <p:cNvPr id="2" name="Titre 1"/>
-          <p:cNvSpPr>
-            <a:spLocks noGrp="1"/>
-          </p:cNvSpPr>
-          <p:nvPr>
-            <p:ph type="title"/>
-          </p:nvPr>
-        </p:nvSpPr>
-        <p:spPr/>
-        <p:txBody>
-          <a:bodyPr/>
-          <a:lstStyle/>
-          <a:p>
-            <a:r>
-              <a:rPr lang="fr-FR" dirty="0"/>
-              <a:t>Les premières fonctions</a:t>
-            </a:r>
-          </a:p>
-        </p:txBody>
-      </p:sp>
-      <p:sp>
-        <p:nvSpPr>
-          <p:cNvPr id="3" name="Espace réservé du contenu 2"/>
-          <p:cNvSpPr>
-            <a:spLocks noGrp="1"/>
-          </p:cNvSpPr>
-          <p:nvPr>
-            <p:ph idx="1"/>
-          </p:nvPr>
-        </p:nvSpPr>
-        <p:spPr/>
-        <p:txBody>
-          <a:bodyPr/>
-          <a:lstStyle/>
-          <a:p>
-            <a:r>
-              <a:rPr lang="fr-FR" dirty="0"/>
-              <a:t>Une fonction contient un nom, des paramètres entre parenthèse et un retour</a:t>
-            </a:r>
-          </a:p>
-          <a:p>
-            <a:r>
-              <a:rPr lang="fr-FR" dirty="0" err="1"/>
-              <a:t>len</a:t>
-            </a:r>
-            <a:r>
-              <a:rPr lang="fr-FR" dirty="0"/>
-              <a:t>()</a:t>
-            </a:r>
-          </a:p>
-          <a:p>
-            <a:pPr lvl="1"/>
-            <a:r>
-              <a:rPr lang="fr-FR" dirty="0"/>
-              <a:t>Renvoie la taille d’une string</a:t>
-            </a:r>
-          </a:p>
-          <a:p>
-            <a:pPr lvl="1"/>
-            <a:r>
-              <a:rPr lang="fr-FR" dirty="0" err="1"/>
-              <a:t>len</a:t>
-            </a:r>
-            <a:r>
-              <a:rPr lang="fr-FR" dirty="0"/>
-              <a:t>(s)</a:t>
-            </a:r>
-          </a:p>
-          <a:p>
-            <a:r>
-              <a:rPr lang="fr-FR" dirty="0"/>
-              <a:t>input()</a:t>
-            </a:r>
-          </a:p>
-          <a:p>
-            <a:pPr lvl="1"/>
-            <a:r>
-              <a:rPr lang="fr-FR" dirty="0"/>
-              <a:t>Permet la saisie d’une entrée</a:t>
-            </a:r>
-          </a:p>
-          <a:p>
-            <a:pPr lvl="1"/>
-            <a:r>
-              <a:rPr lang="fr-FR" dirty="0" err="1"/>
-              <a:t>annee</a:t>
-            </a:r>
-            <a:r>
-              <a:rPr lang="fr-FR" dirty="0"/>
-              <a:t> = input("Entrez une année: ")</a:t>
-            </a:r>
-          </a:p>
-          <a:p>
-            <a:r>
-              <a:rPr lang="fr-FR" dirty="0" err="1"/>
-              <a:t>int</a:t>
-            </a:r>
-            <a:r>
-              <a:rPr lang="fr-FR" dirty="0"/>
-              <a:t>()</a:t>
-            </a:r>
-          </a:p>
-          <a:p>
-            <a:pPr lvl="1"/>
-            <a:r>
-              <a:rPr lang="fr-FR" dirty="0"/>
-              <a:t>Convertir un string en </a:t>
-            </a:r>
-            <a:r>
-              <a:rPr lang="fr-FR" dirty="0" err="1"/>
-              <a:t>int</a:t>
-            </a:r>
-            <a:endParaRPr lang="fr-FR" dirty="0"/>
-          </a:p>
-          <a:p>
-            <a:pPr lvl="1"/>
-            <a:endParaRPr lang="fr-FR" dirty="0"/>
-          </a:p>
-        </p:txBody>
-      </p:sp>
-    </p:spTree>
-    <p:extLst>
-      <p:ext uri="{BB962C8B-B14F-4D97-AF65-F5344CB8AC3E}">
-        <p14:creationId xmlns:p14="http://schemas.microsoft.com/office/powerpoint/2010/main" val="3835614540"/>
-      </p:ext>
-    </p:extLst>
-  </p:cSld>
-  <p:clrMapOvr>
-    <a:masterClrMapping/>
-  </p:clrMapOvr>
-</p:sld>
-</file>
-
-<file path=ppt/slides/slide16.xml><?xml version="1.0" encoding="utf-8"?>
-<p:sld xmlns:a="http://schemas.openxmlformats.org/drawingml/2006/main" xmlns:r="http://schemas.openxmlformats.org/officeDocument/2006/relationships" xmlns:p="http://schemas.openxmlformats.org/presentationml/2006/main">
-  <p:cSld>
-    <p:spTree>
-      <p:nvGrpSpPr>
-        <p:cNvPr id="1" name=""/>
-        <p:cNvGrpSpPr/>
-        <p:nvPr/>
-      </p:nvGrpSpPr>
-      <p:grpSpPr>
-        <a:xfrm>
-          <a:off x="0" y="0"/>
-          <a:ext cx="0" cy="0"/>
-          <a:chOff x="0" y="0"/>
-          <a:chExt cx="0" cy="0"/>
-        </a:xfrm>
-      </p:grpSpPr>
-      <p:sp>
-        <p:nvSpPr>
-          <p:cNvPr id="2" name="Titre 1"/>
-          <p:cNvSpPr>
-            <a:spLocks noGrp="1"/>
-          </p:cNvSpPr>
-          <p:nvPr>
-            <p:ph type="title"/>
-          </p:nvPr>
-        </p:nvSpPr>
-        <p:spPr/>
-        <p:txBody>
-          <a:bodyPr/>
-          <a:lstStyle/>
-          <a:p>
-            <a:r>
-              <a:rPr lang="fr-FR" dirty="0"/>
-              <a:t>Les fonctions des chaînes</a:t>
-            </a:r>
-          </a:p>
-        </p:txBody>
-      </p:sp>
-      <p:sp>
-        <p:nvSpPr>
-          <p:cNvPr id="3" name="Espace réservé du contenu 2"/>
-          <p:cNvSpPr>
-            <a:spLocks noGrp="1"/>
-          </p:cNvSpPr>
-          <p:nvPr>
-            <p:ph idx="1"/>
-          </p:nvPr>
-        </p:nvSpPr>
-        <p:spPr/>
-        <p:txBody>
-          <a:bodyPr/>
-          <a:lstStyle/>
-          <a:p>
-            <a:r>
-              <a:rPr lang="fr-FR" dirty="0"/>
-              <a:t>Les strings sont en objet</a:t>
-            </a:r>
-          </a:p>
-          <a:p>
-            <a:r>
-              <a:rPr lang="fr-FR" dirty="0" err="1"/>
-              <a:t>lower</a:t>
-            </a:r>
-            <a:r>
-              <a:rPr lang="fr-FR" dirty="0"/>
-              <a:t>(), </a:t>
-            </a:r>
-            <a:r>
-              <a:rPr lang="fr-FR" dirty="0" err="1"/>
-              <a:t>upper</a:t>
-            </a:r>
-            <a:r>
-              <a:rPr lang="fr-FR" dirty="0"/>
-              <a:t>(), </a:t>
-            </a:r>
-            <a:r>
-              <a:rPr lang="fr-FR" dirty="0" err="1"/>
-              <a:t>capitalize</a:t>
-            </a:r>
-            <a:r>
-              <a:rPr lang="fr-FR" dirty="0"/>
-              <a:t>(), </a:t>
-            </a:r>
-            <a:r>
-              <a:rPr lang="fr-FR" dirty="0" err="1"/>
-              <a:t>strip</a:t>
-            </a:r>
-            <a:r>
-              <a:rPr lang="fr-FR" dirty="0"/>
-              <a:t>()</a:t>
-            </a:r>
-          </a:p>
-          <a:p>
-            <a:pPr lvl="1"/>
-            <a:endParaRPr lang="fr-FR" dirty="0"/>
-          </a:p>
-        </p:txBody>
-      </p:sp>
-      <p:pic>
-        <p:nvPicPr>
-          <p:cNvPr id="5" name="Image 4"/>
-          <p:cNvPicPr>
-            <a:picLocks noChangeAspect="1"/>
-          </p:cNvPicPr>
-          <p:nvPr/>
-        </p:nvPicPr>
-        <p:blipFill>
-          <a:blip r:embed="rId2"/>
-          <a:stretch>
-            <a:fillRect/>
-          </a:stretch>
-        </p:blipFill>
-        <p:spPr>
-          <a:xfrm>
-            <a:off x="543290" y="2580637"/>
-            <a:ext cx="5248225" cy="637068"/>
-          </a:xfrm>
-          <a:prstGeom prst="rect">
-            <a:avLst/>
-          </a:prstGeom>
-        </p:spPr>
-      </p:pic>
-      <p:pic>
-        <p:nvPicPr>
-          <p:cNvPr id="6" name="Image 5"/>
-          <p:cNvPicPr>
-            <a:picLocks noChangeAspect="1"/>
-          </p:cNvPicPr>
-          <p:nvPr/>
-        </p:nvPicPr>
-        <p:blipFill>
-          <a:blip r:embed="rId3"/>
-          <a:stretch>
-            <a:fillRect/>
-          </a:stretch>
-        </p:blipFill>
-        <p:spPr>
-          <a:xfrm>
-            <a:off x="543290" y="3366071"/>
-            <a:ext cx="6779317" cy="2038990"/>
-          </a:xfrm>
-          <a:prstGeom prst="rect">
-            <a:avLst/>
-          </a:prstGeom>
-        </p:spPr>
-      </p:pic>
-    </p:spTree>
-    <p:extLst>
-      <p:ext uri="{BB962C8B-B14F-4D97-AF65-F5344CB8AC3E}">
-        <p14:creationId xmlns:p14="http://schemas.microsoft.com/office/powerpoint/2010/main" val="2507080702"/>
-      </p:ext>
-    </p:extLst>
-  </p:cSld>
-  <p:clrMapOvr>
-    <a:masterClrMapping/>
-  </p:clrMapOvr>
-</p:sld>
-</file>
-
 <file path=ppt/slides/slide17.xml><?xml version="1.0" encoding="utf-8"?>
-<p:sld xmlns:a="http://schemas.openxmlformats.org/drawingml/2006/main" xmlns:r="http://schemas.openxmlformats.org/officeDocument/2006/relationships" xmlns:p="http://schemas.openxmlformats.org/presentationml/2006/main">
-  <p:cSld>
-    <p:spTree>
-      <p:nvGrpSpPr>
-        <p:cNvPr id="1" name=""/>
-        <p:cNvGrpSpPr/>
-        <p:nvPr/>
-      </p:nvGrpSpPr>
-      <p:grpSpPr>
-        <a:xfrm>
-          <a:off x="0" y="0"/>
-          <a:ext cx="0" cy="0"/>
-          <a:chOff x="0" y="0"/>
-          <a:chExt cx="0" cy="0"/>
-        </a:xfrm>
-      </p:grpSpPr>
-      <p:sp>
-        <p:nvSpPr>
-          <p:cNvPr id="2" name="Titre 1"/>
-          <p:cNvSpPr>
-            <a:spLocks noGrp="1"/>
-          </p:cNvSpPr>
-          <p:nvPr>
-            <p:ph type="title"/>
-          </p:nvPr>
-        </p:nvSpPr>
-        <p:spPr/>
-        <p:txBody>
-          <a:bodyPr/>
-          <a:lstStyle/>
-          <a:p>
-            <a:r>
-              <a:rPr lang="fr-FR" dirty="0" err="1"/>
-              <a:t>fstrings</a:t>
-            </a:r>
-            <a:endParaRPr lang="fr-FR" dirty="0"/>
-          </a:p>
-        </p:txBody>
-      </p:sp>
-      <p:sp>
-        <p:nvSpPr>
-          <p:cNvPr id="3" name="Espace réservé du contenu 2"/>
-          <p:cNvSpPr>
-            <a:spLocks noGrp="1"/>
-          </p:cNvSpPr>
-          <p:nvPr>
-            <p:ph idx="1"/>
-          </p:nvPr>
-        </p:nvSpPr>
-        <p:spPr/>
-        <p:txBody>
-          <a:bodyPr/>
-          <a:lstStyle/>
-          <a:p>
-            <a:r>
-              <a:rPr lang="fr-FR" dirty="0"/>
-              <a:t>Nouveau en Python 3.6</a:t>
-            </a:r>
-          </a:p>
-          <a:p>
-            <a:pPr lvl="1"/>
-            <a:r>
-              <a:rPr lang="fr-FR" dirty="0"/>
-              <a:t>Chaine formatée à partir de variables existantes</a:t>
-            </a:r>
-          </a:p>
-          <a:p>
-            <a:pPr lvl="1"/>
-            <a:r>
-              <a:rPr lang="en-US" dirty="0"/>
-              <a:t>name = "Fred"</a:t>
-            </a:r>
-          </a:p>
-          <a:p>
-            <a:pPr lvl="1"/>
-            <a:r>
-              <a:rPr lang="en-US" dirty="0" err="1"/>
-              <a:t>f"He</a:t>
-            </a:r>
-            <a:r>
-              <a:rPr lang="en-US" dirty="0"/>
-              <a:t> said his name is {name}."</a:t>
-            </a:r>
-            <a:endParaRPr lang="fr-FR" dirty="0"/>
-          </a:p>
-        </p:txBody>
-      </p:sp>
-    </p:spTree>
-    <p:extLst>
-      <p:ext uri="{BB962C8B-B14F-4D97-AF65-F5344CB8AC3E}">
-        <p14:creationId xmlns:p14="http://schemas.microsoft.com/office/powerpoint/2010/main" val="2152972904"/>
-      </p:ext>
-    </p:extLst>
-  </p:cSld>
-  <p:clrMapOvr>
-    <a:masterClrMapping/>
-  </p:clrMapOvr>
-</p:sld>
-</file>
-
-<file path=ppt/slides/slide18.xml><?xml version="1.0" encoding="utf-8"?>
 <p:sld xmlns:a="http://schemas.openxmlformats.org/drawingml/2006/main" xmlns:r="http://schemas.openxmlformats.org/officeDocument/2006/relationships" xmlns:p="http://schemas.openxmlformats.org/presentationml/2006/main">
   <p:cSld>
     <p:spTree>
@@ -5707,7 +5318,7 @@
 </p:sld>
 </file>
 
-<file path=ppt/slides/slide19.xml><?xml version="1.0" encoding="utf-8"?>
+<file path=ppt/slides/slide18.xml><?xml version="1.0" encoding="utf-8"?>
 <p:sld xmlns:a="http://schemas.openxmlformats.org/drawingml/2006/main" xmlns:r="http://schemas.openxmlformats.org/officeDocument/2006/relationships" xmlns:p="http://schemas.openxmlformats.org/presentationml/2006/main">
   <p:cSld>
     <p:spTree>
@@ -6803,13 +6414,13 @@
           <a:p>
             <a:r>
               <a:rPr lang="fr-FR" dirty="0"/>
-              <a:t>Python est un langage faiblement typées</a:t>
-            </a:r>
-          </a:p>
-          <a:p>
-            <a:r>
-              <a:rPr lang="fr-FR" dirty="0"/>
-              <a:t>Les variables n’ont pas de type définie</a:t>
+              <a:t>Python est un langage faiblement typé</a:t>
+            </a:r>
+          </a:p>
+          <a:p>
+            <a:r>
+              <a:rPr lang="fr-FR" dirty="0"/>
+              <a:t>Les variables n’ont pas de type défini</a:t>
             </a:r>
           </a:p>
           <a:p>
